--- a/fa19/assets/slides/fa19/08-Mutation.pptx
+++ b/fa19/assets/slides/fa19/08-Mutation.pptx
@@ -9,19 +9,19 @@
   </p:notesMasterIdLst>
   <p:sldIdLst>
     <p:sldId id="290" r:id="rId2"/>
-    <p:sldId id="257" r:id="rId3"/>
-    <p:sldId id="258" r:id="rId4"/>
+    <p:sldId id="292" r:id="rId3"/>
+    <p:sldId id="257" r:id="rId4"/>
     <p:sldId id="259" r:id="rId5"/>
     <p:sldId id="260" r:id="rId6"/>
     <p:sldId id="261" r:id="rId7"/>
     <p:sldId id="262" r:id="rId8"/>
     <p:sldId id="264" r:id="rId9"/>
     <p:sldId id="265" r:id="rId10"/>
-    <p:sldId id="267" r:id="rId11"/>
-    <p:sldId id="268" r:id="rId12"/>
-    <p:sldId id="263" r:id="rId13"/>
-    <p:sldId id="269" r:id="rId14"/>
-    <p:sldId id="270" r:id="rId15"/>
+    <p:sldId id="268" r:id="rId11"/>
+    <p:sldId id="291" r:id="rId12"/>
+    <p:sldId id="269" r:id="rId13"/>
+    <p:sldId id="270" r:id="rId14"/>
+    <p:sldId id="263" r:id="rId15"/>
     <p:sldId id="271" r:id="rId16"/>
     <p:sldId id="272" r:id="rId17"/>
     <p:sldId id="273" r:id="rId18"/>
@@ -1606,14 +1606,14 @@
           <a:ln/>
           <a:extLst>
             <a:ext uri="{909E8E84-426E-40dd-AFC4-6F175D3DCCD1}">
-              <a14:hiddenFill xmlns:a14="http://schemas.microsoft.com/office/drawing/2010/main" xmlns="">
+              <a14:hiddenFill xmlns="" xmlns:a14="http://schemas.microsoft.com/office/drawing/2010/main">
                 <a:solidFill>
                   <a:srgbClr val="FFFFFF"/>
                 </a:solidFill>
               </a14:hiddenFill>
             </a:ext>
             <a:ext uri="{91240B29-F687-4f45-9708-019B960494DF}">
-              <a14:hiddenLine xmlns:a14="http://schemas.microsoft.com/office/drawing/2010/main" xmlns="" w="9525">
+              <a14:hiddenLine xmlns="" xmlns:a14="http://schemas.microsoft.com/office/drawing/2010/main" w="9525">
                 <a:solidFill>
                   <a:srgbClr val="000000"/>
                 </a:solidFill>
@@ -1777,14 +1777,14 @@
           <a:ln/>
           <a:extLst>
             <a:ext uri="{909E8E84-426E-40dd-AFC4-6F175D3DCCD1}">
-              <a14:hiddenFill xmlns:a14="http://schemas.microsoft.com/office/drawing/2010/main" xmlns="">
+              <a14:hiddenFill xmlns="" xmlns:a14="http://schemas.microsoft.com/office/drawing/2010/main">
                 <a:solidFill>
                   <a:srgbClr val="FFFFFF"/>
                 </a:solidFill>
               </a14:hiddenFill>
             </a:ext>
             <a:ext uri="{91240B29-F687-4f45-9708-019B960494DF}">
-              <a14:hiddenLine xmlns:a14="http://schemas.microsoft.com/office/drawing/2010/main" xmlns="" w="9525">
+              <a14:hiddenLine xmlns="" xmlns:a14="http://schemas.microsoft.com/office/drawing/2010/main" w="9525">
                 <a:solidFill>
                   <a:srgbClr val="000000"/>
                 </a:solidFill>
@@ -1794,7 +1794,7 @@
               </a14:hiddenLine>
             </a:ext>
             <a:ext uri="{FAA26D3D-D897-4be2-8F04-BA451C77F1D7}">
-              <ma14:placeholderFlag xmlns:ma14="http://schemas.microsoft.com/office/mac/drawingml/2011/main" xmlns="" val="1"/>
+              <ma14:placeholderFlag xmlns="" xmlns:ma14="http://schemas.microsoft.com/office/mac/drawingml/2011/main" val="1"/>
             </a:ext>
           </a:extLst>
         </p:spPr>
@@ -1828,7 +1828,7 @@
   <p:cSld>
     <p:spTree>
       <p:nvGrpSpPr>
-        <p:cNvPr id="1" name="Shape 211"/>
+        <p:cNvPr id="1" name="Shape 265"/>
         <p:cNvGrpSpPr/>
         <p:nvPr/>
       </p:nvGrpSpPr>
@@ -1842,7 +1842,7 @@
       </p:grpSpPr>
       <p:sp>
         <p:nvSpPr>
-          <p:cNvPr id="212" name="Google Shape;212;p12:notes"/>
+          <p:cNvPr id="266" name="Google Shape;266;p14:notes"/>
           <p:cNvSpPr txBox="1">
             <a:spLocks noGrp="1"/>
           </p:cNvSpPr>
@@ -1880,7 +1880,7 @@
       </p:sp>
       <p:sp>
         <p:nvSpPr>
-          <p:cNvPr id="213" name="Google Shape;213;p12:notes"/>
+          <p:cNvPr id="267" name="Google Shape;267;p14:notes"/>
           <p:cNvSpPr>
             <a:spLocks noGrp="1" noRot="1" noChangeAspect="1"/>
           </p:cNvSpPr>
@@ -1932,7 +1932,7 @@
   <p:cSld>
     <p:spTree>
       <p:nvGrpSpPr>
-        <p:cNvPr id="1" name="Shape 258"/>
+        <p:cNvPr id="1" name="Shape 273"/>
         <p:cNvGrpSpPr/>
         <p:nvPr/>
       </p:nvGrpSpPr>
@@ -1946,7 +1946,7 @@
       </p:grpSpPr>
       <p:sp>
         <p:nvSpPr>
-          <p:cNvPr id="259" name="Google Shape;259;p13:notes"/>
+          <p:cNvPr id="274" name="Google Shape;274;p15:notes"/>
           <p:cNvSpPr txBox="1">
             <a:spLocks noGrp="1"/>
           </p:cNvSpPr>
@@ -1984,7 +1984,7 @@
       </p:sp>
       <p:sp>
         <p:nvSpPr>
-          <p:cNvPr id="260" name="Google Shape;260;p13:notes"/>
+          <p:cNvPr id="275" name="Google Shape;275;p15:notes"/>
           <p:cNvSpPr>
             <a:spLocks noGrp="1" noRot="1" noChangeAspect="1"/>
           </p:cNvSpPr>
@@ -2145,7 +2145,7 @@
   <p:cSld>
     <p:spTree>
       <p:nvGrpSpPr>
-        <p:cNvPr id="1" name="Shape 265"/>
+        <p:cNvPr id="1" name="Shape 282"/>
         <p:cNvGrpSpPr/>
         <p:nvPr/>
       </p:nvGrpSpPr>
@@ -2159,7 +2159,7 @@
       </p:grpSpPr>
       <p:sp>
         <p:nvSpPr>
-          <p:cNvPr id="266" name="Google Shape;266;p14:notes"/>
+          <p:cNvPr id="283" name="Google Shape;283;p16:notes"/>
           <p:cNvSpPr txBox="1">
             <a:spLocks noGrp="1"/>
           </p:cNvSpPr>
@@ -2197,7 +2197,7 @@
       </p:sp>
       <p:sp>
         <p:nvSpPr>
-          <p:cNvPr id="267" name="Google Shape;267;p14:notes"/>
+          <p:cNvPr id="284" name="Google Shape;284;p16:notes"/>
           <p:cNvSpPr>
             <a:spLocks noGrp="1" noRot="1" noChangeAspect="1"/>
           </p:cNvSpPr>
@@ -2249,7 +2249,7 @@
   <p:cSld>
     <p:spTree>
       <p:nvGrpSpPr>
-        <p:cNvPr id="1" name="Shape 273"/>
+        <p:cNvPr id="1" name="Shape 289"/>
         <p:cNvGrpSpPr/>
         <p:nvPr/>
       </p:nvGrpSpPr>
@@ -2263,7 +2263,7 @@
       </p:grpSpPr>
       <p:sp>
         <p:nvSpPr>
-          <p:cNvPr id="274" name="Google Shape;274;p15:notes"/>
+          <p:cNvPr id="290" name="Google Shape;290;p17:notes"/>
           <p:cNvSpPr txBox="1">
             <a:spLocks noGrp="1"/>
           </p:cNvSpPr>
@@ -2301,7 +2301,7 @@
       </p:sp>
       <p:sp>
         <p:nvSpPr>
-          <p:cNvPr id="275" name="Google Shape;275;p15:notes"/>
+          <p:cNvPr id="291" name="Google Shape;291;p17:notes"/>
           <p:cNvSpPr>
             <a:spLocks noGrp="1" noRot="1" noChangeAspect="1"/>
           </p:cNvSpPr>
@@ -2353,7 +2353,7 @@
   <p:cSld>
     <p:spTree>
       <p:nvGrpSpPr>
-        <p:cNvPr id="1" name="Shape 282"/>
+        <p:cNvPr id="1" name="Shape 297"/>
         <p:cNvGrpSpPr/>
         <p:nvPr/>
       </p:nvGrpSpPr>
@@ -2367,7 +2367,7 @@
       </p:grpSpPr>
       <p:sp>
         <p:nvSpPr>
-          <p:cNvPr id="283" name="Google Shape;283;p16:notes"/>
+          <p:cNvPr id="298" name="Google Shape;298;p18:notes"/>
           <p:cNvSpPr txBox="1">
             <a:spLocks noGrp="1"/>
           </p:cNvSpPr>
@@ -2405,7 +2405,7 @@
       </p:sp>
       <p:sp>
         <p:nvSpPr>
-          <p:cNvPr id="284" name="Google Shape;284;p16:notes"/>
+          <p:cNvPr id="299" name="Google Shape;299;p18:notes"/>
           <p:cNvSpPr>
             <a:spLocks noGrp="1" noRot="1" noChangeAspect="1"/>
           </p:cNvSpPr>
@@ -2457,7 +2457,7 @@
   <p:cSld>
     <p:spTree>
       <p:nvGrpSpPr>
-        <p:cNvPr id="1" name="Shape 289"/>
+        <p:cNvPr id="1" name="Shape 305"/>
         <p:cNvGrpSpPr/>
         <p:nvPr/>
       </p:nvGrpSpPr>
@@ -2471,7 +2471,7 @@
       </p:grpSpPr>
       <p:sp>
         <p:nvSpPr>
-          <p:cNvPr id="290" name="Google Shape;290;p17:notes"/>
+          <p:cNvPr id="306" name="Google Shape;306;p19:notes"/>
           <p:cNvSpPr txBox="1">
             <a:spLocks noGrp="1"/>
           </p:cNvSpPr>
@@ -2509,7 +2509,7 @@
       </p:sp>
       <p:sp>
         <p:nvSpPr>
-          <p:cNvPr id="291" name="Google Shape;291;p17:notes"/>
+          <p:cNvPr id="307" name="Google Shape;307;p19:notes"/>
           <p:cNvSpPr>
             <a:spLocks noGrp="1" noRot="1" noChangeAspect="1"/>
           </p:cNvSpPr>
@@ -2561,7 +2561,7 @@
   <p:cSld>
     <p:spTree>
       <p:nvGrpSpPr>
-        <p:cNvPr id="1" name="Shape 297"/>
+        <p:cNvPr id="1" name="Shape 313"/>
         <p:cNvGrpSpPr/>
         <p:nvPr/>
       </p:nvGrpSpPr>
@@ -2575,7 +2575,7 @@
       </p:grpSpPr>
       <p:sp>
         <p:nvSpPr>
-          <p:cNvPr id="298" name="Google Shape;298;p18:notes"/>
+          <p:cNvPr id="314" name="Google Shape;314;p20:notes"/>
           <p:cNvSpPr txBox="1">
             <a:spLocks noGrp="1"/>
           </p:cNvSpPr>
@@ -2613,7 +2613,7 @@
       </p:sp>
       <p:sp>
         <p:nvSpPr>
-          <p:cNvPr id="299" name="Google Shape;299;p18:notes"/>
+          <p:cNvPr id="315" name="Google Shape;315;p20:notes"/>
           <p:cNvSpPr>
             <a:spLocks noGrp="1" noRot="1" noChangeAspect="1"/>
           </p:cNvSpPr>
@@ -2665,7 +2665,7 @@
   <p:cSld>
     <p:spTree>
       <p:nvGrpSpPr>
-        <p:cNvPr id="1" name="Shape 305"/>
+        <p:cNvPr id="1" name="Shape 320"/>
         <p:cNvGrpSpPr/>
         <p:nvPr/>
       </p:nvGrpSpPr>
@@ -2679,7 +2679,7 @@
       </p:grpSpPr>
       <p:sp>
         <p:nvSpPr>
-          <p:cNvPr id="306" name="Google Shape;306;p19:notes"/>
+          <p:cNvPr id="321" name="Google Shape;321;p21:notes"/>
           <p:cNvSpPr txBox="1">
             <a:spLocks noGrp="1"/>
           </p:cNvSpPr>
@@ -2717,7 +2717,7 @@
       </p:sp>
       <p:sp>
         <p:nvSpPr>
-          <p:cNvPr id="307" name="Google Shape;307;p19:notes"/>
+          <p:cNvPr id="322" name="Google Shape;322;p21:notes"/>
           <p:cNvSpPr>
             <a:spLocks noGrp="1" noRot="1" noChangeAspect="1"/>
           </p:cNvSpPr>
@@ -2769,7 +2769,7 @@
   <p:cSld>
     <p:spTree>
       <p:nvGrpSpPr>
-        <p:cNvPr id="1" name="Shape 313"/>
+        <p:cNvPr id="1" name="Shape 327"/>
         <p:cNvGrpSpPr/>
         <p:nvPr/>
       </p:nvGrpSpPr>
@@ -2783,7 +2783,7 @@
       </p:grpSpPr>
       <p:sp>
         <p:nvSpPr>
-          <p:cNvPr id="314" name="Google Shape;314;p20:notes"/>
+          <p:cNvPr id="328" name="Google Shape;328;p22:notes"/>
           <p:cNvSpPr txBox="1">
             <a:spLocks noGrp="1"/>
           </p:cNvSpPr>
@@ -2821,7 +2821,7 @@
       </p:sp>
       <p:sp>
         <p:nvSpPr>
-          <p:cNvPr id="315" name="Google Shape;315;p20:notes"/>
+          <p:cNvPr id="329" name="Google Shape;329;p22:notes"/>
           <p:cNvSpPr>
             <a:spLocks noGrp="1" noRot="1" noChangeAspect="1"/>
           </p:cNvSpPr>
@@ -3118,7 +3118,7 @@
                 <a:cs typeface="Times New Roman"/>
                 <a:sym typeface="Times New Roman"/>
               </a:rPr>
-              <a:t>2</a:t>
+              <a:t>3</a:t>
             </a:fld>
             <a:endParaRPr sz="900" b="0" i="1" u="none" strike="noStrike" cap="none">
               <a:solidFill>
@@ -3141,214 +3141,6 @@
 </file>
 
 <file path=ppt/notesSlides/notesSlide20.xml><?xml version="1.0" encoding="utf-8"?>
-<p:notes xmlns:a="http://schemas.openxmlformats.org/drawingml/2006/main" xmlns:r="http://schemas.openxmlformats.org/officeDocument/2006/relationships" xmlns:p="http://schemas.openxmlformats.org/presentationml/2006/main" showMasterSp="0" showMasterPhAnim="0">
-  <p:cSld>
-    <p:spTree>
-      <p:nvGrpSpPr>
-        <p:cNvPr id="1" name="Shape 320"/>
-        <p:cNvGrpSpPr/>
-        <p:nvPr/>
-      </p:nvGrpSpPr>
-      <p:grpSpPr>
-        <a:xfrm>
-          <a:off x="0" y="0"/>
-          <a:ext cx="0" cy="0"/>
-          <a:chOff x="0" y="0"/>
-          <a:chExt cx="0" cy="0"/>
-        </a:xfrm>
-      </p:grpSpPr>
-      <p:sp>
-        <p:nvSpPr>
-          <p:cNvPr id="321" name="Google Shape;321;p21:notes"/>
-          <p:cNvSpPr txBox="1">
-            <a:spLocks noGrp="1"/>
-          </p:cNvSpPr>
-          <p:nvPr>
-            <p:ph type="body" idx="1"/>
-          </p:nvPr>
-        </p:nvSpPr>
-        <p:spPr>
-          <a:xfrm>
-            <a:off x="933450" y="4367213"/>
-            <a:ext cx="5130800" cy="4137025"/>
-          </a:xfrm>
-          <a:prstGeom prst="rect">
-            <a:avLst/>
-          </a:prstGeom>
-        </p:spPr>
-        <p:txBody>
-          <a:bodyPr spcFirstLastPara="1" wrap="square" lIns="92900" tIns="45725" rIns="92900" bIns="45725" anchor="t" anchorCtr="0">
-            <a:noAutofit/>
-          </a:bodyPr>
-          <a:lstStyle/>
-          <a:p>
-            <a:pPr marL="0" lvl="0" indent="0" algn="l" rtl="0">
-              <a:spcBef>
-                <a:spcPts val="480"/>
-              </a:spcBef>
-              <a:spcAft>
-                <a:spcPts val="0"/>
-              </a:spcAft>
-              <a:buNone/>
-            </a:pPr>
-            <a:endParaRPr/>
-          </a:p>
-        </p:txBody>
-      </p:sp>
-      <p:sp>
-        <p:nvSpPr>
-          <p:cNvPr id="322" name="Google Shape;322;p21:notes"/>
-          <p:cNvSpPr>
-            <a:spLocks noGrp="1" noRot="1" noChangeAspect="1"/>
-          </p:cNvSpPr>
-          <p:nvPr>
-            <p:ph type="sldImg" idx="2"/>
-          </p:nvPr>
-        </p:nvSpPr>
-        <p:spPr>
-          <a:xfrm>
-            <a:off x="1457325" y="882650"/>
-            <a:ext cx="4083050" cy="3062288"/>
-          </a:xfrm>
-          <a:custGeom>
-            <a:avLst/>
-            <a:gdLst/>
-            <a:ahLst/>
-            <a:cxnLst/>
-            <a:rect l="l" t="t" r="r" b="b"/>
-            <a:pathLst>
-              <a:path w="120000" h="120000" extrusionOk="0">
-                <a:moveTo>
-                  <a:pt x="0" y="0"/>
-                </a:moveTo>
-                <a:lnTo>
-                  <a:pt x="120000" y="0"/>
-                </a:lnTo>
-                <a:lnTo>
-                  <a:pt x="120000" y="120000"/>
-                </a:lnTo>
-                <a:lnTo>
-                  <a:pt x="0" y="120000"/>
-                </a:lnTo>
-                <a:close/>
-              </a:path>
-            </a:pathLst>
-          </a:custGeom>
-        </p:spPr>
-      </p:sp>
-    </p:spTree>
-  </p:cSld>
-  <p:clrMapOvr>
-    <a:masterClrMapping/>
-  </p:clrMapOvr>
-</p:notes>
-</file>
-
-<file path=ppt/notesSlides/notesSlide21.xml><?xml version="1.0" encoding="utf-8"?>
-<p:notes xmlns:a="http://schemas.openxmlformats.org/drawingml/2006/main" xmlns:r="http://schemas.openxmlformats.org/officeDocument/2006/relationships" xmlns:p="http://schemas.openxmlformats.org/presentationml/2006/main" showMasterSp="0" showMasterPhAnim="0">
-  <p:cSld>
-    <p:spTree>
-      <p:nvGrpSpPr>
-        <p:cNvPr id="1" name="Shape 327"/>
-        <p:cNvGrpSpPr/>
-        <p:nvPr/>
-      </p:nvGrpSpPr>
-      <p:grpSpPr>
-        <a:xfrm>
-          <a:off x="0" y="0"/>
-          <a:ext cx="0" cy="0"/>
-          <a:chOff x="0" y="0"/>
-          <a:chExt cx="0" cy="0"/>
-        </a:xfrm>
-      </p:grpSpPr>
-      <p:sp>
-        <p:nvSpPr>
-          <p:cNvPr id="328" name="Google Shape;328;p22:notes"/>
-          <p:cNvSpPr txBox="1">
-            <a:spLocks noGrp="1"/>
-          </p:cNvSpPr>
-          <p:nvPr>
-            <p:ph type="body" idx="1"/>
-          </p:nvPr>
-        </p:nvSpPr>
-        <p:spPr>
-          <a:xfrm>
-            <a:off x="933450" y="4367213"/>
-            <a:ext cx="5130800" cy="4137025"/>
-          </a:xfrm>
-          <a:prstGeom prst="rect">
-            <a:avLst/>
-          </a:prstGeom>
-        </p:spPr>
-        <p:txBody>
-          <a:bodyPr spcFirstLastPara="1" wrap="square" lIns="92900" tIns="45725" rIns="92900" bIns="45725" anchor="t" anchorCtr="0">
-            <a:noAutofit/>
-          </a:bodyPr>
-          <a:lstStyle/>
-          <a:p>
-            <a:pPr marL="0" lvl="0" indent="0" algn="l" rtl="0">
-              <a:spcBef>
-                <a:spcPts val="480"/>
-              </a:spcBef>
-              <a:spcAft>
-                <a:spcPts val="0"/>
-              </a:spcAft>
-              <a:buNone/>
-            </a:pPr>
-            <a:endParaRPr/>
-          </a:p>
-        </p:txBody>
-      </p:sp>
-      <p:sp>
-        <p:nvSpPr>
-          <p:cNvPr id="329" name="Google Shape;329;p22:notes"/>
-          <p:cNvSpPr>
-            <a:spLocks noGrp="1" noRot="1" noChangeAspect="1"/>
-          </p:cNvSpPr>
-          <p:nvPr>
-            <p:ph type="sldImg" idx="2"/>
-          </p:nvPr>
-        </p:nvSpPr>
-        <p:spPr>
-          <a:xfrm>
-            <a:off x="1457325" y="882650"/>
-            <a:ext cx="4083050" cy="3062288"/>
-          </a:xfrm>
-          <a:custGeom>
-            <a:avLst/>
-            <a:gdLst/>
-            <a:ahLst/>
-            <a:cxnLst/>
-            <a:rect l="l" t="t" r="r" b="b"/>
-            <a:pathLst>
-              <a:path w="120000" h="120000" extrusionOk="0">
-                <a:moveTo>
-                  <a:pt x="0" y="0"/>
-                </a:moveTo>
-                <a:lnTo>
-                  <a:pt x="120000" y="0"/>
-                </a:lnTo>
-                <a:lnTo>
-                  <a:pt x="120000" y="120000"/>
-                </a:lnTo>
-                <a:lnTo>
-                  <a:pt x="0" y="120000"/>
-                </a:lnTo>
-                <a:close/>
-              </a:path>
-            </a:pathLst>
-          </a:custGeom>
-        </p:spPr>
-      </p:sp>
-    </p:spTree>
-  </p:cSld>
-  <p:clrMapOvr>
-    <a:masterClrMapping/>
-  </p:clrMapOvr>
-</p:notes>
-</file>
-
-<file path=ppt/notesSlides/notesSlide22.xml><?xml version="1.0" encoding="utf-8"?>
 <p:notes xmlns:a="http://schemas.openxmlformats.org/drawingml/2006/main" xmlns:r="http://schemas.openxmlformats.org/officeDocument/2006/relationships" xmlns:p="http://schemas.openxmlformats.org/presentationml/2006/main" showMasterSp="0" showMasterPhAnim="0">
   <p:cSld>
     <p:spTree>
@@ -3452,7 +3244,7 @@
 </p:notes>
 </file>
 
-<file path=ppt/notesSlides/notesSlide23.xml><?xml version="1.0" encoding="utf-8"?>
+<file path=ppt/notesSlides/notesSlide21.xml><?xml version="1.0" encoding="utf-8"?>
 <p:notes xmlns:a="http://schemas.openxmlformats.org/drawingml/2006/main" xmlns:r="http://schemas.openxmlformats.org/officeDocument/2006/relationships" xmlns:p="http://schemas.openxmlformats.org/presentationml/2006/main" showMasterSp="0" showMasterPhAnim="0">
   <p:cSld>
     <p:spTree>
@@ -3561,7 +3353,7 @@
   <p:cSld>
     <p:spTree>
       <p:nvGrpSpPr>
-        <p:cNvPr id="1" name="Shape 102"/>
+        <p:cNvPr id="1" name="Shape 129"/>
         <p:cNvGrpSpPr/>
         <p:nvPr/>
       </p:nvGrpSpPr>
@@ -3575,7 +3367,7 @@
       </p:grpSpPr>
       <p:sp>
         <p:nvSpPr>
-          <p:cNvPr id="103" name="Google Shape;103;p3:notes"/>
+          <p:cNvPr id="130" name="Google Shape;130;p4:notes"/>
           <p:cNvSpPr txBox="1">
             <a:spLocks noGrp="1"/>
           </p:cNvSpPr>
@@ -3613,7 +3405,7 @@
       </p:sp>
       <p:sp>
         <p:nvSpPr>
-          <p:cNvPr id="104" name="Google Shape;104;p3:notes"/>
+          <p:cNvPr id="131" name="Google Shape;131;p4:notes"/>
           <p:cNvSpPr>
             <a:spLocks noGrp="1" noRot="1" noChangeAspect="1"/>
           </p:cNvSpPr>
@@ -3665,7 +3457,7 @@
   <p:cSld>
     <p:spTree>
       <p:nvGrpSpPr>
-        <p:cNvPr id="1" name="Shape 129"/>
+        <p:cNvPr id="1" name="Shape 136"/>
         <p:cNvGrpSpPr/>
         <p:nvPr/>
       </p:nvGrpSpPr>
@@ -3679,7 +3471,7 @@
       </p:grpSpPr>
       <p:sp>
         <p:nvSpPr>
-          <p:cNvPr id="130" name="Google Shape;130;p4:notes"/>
+          <p:cNvPr id="137" name="Google Shape;137;p5:notes"/>
           <p:cNvSpPr txBox="1">
             <a:spLocks noGrp="1"/>
           </p:cNvSpPr>
@@ -3717,7 +3509,7 @@
       </p:sp>
       <p:sp>
         <p:nvSpPr>
-          <p:cNvPr id="131" name="Google Shape;131;p4:notes"/>
+          <p:cNvPr id="138" name="Google Shape;138;p5:notes"/>
           <p:cNvSpPr>
             <a:spLocks noGrp="1" noRot="1" noChangeAspect="1"/>
           </p:cNvSpPr>
@@ -3769,7 +3561,7 @@
   <p:cSld>
     <p:spTree>
       <p:nvGrpSpPr>
-        <p:cNvPr id="1" name="Shape 136"/>
+        <p:cNvPr id="1" name="Shape 143"/>
         <p:cNvGrpSpPr/>
         <p:nvPr/>
       </p:nvGrpSpPr>
@@ -3783,7 +3575,7 @@
       </p:grpSpPr>
       <p:sp>
         <p:nvSpPr>
-          <p:cNvPr id="137" name="Google Shape;137;p5:notes"/>
+          <p:cNvPr id="144" name="Google Shape;144;p6:notes"/>
           <p:cNvSpPr txBox="1">
             <a:spLocks noGrp="1"/>
           </p:cNvSpPr>
@@ -3821,7 +3613,7 @@
       </p:sp>
       <p:sp>
         <p:nvSpPr>
-          <p:cNvPr id="138" name="Google Shape;138;p5:notes"/>
+          <p:cNvPr id="145" name="Google Shape;145;p6:notes"/>
           <p:cNvSpPr>
             <a:spLocks noGrp="1" noRot="1" noChangeAspect="1"/>
           </p:cNvSpPr>
@@ -3873,7 +3665,7 @@
   <p:cSld>
     <p:spTree>
       <p:nvGrpSpPr>
-        <p:cNvPr id="1" name="Shape 143"/>
+        <p:cNvPr id="1" name="Shape 150"/>
         <p:cNvGrpSpPr/>
         <p:nvPr/>
       </p:nvGrpSpPr>
@@ -3887,7 +3679,7 @@
       </p:grpSpPr>
       <p:sp>
         <p:nvSpPr>
-          <p:cNvPr id="144" name="Google Shape;144;p6:notes"/>
+          <p:cNvPr id="151" name="Google Shape;151;p7:notes"/>
           <p:cNvSpPr txBox="1">
             <a:spLocks noGrp="1"/>
           </p:cNvSpPr>
@@ -3925,7 +3717,7 @@
       </p:sp>
       <p:sp>
         <p:nvSpPr>
-          <p:cNvPr id="145" name="Google Shape;145;p6:notes"/>
+          <p:cNvPr id="152" name="Google Shape;152;p7:notes"/>
           <p:cNvSpPr>
             <a:spLocks noGrp="1" noRot="1" noChangeAspect="1"/>
           </p:cNvSpPr>
@@ -3977,7 +3769,7 @@
   <p:cSld>
     <p:spTree>
       <p:nvGrpSpPr>
-        <p:cNvPr id="1" name="Shape 150"/>
+        <p:cNvPr id="1" name="Shape 166"/>
         <p:cNvGrpSpPr/>
         <p:nvPr/>
       </p:nvGrpSpPr>
@@ -3991,7 +3783,7 @@
       </p:grpSpPr>
       <p:sp>
         <p:nvSpPr>
-          <p:cNvPr id="151" name="Google Shape;151;p7:notes"/>
+          <p:cNvPr id="167" name="Google Shape;167;p9:notes"/>
           <p:cNvSpPr txBox="1">
             <a:spLocks noGrp="1"/>
           </p:cNvSpPr>
@@ -4029,7 +3821,7 @@
       </p:sp>
       <p:sp>
         <p:nvSpPr>
-          <p:cNvPr id="152" name="Google Shape;152;p7:notes"/>
+          <p:cNvPr id="168" name="Google Shape;168;p9:notes"/>
           <p:cNvSpPr>
             <a:spLocks noGrp="1" noRot="1" noChangeAspect="1"/>
           </p:cNvSpPr>
@@ -4081,7 +3873,7 @@
   <p:cSld>
     <p:spTree>
       <p:nvGrpSpPr>
-        <p:cNvPr id="1" name="Shape 166"/>
+        <p:cNvPr id="1" name="Shape 195"/>
         <p:cNvGrpSpPr/>
         <p:nvPr/>
       </p:nvGrpSpPr>
@@ -4095,7 +3887,7 @@
       </p:grpSpPr>
       <p:sp>
         <p:nvSpPr>
-          <p:cNvPr id="167" name="Google Shape;167;p9:notes"/>
+          <p:cNvPr id="196" name="Google Shape;196;p10:notes"/>
           <p:cNvSpPr txBox="1">
             <a:spLocks noGrp="1"/>
           </p:cNvSpPr>
@@ -4133,7 +3925,7 @@
       </p:sp>
       <p:sp>
         <p:nvSpPr>
-          <p:cNvPr id="168" name="Google Shape;168;p9:notes"/>
+          <p:cNvPr id="197" name="Google Shape;197;p10:notes"/>
           <p:cNvSpPr>
             <a:spLocks noGrp="1" noRot="1" noChangeAspect="1"/>
           </p:cNvSpPr>
@@ -4185,7 +3977,7 @@
   <p:cSld>
     <p:spTree>
       <p:nvGrpSpPr>
-        <p:cNvPr id="1" name="Shape 195"/>
+        <p:cNvPr id="1" name="Shape 258"/>
         <p:cNvGrpSpPr/>
         <p:nvPr/>
       </p:nvGrpSpPr>
@@ -4199,7 +3991,7 @@
       </p:grpSpPr>
       <p:sp>
         <p:nvSpPr>
-          <p:cNvPr id="196" name="Google Shape;196;p10:notes"/>
+          <p:cNvPr id="259" name="Google Shape;259;p13:notes"/>
           <p:cNvSpPr txBox="1">
             <a:spLocks noGrp="1"/>
           </p:cNvSpPr>
@@ -4237,7 +4029,7 @@
       </p:sp>
       <p:sp>
         <p:nvSpPr>
-          <p:cNvPr id="197" name="Google Shape;197;p10:notes"/>
+          <p:cNvPr id="260" name="Google Shape;260;p13:notes"/>
           <p:cNvSpPr>
             <a:spLocks noGrp="1" noRot="1" noChangeAspect="1"/>
           </p:cNvSpPr>
@@ -18894,2316 +18686,6 @@
   <p:cSld>
     <p:spTree>
       <p:nvGrpSpPr>
-        <p:cNvPr id="1" name="Shape 214"/>
-        <p:cNvGrpSpPr/>
-        <p:nvPr/>
-      </p:nvGrpSpPr>
-      <p:grpSpPr>
-        <a:xfrm>
-          <a:off x="0" y="0"/>
-          <a:ext cx="0" cy="0"/>
-          <a:chOff x="0" y="0"/>
-          <a:chExt cx="0" cy="0"/>
-        </a:xfrm>
-      </p:grpSpPr>
-      <p:sp>
-        <p:nvSpPr>
-          <p:cNvPr id="215" name="Google Shape;215;p23"/>
-          <p:cNvSpPr txBox="1">
-            <a:spLocks noGrp="1"/>
-          </p:cNvSpPr>
-          <p:nvPr>
-            <p:ph type="title"/>
-          </p:nvPr>
-        </p:nvSpPr>
-        <p:spPr>
-          <a:xfrm>
-            <a:off x="685800" y="228600"/>
-            <a:ext cx="7696200" cy="736600"/>
-          </a:xfrm>
-          <a:prstGeom prst="rect">
-            <a:avLst/>
-          </a:prstGeom>
-          <a:noFill/>
-          <a:ln>
-            <a:noFill/>
-          </a:ln>
-        </p:spPr>
-        <p:txBody>
-          <a:bodyPr spcFirstLastPara="1" wrap="square" lIns="92075" tIns="46025" rIns="92075" bIns="46025" anchor="ctr" anchorCtr="0">
-            <a:noAutofit/>
-          </a:bodyPr>
-          <a:lstStyle/>
-          <a:p>
-            <a:pPr marL="0" marR="0" lvl="0" indent="0" algn="l" rtl="0">
-              <a:lnSpc>
-                <a:spcPct val="90000"/>
-              </a:lnSpc>
-              <a:spcBef>
-                <a:spcPts val="0"/>
-              </a:spcBef>
-              <a:spcAft>
-                <a:spcPts val="0"/>
-              </a:spcAft>
-              <a:buNone/>
-            </a:pPr>
-            <a:r>
-              <a:rPr lang="en-US" sz="3200" b="1" i="0" u="none" strike="noStrike" cap="none">
-                <a:solidFill>
-                  <a:srgbClr val="0332B7"/>
-                </a:solidFill>
-                <a:latin typeface="Arial"/>
-                <a:ea typeface="Arial"/>
-                <a:cs typeface="Arial"/>
-                <a:sym typeface="Arial"/>
-              </a:rPr>
-              <a:t>Sharing</a:t>
-            </a:r>
-            <a:endParaRPr/>
-          </a:p>
-        </p:txBody>
-      </p:sp>
-      <p:sp>
-        <p:nvSpPr>
-          <p:cNvPr id="217" name="Google Shape;217;p23"/>
-          <p:cNvSpPr/>
-          <p:nvPr/>
-        </p:nvSpPr>
-        <p:spPr>
-          <a:xfrm>
-            <a:off x="1143000" y="1905000"/>
-            <a:ext cx="1066800" cy="381000"/>
-          </a:xfrm>
-          <a:prstGeom prst="rect">
-            <a:avLst/>
-          </a:prstGeom>
-          <a:solidFill>
-            <a:schemeClr val="accent1"/>
-          </a:solidFill>
-          <a:ln w="12700" cap="flat" cmpd="sng">
-            <a:solidFill>
-              <a:schemeClr val="dk1"/>
-            </a:solidFill>
-            <a:prstDash val="solid"/>
-            <a:round/>
-            <a:headEnd type="none" w="sm" len="sm"/>
-            <a:tailEnd type="none" w="sm" len="sm"/>
-          </a:ln>
-        </p:spPr>
-        <p:txBody>
-          <a:bodyPr spcFirstLastPara="1" wrap="square" lIns="91425" tIns="45700" rIns="91425" bIns="45700" anchor="t" anchorCtr="0">
-            <a:noAutofit/>
-          </a:bodyPr>
-          <a:lstStyle/>
-          <a:p>
-            <a:pPr marL="0" marR="0" lvl="0" indent="0" algn="ctr" rtl="0">
-              <a:lnSpc>
-                <a:spcPct val="100000"/>
-              </a:lnSpc>
-              <a:spcBef>
-                <a:spcPts val="0"/>
-              </a:spcBef>
-              <a:spcAft>
-                <a:spcPts val="0"/>
-              </a:spcAft>
-              <a:buClr>
-                <a:schemeClr val="dk1"/>
-              </a:buClr>
-              <a:buSzPts val="1800"/>
-              <a:buFont typeface="Noto Sans Symbols"/>
-              <a:buNone/>
-            </a:pPr>
-            <a:r>
-              <a:rPr lang="en-US" sz="1800" b="0" i="0" u="none" strike="noStrike" cap="none">
-                <a:solidFill>
-                  <a:schemeClr val="dk1"/>
-                </a:solidFill>
-                <a:latin typeface="Noto Sans Symbols"/>
-                <a:ea typeface="Noto Sans Symbols"/>
-                <a:cs typeface="Noto Sans Symbols"/>
-                <a:sym typeface="Noto Sans Symbols"/>
-              </a:rPr>
-              <a:t>•</a:t>
-            </a:r>
-            <a:endParaRPr sz="1800" b="0" i="0" u="none" strike="noStrike" cap="none">
-              <a:solidFill>
-                <a:schemeClr val="dk1"/>
-              </a:solidFill>
-              <a:latin typeface="Arial"/>
-              <a:ea typeface="Arial"/>
-              <a:cs typeface="Arial"/>
-              <a:sym typeface="Arial"/>
-            </a:endParaRPr>
-          </a:p>
-        </p:txBody>
-      </p:sp>
-      <p:sp>
-        <p:nvSpPr>
-          <p:cNvPr id="218" name="Google Shape;218;p23"/>
-          <p:cNvSpPr txBox="1"/>
-          <p:nvPr/>
-        </p:nvSpPr>
-        <p:spPr>
-          <a:xfrm>
-            <a:off x="533400" y="1905000"/>
-            <a:ext cx="633707" cy="369332"/>
-          </a:xfrm>
-          <a:prstGeom prst="rect">
-            <a:avLst/>
-          </a:prstGeom>
-          <a:noFill/>
-          <a:ln>
-            <a:noFill/>
-          </a:ln>
-        </p:spPr>
-        <p:txBody>
-          <a:bodyPr spcFirstLastPara="1" wrap="square" lIns="91425" tIns="45700" rIns="91425" bIns="45700" anchor="t" anchorCtr="0">
-            <a:noAutofit/>
-          </a:bodyPr>
-          <a:lstStyle/>
-          <a:p>
-            <a:pPr marL="0" marR="0" lvl="0" indent="0" algn="l" rtl="0">
-              <a:spcBef>
-                <a:spcPts val="0"/>
-              </a:spcBef>
-              <a:spcAft>
-                <a:spcPts val="0"/>
-              </a:spcAft>
-              <a:buNone/>
-            </a:pPr>
-            <a:r>
-              <a:rPr lang="en-US" sz="1800">
-                <a:solidFill>
-                  <a:schemeClr val="dk1"/>
-                </a:solidFill>
-                <a:latin typeface="Arial"/>
-                <a:ea typeface="Arial"/>
-                <a:cs typeface="Arial"/>
-                <a:sym typeface="Arial"/>
-              </a:rPr>
-              <a:t>grid:</a:t>
-            </a:r>
-            <a:endParaRPr/>
-          </a:p>
-        </p:txBody>
-      </p:sp>
-      <p:sp>
-        <p:nvSpPr>
-          <p:cNvPr id="219" name="Google Shape;219;p23"/>
-          <p:cNvSpPr/>
-          <p:nvPr/>
-        </p:nvSpPr>
-        <p:spPr>
-          <a:xfrm>
-            <a:off x="1143000" y="2286000"/>
-            <a:ext cx="1066800" cy="381000"/>
-          </a:xfrm>
-          <a:prstGeom prst="rect">
-            <a:avLst/>
-          </a:prstGeom>
-          <a:solidFill>
-            <a:schemeClr val="accent1"/>
-          </a:solidFill>
-          <a:ln w="12700" cap="flat" cmpd="sng">
-            <a:solidFill>
-              <a:schemeClr val="dk1"/>
-            </a:solidFill>
-            <a:prstDash val="solid"/>
-            <a:round/>
-            <a:headEnd type="none" w="sm" len="sm"/>
-            <a:tailEnd type="none" w="sm" len="sm"/>
-          </a:ln>
-        </p:spPr>
-        <p:txBody>
-          <a:bodyPr spcFirstLastPara="1" wrap="square" lIns="91425" tIns="45700" rIns="91425" bIns="45700" anchor="t" anchorCtr="0">
-            <a:noAutofit/>
-          </a:bodyPr>
-          <a:lstStyle/>
-          <a:p>
-            <a:pPr marL="0" marR="0" lvl="0" indent="0" algn="ctr" rtl="0">
-              <a:lnSpc>
-                <a:spcPct val="100000"/>
-              </a:lnSpc>
-              <a:spcBef>
-                <a:spcPts val="0"/>
-              </a:spcBef>
-              <a:spcAft>
-                <a:spcPts val="0"/>
-              </a:spcAft>
-              <a:buClr>
-                <a:schemeClr val="dk1"/>
-              </a:buClr>
-              <a:buSzPts val="1800"/>
-              <a:buFont typeface="Arial"/>
-              <a:buNone/>
-            </a:pPr>
-            <a:endParaRPr sz="1800" b="0" i="0" u="none" strike="noStrike" cap="none">
-              <a:solidFill>
-                <a:schemeClr val="dk1"/>
-              </a:solidFill>
-              <a:latin typeface="Arial"/>
-              <a:ea typeface="Arial"/>
-              <a:cs typeface="Arial"/>
-              <a:sym typeface="Arial"/>
-            </a:endParaRPr>
-          </a:p>
-        </p:txBody>
-      </p:sp>
-      <p:sp>
-        <p:nvSpPr>
-          <p:cNvPr id="220" name="Google Shape;220;p23"/>
-          <p:cNvSpPr/>
-          <p:nvPr/>
-        </p:nvSpPr>
-        <p:spPr>
-          <a:xfrm>
-            <a:off x="1143000" y="2667000"/>
-            <a:ext cx="1066800" cy="381000"/>
-          </a:xfrm>
-          <a:prstGeom prst="rect">
-            <a:avLst/>
-          </a:prstGeom>
-          <a:solidFill>
-            <a:schemeClr val="accent1"/>
-          </a:solidFill>
-          <a:ln w="12700" cap="flat" cmpd="sng">
-            <a:solidFill>
-              <a:schemeClr val="dk1"/>
-            </a:solidFill>
-            <a:prstDash val="solid"/>
-            <a:round/>
-            <a:headEnd type="none" w="sm" len="sm"/>
-            <a:tailEnd type="none" w="sm" len="sm"/>
-          </a:ln>
-        </p:spPr>
-        <p:txBody>
-          <a:bodyPr spcFirstLastPara="1" wrap="square" lIns="91425" tIns="45700" rIns="91425" bIns="45700" anchor="t" anchorCtr="0">
-            <a:noAutofit/>
-          </a:bodyPr>
-          <a:lstStyle/>
-          <a:p>
-            <a:pPr marL="0" marR="0" lvl="0" indent="0" algn="ctr" rtl="0">
-              <a:lnSpc>
-                <a:spcPct val="100000"/>
-              </a:lnSpc>
-              <a:spcBef>
-                <a:spcPts val="0"/>
-              </a:spcBef>
-              <a:spcAft>
-                <a:spcPts val="0"/>
-              </a:spcAft>
-              <a:buClr>
-                <a:schemeClr val="dk1"/>
-              </a:buClr>
-              <a:buSzPts val="1800"/>
-              <a:buFont typeface="Arial"/>
-              <a:buNone/>
-            </a:pPr>
-            <a:r>
-              <a:rPr lang="en-US" sz="1800">
-                <a:solidFill>
-                  <a:schemeClr val="dk1"/>
-                </a:solidFill>
-                <a:latin typeface="Arial"/>
-                <a:ea typeface="Arial"/>
-                <a:cs typeface="Arial"/>
-                <a:sym typeface="Arial"/>
-              </a:rPr>
-              <a:t>…</a:t>
-            </a:r>
-            <a:endParaRPr sz="1800" b="0" i="0" u="none" strike="noStrike" cap="none">
-              <a:solidFill>
-                <a:schemeClr val="dk1"/>
-              </a:solidFill>
-              <a:latin typeface="Arial"/>
-              <a:ea typeface="Arial"/>
-              <a:cs typeface="Arial"/>
-              <a:sym typeface="Arial"/>
-            </a:endParaRPr>
-          </a:p>
-        </p:txBody>
-      </p:sp>
-      <p:sp>
-        <p:nvSpPr>
-          <p:cNvPr id="221" name="Google Shape;221;p23"/>
-          <p:cNvSpPr txBox="1"/>
-          <p:nvPr/>
-        </p:nvSpPr>
-        <p:spPr>
-          <a:xfrm>
-            <a:off x="914400" y="1447800"/>
-            <a:ext cx="1506091" cy="369332"/>
-          </a:xfrm>
-          <a:prstGeom prst="rect">
-            <a:avLst/>
-          </a:prstGeom>
-          <a:noFill/>
-          <a:ln>
-            <a:noFill/>
-          </a:ln>
-        </p:spPr>
-        <p:txBody>
-          <a:bodyPr spcFirstLastPara="1" wrap="square" lIns="91425" tIns="45700" rIns="91425" bIns="45700" anchor="t" anchorCtr="0">
-            <a:noAutofit/>
-          </a:bodyPr>
-          <a:lstStyle/>
-          <a:p>
-            <a:pPr marL="0" marR="0" lvl="0" indent="0" algn="l" rtl="0">
-              <a:spcBef>
-                <a:spcPts val="0"/>
-              </a:spcBef>
-              <a:spcAft>
-                <a:spcPts val="0"/>
-              </a:spcAft>
-              <a:buNone/>
-            </a:pPr>
-            <a:r>
-              <a:rPr lang="en-US" sz="1800">
-                <a:solidFill>
-                  <a:schemeClr val="dk1"/>
-                </a:solidFill>
-                <a:latin typeface="Arial"/>
-                <a:ea typeface="Arial"/>
-                <a:cs typeface="Arial"/>
-                <a:sym typeface="Arial"/>
-              </a:rPr>
-              <a:t>Global frame</a:t>
-            </a:r>
-            <a:endParaRPr/>
-          </a:p>
-        </p:txBody>
-      </p:sp>
-      <p:grpSp>
-        <p:nvGrpSpPr>
-          <p:cNvPr id="222" name="Google Shape;222;p23"/>
-          <p:cNvGrpSpPr/>
-          <p:nvPr/>
-        </p:nvGrpSpPr>
-        <p:grpSpPr>
-          <a:xfrm>
-            <a:off x="3048000" y="1981200"/>
-            <a:ext cx="914400" cy="457200"/>
-            <a:chOff x="4267200" y="4038600"/>
-            <a:chExt cx="914400" cy="457200"/>
-          </a:xfrm>
-        </p:grpSpPr>
-        <p:sp>
-          <p:nvSpPr>
-            <p:cNvPr id="223" name="Google Shape;223;p23"/>
-            <p:cNvSpPr/>
-            <p:nvPr/>
-          </p:nvSpPr>
-          <p:spPr>
-            <a:xfrm>
-              <a:off x="4267200" y="4038600"/>
-              <a:ext cx="457200" cy="457200"/>
-            </a:xfrm>
-            <a:prstGeom prst="rect">
-              <a:avLst/>
-            </a:prstGeom>
-            <a:solidFill>
-              <a:srgbClr val="D8D8D8"/>
-            </a:solidFill>
-            <a:ln w="12700" cap="flat" cmpd="sng">
-              <a:solidFill>
-                <a:schemeClr val="dk1"/>
-              </a:solidFill>
-              <a:prstDash val="solid"/>
-              <a:round/>
-              <a:headEnd type="none" w="sm" len="sm"/>
-              <a:tailEnd type="none" w="sm" len="sm"/>
-            </a:ln>
-          </p:spPr>
-          <p:txBody>
-            <a:bodyPr spcFirstLastPara="1" wrap="square" lIns="91425" tIns="45700" rIns="91425" bIns="45700" anchor="t" anchorCtr="0">
-              <a:noAutofit/>
-            </a:bodyPr>
-            <a:lstStyle/>
-            <a:p>
-              <a:pPr marL="0" marR="0" lvl="0" indent="0" algn="ctr" rtl="0">
-                <a:lnSpc>
-                  <a:spcPct val="100000"/>
-                </a:lnSpc>
-                <a:spcBef>
-                  <a:spcPts val="0"/>
-                </a:spcBef>
-                <a:spcAft>
-                  <a:spcPts val="0"/>
-                </a:spcAft>
-                <a:buClr>
-                  <a:schemeClr val="dk1"/>
-                </a:buClr>
-                <a:buSzPts val="1800"/>
-                <a:buFont typeface="Noto Sans Symbols"/>
-                <a:buNone/>
-              </a:pPr>
-              <a:r>
-                <a:rPr lang="en-US" sz="1800" b="0" i="0" u="none" strike="noStrike" cap="none">
-                  <a:solidFill>
-                    <a:schemeClr val="dk1"/>
-                  </a:solidFill>
-                  <a:latin typeface="Noto Sans Symbols"/>
-                  <a:ea typeface="Noto Sans Symbols"/>
-                  <a:cs typeface="Noto Sans Symbols"/>
-                  <a:sym typeface="Noto Sans Symbols"/>
-                </a:rPr>
-                <a:t>•</a:t>
-              </a:r>
-              <a:endParaRPr sz="1800" b="0" i="0" u="none" strike="noStrike" cap="none">
-                <a:solidFill>
-                  <a:schemeClr val="dk1"/>
-                </a:solidFill>
-                <a:latin typeface="Arial"/>
-                <a:ea typeface="Arial"/>
-                <a:cs typeface="Arial"/>
-                <a:sym typeface="Arial"/>
-              </a:endParaRPr>
-            </a:p>
-          </p:txBody>
-        </p:sp>
-        <p:sp>
-          <p:nvSpPr>
-            <p:cNvPr id="224" name="Google Shape;224;p23"/>
-            <p:cNvSpPr/>
-            <p:nvPr/>
-          </p:nvSpPr>
-          <p:spPr>
-            <a:xfrm>
-              <a:off x="4724400" y="4038600"/>
-              <a:ext cx="457200" cy="457200"/>
-            </a:xfrm>
-            <a:prstGeom prst="rect">
-              <a:avLst/>
-            </a:prstGeom>
-            <a:solidFill>
-              <a:srgbClr val="D8D8D8"/>
-            </a:solidFill>
-            <a:ln w="12700" cap="flat" cmpd="sng">
-              <a:solidFill>
-                <a:schemeClr val="dk1"/>
-              </a:solidFill>
-              <a:prstDash val="solid"/>
-              <a:round/>
-              <a:headEnd type="none" w="sm" len="sm"/>
-              <a:tailEnd type="none" w="sm" len="sm"/>
-            </a:ln>
-          </p:spPr>
-          <p:txBody>
-            <a:bodyPr spcFirstLastPara="1" wrap="square" lIns="91425" tIns="45700" rIns="91425" bIns="45700" anchor="t" anchorCtr="0">
-              <a:noAutofit/>
-            </a:bodyPr>
-            <a:lstStyle/>
-            <a:p>
-              <a:pPr marL="0" marR="0" lvl="0" indent="0" algn="ctr" rtl="0">
-                <a:lnSpc>
-                  <a:spcPct val="100000"/>
-                </a:lnSpc>
-                <a:spcBef>
-                  <a:spcPts val="0"/>
-                </a:spcBef>
-                <a:spcAft>
-                  <a:spcPts val="0"/>
-                </a:spcAft>
-                <a:buClr>
-                  <a:schemeClr val="dk1"/>
-                </a:buClr>
-                <a:buSzPts val="1800"/>
-                <a:buFont typeface="Noto Sans Symbols"/>
-                <a:buNone/>
-              </a:pPr>
-              <a:r>
-                <a:rPr lang="en-US" sz="1800" b="0" i="0" u="none" strike="noStrike" cap="none">
-                  <a:solidFill>
-                    <a:schemeClr val="dk1"/>
-                  </a:solidFill>
-                  <a:latin typeface="Noto Sans Symbols"/>
-                  <a:ea typeface="Noto Sans Symbols"/>
-                  <a:cs typeface="Noto Sans Symbols"/>
-                  <a:sym typeface="Noto Sans Symbols"/>
-                </a:rPr>
-                <a:t>•</a:t>
-              </a:r>
-              <a:endParaRPr sz="1800" b="0" i="0" u="none" strike="noStrike" cap="none">
-                <a:solidFill>
-                  <a:schemeClr val="dk1"/>
-                </a:solidFill>
-                <a:latin typeface="Arial"/>
-                <a:ea typeface="Arial"/>
-                <a:cs typeface="Arial"/>
-                <a:sym typeface="Arial"/>
-              </a:endParaRPr>
-            </a:p>
-          </p:txBody>
-        </p:sp>
-      </p:grpSp>
-      <p:grpSp>
-        <p:nvGrpSpPr>
-          <p:cNvPr id="225" name="Google Shape;225;p23"/>
-          <p:cNvGrpSpPr/>
-          <p:nvPr/>
-        </p:nvGrpSpPr>
-        <p:grpSpPr>
-          <a:xfrm>
-            <a:off x="4343400" y="1981200"/>
-            <a:ext cx="914400" cy="457200"/>
-            <a:chOff x="4267200" y="4038600"/>
-            <a:chExt cx="914400" cy="457200"/>
-          </a:xfrm>
-        </p:grpSpPr>
-        <p:sp>
-          <p:nvSpPr>
-            <p:cNvPr id="226" name="Google Shape;226;p23"/>
-            <p:cNvSpPr/>
-            <p:nvPr/>
-          </p:nvSpPr>
-          <p:spPr>
-            <a:xfrm>
-              <a:off x="4267200" y="4038600"/>
-              <a:ext cx="457200" cy="457200"/>
-            </a:xfrm>
-            <a:prstGeom prst="rect">
-              <a:avLst/>
-            </a:prstGeom>
-            <a:solidFill>
-              <a:srgbClr val="D8D8D8"/>
-            </a:solidFill>
-            <a:ln w="12700" cap="flat" cmpd="sng">
-              <a:solidFill>
-                <a:schemeClr val="dk1"/>
-              </a:solidFill>
-              <a:prstDash val="solid"/>
-              <a:round/>
-              <a:headEnd type="none" w="sm" len="sm"/>
-              <a:tailEnd type="none" w="sm" len="sm"/>
-            </a:ln>
-          </p:spPr>
-          <p:txBody>
-            <a:bodyPr spcFirstLastPara="1" wrap="square" lIns="91425" tIns="45700" rIns="91425" bIns="45700" anchor="t" anchorCtr="0">
-              <a:noAutofit/>
-            </a:bodyPr>
-            <a:lstStyle/>
-            <a:p>
-              <a:pPr marL="0" marR="0" lvl="0" indent="0" algn="ctr" rtl="0">
-                <a:spcBef>
-                  <a:spcPts val="0"/>
-                </a:spcBef>
-                <a:spcAft>
-                  <a:spcPts val="0"/>
-                </a:spcAft>
-                <a:buNone/>
-              </a:pPr>
-              <a:r>
-                <a:rPr lang="en-US" sz="1800">
-                  <a:solidFill>
-                    <a:schemeClr val="dk1"/>
-                  </a:solidFill>
-                  <a:latin typeface="Noto Sans Symbols"/>
-                  <a:ea typeface="Noto Sans Symbols"/>
-                  <a:cs typeface="Noto Sans Symbols"/>
-                  <a:sym typeface="Noto Sans Symbols"/>
-                </a:rPr>
-                <a:t>•</a:t>
-              </a:r>
-              <a:endParaRPr sz="1800">
-                <a:solidFill>
-                  <a:schemeClr val="dk1"/>
-                </a:solidFill>
-                <a:latin typeface="Arial"/>
-                <a:ea typeface="Arial"/>
-                <a:cs typeface="Arial"/>
-                <a:sym typeface="Arial"/>
-              </a:endParaRPr>
-            </a:p>
-          </p:txBody>
-        </p:sp>
-        <p:sp>
-          <p:nvSpPr>
-            <p:cNvPr id="227" name="Google Shape;227;p23"/>
-            <p:cNvSpPr/>
-            <p:nvPr/>
-          </p:nvSpPr>
-          <p:spPr>
-            <a:xfrm>
-              <a:off x="4724400" y="4038600"/>
-              <a:ext cx="457200" cy="457200"/>
-            </a:xfrm>
-            <a:prstGeom prst="rect">
-              <a:avLst/>
-            </a:prstGeom>
-            <a:solidFill>
-              <a:srgbClr val="D8D8D8"/>
-            </a:solidFill>
-            <a:ln w="12700" cap="flat" cmpd="sng">
-              <a:solidFill>
-                <a:schemeClr val="dk1"/>
-              </a:solidFill>
-              <a:prstDash val="solid"/>
-              <a:round/>
-              <a:headEnd type="none" w="sm" len="sm"/>
-              <a:tailEnd type="none" w="sm" len="sm"/>
-            </a:ln>
-          </p:spPr>
-          <p:txBody>
-            <a:bodyPr spcFirstLastPara="1" wrap="square" lIns="91425" tIns="45700" rIns="91425" bIns="45700" anchor="t" anchorCtr="0">
-              <a:noAutofit/>
-            </a:bodyPr>
-            <a:lstStyle/>
-            <a:p>
-              <a:pPr marL="0" marR="0" lvl="0" indent="0" algn="ctr" rtl="0">
-                <a:lnSpc>
-                  <a:spcPct val="100000"/>
-                </a:lnSpc>
-                <a:spcBef>
-                  <a:spcPts val="0"/>
-                </a:spcBef>
-                <a:spcAft>
-                  <a:spcPts val="0"/>
-                </a:spcAft>
-                <a:buClr>
-                  <a:schemeClr val="dk1"/>
-                </a:buClr>
-                <a:buSzPts val="1800"/>
-                <a:buFont typeface="Noto Sans Symbols"/>
-                <a:buNone/>
-              </a:pPr>
-              <a:r>
-                <a:rPr lang="en-US" sz="1800" b="0" i="0" u="none" strike="noStrike" cap="none">
-                  <a:solidFill>
-                    <a:schemeClr val="dk1"/>
-                  </a:solidFill>
-                  <a:latin typeface="Noto Sans Symbols"/>
-                  <a:ea typeface="Noto Sans Symbols"/>
-                  <a:cs typeface="Noto Sans Symbols"/>
-                  <a:sym typeface="Noto Sans Symbols"/>
-                </a:rPr>
-                <a:t>•</a:t>
-              </a:r>
-              <a:endParaRPr sz="1800" b="0" i="0" u="none" strike="noStrike" cap="none">
-                <a:solidFill>
-                  <a:schemeClr val="dk1"/>
-                </a:solidFill>
-                <a:latin typeface="Arial"/>
-                <a:ea typeface="Arial"/>
-                <a:cs typeface="Arial"/>
-                <a:sym typeface="Arial"/>
-              </a:endParaRPr>
-            </a:p>
-          </p:txBody>
-        </p:sp>
-      </p:grpSp>
-      <p:grpSp>
-        <p:nvGrpSpPr>
-          <p:cNvPr id="228" name="Google Shape;228;p23"/>
-          <p:cNvGrpSpPr/>
-          <p:nvPr/>
-        </p:nvGrpSpPr>
-        <p:grpSpPr>
-          <a:xfrm>
-            <a:off x="5638800" y="1981200"/>
-            <a:ext cx="914400" cy="457200"/>
-            <a:chOff x="4267200" y="4038600"/>
-            <a:chExt cx="914400" cy="457200"/>
-          </a:xfrm>
-        </p:grpSpPr>
-        <p:sp>
-          <p:nvSpPr>
-            <p:cNvPr id="229" name="Google Shape;229;p23"/>
-            <p:cNvSpPr/>
-            <p:nvPr/>
-          </p:nvSpPr>
-          <p:spPr>
-            <a:xfrm>
-              <a:off x="4267200" y="4038600"/>
-              <a:ext cx="457200" cy="457200"/>
-            </a:xfrm>
-            <a:prstGeom prst="rect">
-              <a:avLst/>
-            </a:prstGeom>
-            <a:solidFill>
-              <a:srgbClr val="D8D8D8"/>
-            </a:solidFill>
-            <a:ln w="12700" cap="flat" cmpd="sng">
-              <a:solidFill>
-                <a:schemeClr val="dk1"/>
-              </a:solidFill>
-              <a:prstDash val="solid"/>
-              <a:round/>
-              <a:headEnd type="none" w="sm" len="sm"/>
-              <a:tailEnd type="none" w="sm" len="sm"/>
-            </a:ln>
-          </p:spPr>
-          <p:txBody>
-            <a:bodyPr spcFirstLastPara="1" wrap="square" lIns="91425" tIns="45700" rIns="91425" bIns="45700" anchor="t" anchorCtr="0">
-              <a:noAutofit/>
-            </a:bodyPr>
-            <a:lstStyle/>
-            <a:p>
-              <a:pPr marL="0" marR="0" lvl="0" indent="0" algn="ctr" rtl="0">
-                <a:spcBef>
-                  <a:spcPts val="0"/>
-                </a:spcBef>
-                <a:spcAft>
-                  <a:spcPts val="0"/>
-                </a:spcAft>
-                <a:buNone/>
-              </a:pPr>
-              <a:r>
-                <a:rPr lang="en-US" sz="1800">
-                  <a:solidFill>
-                    <a:schemeClr val="dk1"/>
-                  </a:solidFill>
-                  <a:latin typeface="Noto Sans Symbols"/>
-                  <a:ea typeface="Noto Sans Symbols"/>
-                  <a:cs typeface="Noto Sans Symbols"/>
-                  <a:sym typeface="Noto Sans Symbols"/>
-                </a:rPr>
-                <a:t>•</a:t>
-              </a:r>
-              <a:endParaRPr sz="1800">
-                <a:solidFill>
-                  <a:schemeClr val="dk1"/>
-                </a:solidFill>
-                <a:latin typeface="Arial"/>
-                <a:ea typeface="Arial"/>
-                <a:cs typeface="Arial"/>
-                <a:sym typeface="Arial"/>
-              </a:endParaRPr>
-            </a:p>
-          </p:txBody>
-        </p:sp>
-        <p:sp>
-          <p:nvSpPr>
-            <p:cNvPr id="230" name="Google Shape;230;p23"/>
-            <p:cNvSpPr/>
-            <p:nvPr/>
-          </p:nvSpPr>
-          <p:spPr>
-            <a:xfrm>
-              <a:off x="4724400" y="4038600"/>
-              <a:ext cx="457200" cy="457200"/>
-            </a:xfrm>
-            <a:prstGeom prst="rect">
-              <a:avLst/>
-            </a:prstGeom>
-            <a:solidFill>
-              <a:srgbClr val="D8D8D8"/>
-            </a:solidFill>
-            <a:ln w="12700" cap="flat" cmpd="sng">
-              <a:solidFill>
-                <a:schemeClr val="dk1"/>
-              </a:solidFill>
-              <a:prstDash val="solid"/>
-              <a:round/>
-              <a:headEnd type="none" w="sm" len="sm"/>
-              <a:tailEnd type="none" w="sm" len="sm"/>
-            </a:ln>
-          </p:spPr>
-          <p:txBody>
-            <a:bodyPr spcFirstLastPara="1" wrap="square" lIns="91425" tIns="45700" rIns="91425" bIns="45700" anchor="t" anchorCtr="0">
-              <a:noAutofit/>
-            </a:bodyPr>
-            <a:lstStyle/>
-            <a:p>
-              <a:pPr marL="0" marR="0" lvl="0" indent="0" algn="ctr" rtl="0">
-                <a:lnSpc>
-                  <a:spcPct val="100000"/>
-                </a:lnSpc>
-                <a:spcBef>
-                  <a:spcPts val="0"/>
-                </a:spcBef>
-                <a:spcAft>
-                  <a:spcPts val="0"/>
-                </a:spcAft>
-                <a:buClr>
-                  <a:schemeClr val="dk1"/>
-                </a:buClr>
-                <a:buSzPts val="1800"/>
-                <a:buFont typeface="Noto Sans Symbols"/>
-                <a:buNone/>
-              </a:pPr>
-              <a:r>
-                <a:rPr lang="en-US" sz="1800" b="0" i="0" u="none" strike="noStrike" cap="none">
-                  <a:solidFill>
-                    <a:schemeClr val="dk1"/>
-                  </a:solidFill>
-                  <a:latin typeface="Noto Sans Symbols"/>
-                  <a:ea typeface="Noto Sans Symbols"/>
-                  <a:cs typeface="Noto Sans Symbols"/>
-                  <a:sym typeface="Noto Sans Symbols"/>
-                </a:rPr>
-                <a:t>•</a:t>
-              </a:r>
-              <a:endParaRPr sz="1800" b="0" i="0" u="none" strike="noStrike" cap="none">
-                <a:solidFill>
-                  <a:schemeClr val="dk1"/>
-                </a:solidFill>
-                <a:latin typeface="Arial"/>
-                <a:ea typeface="Arial"/>
-                <a:cs typeface="Arial"/>
-                <a:sym typeface="Arial"/>
-              </a:endParaRPr>
-            </a:p>
-          </p:txBody>
-        </p:sp>
-      </p:grpSp>
-      <p:cxnSp>
-        <p:nvCxnSpPr>
-          <p:cNvPr id="231" name="Google Shape;231;p23"/>
-          <p:cNvCxnSpPr/>
-          <p:nvPr/>
-        </p:nvCxnSpPr>
-        <p:spPr>
-          <a:xfrm rot="10800000" flipH="1">
-            <a:off x="3733800" y="2057400"/>
-            <a:ext cx="609600" cy="152400"/>
-          </a:xfrm>
-          <a:prstGeom prst="straightConnector1">
-            <a:avLst/>
-          </a:prstGeom>
-          <a:solidFill>
-            <a:schemeClr val="accent1"/>
-          </a:solidFill>
-          <a:ln w="12700" cap="flat" cmpd="sng">
-            <a:solidFill>
-              <a:schemeClr val="dk1"/>
-            </a:solidFill>
-            <a:prstDash val="solid"/>
-            <a:round/>
-            <a:headEnd type="none" w="sm" len="sm"/>
-            <a:tailEnd type="stealth" w="med" len="med"/>
-          </a:ln>
-        </p:spPr>
-      </p:cxnSp>
-      <p:cxnSp>
-        <p:nvCxnSpPr>
-          <p:cNvPr id="232" name="Google Shape;232;p23"/>
-          <p:cNvCxnSpPr/>
-          <p:nvPr/>
-        </p:nvCxnSpPr>
-        <p:spPr>
-          <a:xfrm rot="10800000" flipH="1">
-            <a:off x="5029200" y="2057400"/>
-            <a:ext cx="609600" cy="152400"/>
-          </a:xfrm>
-          <a:prstGeom prst="straightConnector1">
-            <a:avLst/>
-          </a:prstGeom>
-          <a:solidFill>
-            <a:schemeClr val="accent1"/>
-          </a:solidFill>
-          <a:ln w="12700" cap="flat" cmpd="sng">
-            <a:solidFill>
-              <a:schemeClr val="dk1"/>
-            </a:solidFill>
-            <a:prstDash val="solid"/>
-            <a:round/>
-            <a:headEnd type="none" w="sm" len="sm"/>
-            <a:tailEnd type="stealth" w="med" len="med"/>
-          </a:ln>
-        </p:spPr>
-      </p:cxnSp>
-      <p:cxnSp>
-        <p:nvCxnSpPr>
-          <p:cNvPr id="233" name="Google Shape;233;p23"/>
-          <p:cNvCxnSpPr/>
-          <p:nvPr/>
-        </p:nvCxnSpPr>
-        <p:spPr>
-          <a:xfrm rot="10800000" flipH="1">
-            <a:off x="1676400" y="2057400"/>
-            <a:ext cx="1371600" cy="76200"/>
-          </a:xfrm>
-          <a:prstGeom prst="straightConnector1">
-            <a:avLst/>
-          </a:prstGeom>
-          <a:solidFill>
-            <a:schemeClr val="accent1"/>
-          </a:solidFill>
-          <a:ln w="12700" cap="flat" cmpd="sng">
-            <a:solidFill>
-              <a:schemeClr val="dk1"/>
-            </a:solidFill>
-            <a:prstDash val="solid"/>
-            <a:round/>
-            <a:headEnd type="none" w="sm" len="sm"/>
-            <a:tailEnd type="stealth" w="med" len="med"/>
-          </a:ln>
-        </p:spPr>
-      </p:cxnSp>
-      <p:grpSp>
-        <p:nvGrpSpPr>
-          <p:cNvPr id="234" name="Google Shape;234;p23"/>
-          <p:cNvGrpSpPr/>
-          <p:nvPr/>
-        </p:nvGrpSpPr>
-        <p:grpSpPr>
-          <a:xfrm>
-            <a:off x="6934200" y="1981200"/>
-            <a:ext cx="914400" cy="457200"/>
-            <a:chOff x="4267200" y="4038600"/>
-            <a:chExt cx="914400" cy="457200"/>
-          </a:xfrm>
-        </p:grpSpPr>
-        <p:sp>
-          <p:nvSpPr>
-            <p:cNvPr id="235" name="Google Shape;235;p23"/>
-            <p:cNvSpPr/>
-            <p:nvPr/>
-          </p:nvSpPr>
-          <p:spPr>
-            <a:xfrm>
-              <a:off x="4267200" y="4038600"/>
-              <a:ext cx="457200" cy="457200"/>
-            </a:xfrm>
-            <a:prstGeom prst="rect">
-              <a:avLst/>
-            </a:prstGeom>
-            <a:solidFill>
-              <a:srgbClr val="D8D8D8"/>
-            </a:solidFill>
-            <a:ln w="12700" cap="flat" cmpd="sng">
-              <a:solidFill>
-                <a:schemeClr val="dk1"/>
-              </a:solidFill>
-              <a:prstDash val="solid"/>
-              <a:round/>
-              <a:headEnd type="none" w="sm" len="sm"/>
-              <a:tailEnd type="none" w="sm" len="sm"/>
-            </a:ln>
-          </p:spPr>
-          <p:txBody>
-            <a:bodyPr spcFirstLastPara="1" wrap="square" lIns="91425" tIns="45700" rIns="91425" bIns="45700" anchor="t" anchorCtr="0">
-              <a:noAutofit/>
-            </a:bodyPr>
-            <a:lstStyle/>
-            <a:p>
-              <a:pPr marL="0" marR="0" lvl="0" indent="0" algn="ctr" rtl="0">
-                <a:spcBef>
-                  <a:spcPts val="0"/>
-                </a:spcBef>
-                <a:spcAft>
-                  <a:spcPts val="0"/>
-                </a:spcAft>
-                <a:buNone/>
-              </a:pPr>
-              <a:r>
-                <a:rPr lang="en-US" sz="1800">
-                  <a:solidFill>
-                    <a:schemeClr val="dk1"/>
-                  </a:solidFill>
-                  <a:latin typeface="Noto Sans Symbols"/>
-                  <a:ea typeface="Noto Sans Symbols"/>
-                  <a:cs typeface="Noto Sans Symbols"/>
-                  <a:sym typeface="Noto Sans Symbols"/>
-                </a:rPr>
-                <a:t>•</a:t>
-              </a:r>
-              <a:endParaRPr sz="1800">
-                <a:solidFill>
-                  <a:schemeClr val="dk1"/>
-                </a:solidFill>
-                <a:latin typeface="Arial"/>
-                <a:ea typeface="Arial"/>
-                <a:cs typeface="Arial"/>
-                <a:sym typeface="Arial"/>
-              </a:endParaRPr>
-            </a:p>
-          </p:txBody>
-        </p:sp>
-        <p:sp>
-          <p:nvSpPr>
-            <p:cNvPr id="236" name="Google Shape;236;p23"/>
-            <p:cNvSpPr/>
-            <p:nvPr/>
-          </p:nvSpPr>
-          <p:spPr>
-            <a:xfrm>
-              <a:off x="4724400" y="4038600"/>
-              <a:ext cx="457200" cy="457200"/>
-            </a:xfrm>
-            <a:prstGeom prst="rect">
-              <a:avLst/>
-            </a:prstGeom>
-            <a:solidFill>
-              <a:srgbClr val="D8D8D8"/>
-            </a:solidFill>
-            <a:ln w="12700" cap="flat" cmpd="sng">
-              <a:solidFill>
-                <a:schemeClr val="dk1"/>
-              </a:solidFill>
-              <a:prstDash val="solid"/>
-              <a:round/>
-              <a:headEnd type="none" w="sm" len="sm"/>
-              <a:tailEnd type="none" w="sm" len="sm"/>
-            </a:ln>
-          </p:spPr>
-          <p:txBody>
-            <a:bodyPr spcFirstLastPara="1" wrap="square" lIns="91425" tIns="45700" rIns="91425" bIns="45700" anchor="t" anchorCtr="0">
-              <a:noAutofit/>
-            </a:bodyPr>
-            <a:lstStyle/>
-            <a:p>
-              <a:pPr marL="0" marR="0" lvl="0" indent="0" algn="ctr" rtl="0">
-                <a:lnSpc>
-                  <a:spcPct val="100000"/>
-                </a:lnSpc>
-                <a:spcBef>
-                  <a:spcPts val="0"/>
-                </a:spcBef>
-                <a:spcAft>
-                  <a:spcPts val="0"/>
-                </a:spcAft>
-                <a:buClr>
-                  <a:schemeClr val="dk1"/>
-                </a:buClr>
-                <a:buSzPts val="1800"/>
-                <a:buFont typeface="Noto Sans Symbols"/>
-                <a:buNone/>
-              </a:pPr>
-              <a:r>
-                <a:rPr lang="en-US" sz="1800" b="0" i="0" u="none" strike="noStrike" cap="none">
-                  <a:solidFill>
-                    <a:schemeClr val="dk1"/>
-                  </a:solidFill>
-                  <a:latin typeface="Noto Sans Symbols"/>
-                  <a:ea typeface="Noto Sans Symbols"/>
-                  <a:cs typeface="Noto Sans Symbols"/>
-                  <a:sym typeface="Noto Sans Symbols"/>
-                </a:rPr>
-                <a:t>•</a:t>
-              </a:r>
-              <a:endParaRPr sz="1800" b="0" i="0" u="none" strike="noStrike" cap="none">
-                <a:solidFill>
-                  <a:schemeClr val="dk1"/>
-                </a:solidFill>
-                <a:latin typeface="Arial"/>
-                <a:ea typeface="Arial"/>
-                <a:cs typeface="Arial"/>
-                <a:sym typeface="Arial"/>
-              </a:endParaRPr>
-            </a:p>
-          </p:txBody>
-        </p:sp>
-      </p:grpSp>
-      <p:cxnSp>
-        <p:nvCxnSpPr>
-          <p:cNvPr id="237" name="Google Shape;237;p23"/>
-          <p:cNvCxnSpPr/>
-          <p:nvPr/>
-        </p:nvCxnSpPr>
-        <p:spPr>
-          <a:xfrm rot="10800000" flipH="1">
-            <a:off x="6324600" y="2057400"/>
-            <a:ext cx="609600" cy="152400"/>
-          </a:xfrm>
-          <a:prstGeom prst="straightConnector1">
-            <a:avLst/>
-          </a:prstGeom>
-          <a:solidFill>
-            <a:schemeClr val="accent1"/>
-          </a:solidFill>
-          <a:ln w="12700" cap="flat" cmpd="sng">
-            <a:solidFill>
-              <a:schemeClr val="dk1"/>
-            </a:solidFill>
-            <a:prstDash val="solid"/>
-            <a:round/>
-            <a:headEnd type="none" w="sm" len="sm"/>
-            <a:tailEnd type="stealth" w="med" len="med"/>
-          </a:ln>
-        </p:spPr>
-      </p:cxnSp>
-      <p:grpSp>
-        <p:nvGrpSpPr>
-          <p:cNvPr id="238" name="Google Shape;238;p23"/>
-          <p:cNvGrpSpPr/>
-          <p:nvPr/>
-        </p:nvGrpSpPr>
-        <p:grpSpPr>
-          <a:xfrm>
-            <a:off x="3429000" y="3124200"/>
-            <a:ext cx="914400" cy="457200"/>
-            <a:chOff x="4267200" y="4038600"/>
-            <a:chExt cx="914400" cy="457200"/>
-          </a:xfrm>
-        </p:grpSpPr>
-        <p:sp>
-          <p:nvSpPr>
-            <p:cNvPr id="239" name="Google Shape;239;p23"/>
-            <p:cNvSpPr/>
-            <p:nvPr/>
-          </p:nvSpPr>
-          <p:spPr>
-            <a:xfrm>
-              <a:off x="4267200" y="4038600"/>
-              <a:ext cx="457200" cy="457200"/>
-            </a:xfrm>
-            <a:prstGeom prst="rect">
-              <a:avLst/>
-            </a:prstGeom>
-            <a:solidFill>
-              <a:srgbClr val="D8D8D8"/>
-            </a:solidFill>
-            <a:ln w="12700" cap="flat" cmpd="sng">
-              <a:solidFill>
-                <a:schemeClr val="dk1"/>
-              </a:solidFill>
-              <a:prstDash val="solid"/>
-              <a:round/>
-              <a:headEnd type="none" w="sm" len="sm"/>
-              <a:tailEnd type="none" w="sm" len="sm"/>
-            </a:ln>
-          </p:spPr>
-          <p:txBody>
-            <a:bodyPr spcFirstLastPara="1" wrap="square" lIns="91425" tIns="45700" rIns="91425" bIns="45700" anchor="t" anchorCtr="0">
-              <a:noAutofit/>
-            </a:bodyPr>
-            <a:lstStyle/>
-            <a:p>
-              <a:pPr marL="0" marR="0" lvl="0" indent="0" algn="ctr" rtl="0">
-                <a:lnSpc>
-                  <a:spcPct val="100000"/>
-                </a:lnSpc>
-                <a:spcBef>
-                  <a:spcPts val="0"/>
-                </a:spcBef>
-                <a:spcAft>
-                  <a:spcPts val="0"/>
-                </a:spcAft>
-                <a:buClr>
-                  <a:schemeClr val="dk1"/>
-                </a:buClr>
-                <a:buSzPts val="1800"/>
-                <a:buFont typeface="Arial"/>
-                <a:buNone/>
-              </a:pPr>
-              <a:r>
-                <a:rPr lang="en-US" sz="1800">
-                  <a:solidFill>
-                    <a:schemeClr val="dk1"/>
-                  </a:solidFill>
-                  <a:latin typeface="Arial"/>
-                  <a:ea typeface="Arial"/>
-                  <a:cs typeface="Arial"/>
-                  <a:sym typeface="Arial"/>
-                </a:rPr>
-                <a:t>0</a:t>
-              </a:r>
-              <a:endParaRPr sz="1800" b="0" i="0" u="none" strike="noStrike" cap="none">
-                <a:solidFill>
-                  <a:schemeClr val="dk1"/>
-                </a:solidFill>
-                <a:latin typeface="Arial"/>
-                <a:ea typeface="Arial"/>
-                <a:cs typeface="Arial"/>
-                <a:sym typeface="Arial"/>
-              </a:endParaRPr>
-            </a:p>
-          </p:txBody>
-        </p:sp>
-        <p:sp>
-          <p:nvSpPr>
-            <p:cNvPr id="240" name="Google Shape;240;p23"/>
-            <p:cNvSpPr/>
-            <p:nvPr/>
-          </p:nvSpPr>
-          <p:spPr>
-            <a:xfrm>
-              <a:off x="4724400" y="4038600"/>
-              <a:ext cx="457200" cy="457200"/>
-            </a:xfrm>
-            <a:prstGeom prst="rect">
-              <a:avLst/>
-            </a:prstGeom>
-            <a:solidFill>
-              <a:srgbClr val="D8D8D8"/>
-            </a:solidFill>
-            <a:ln w="12700" cap="flat" cmpd="sng">
-              <a:solidFill>
-                <a:schemeClr val="dk1"/>
-              </a:solidFill>
-              <a:prstDash val="solid"/>
-              <a:round/>
-              <a:headEnd type="none" w="sm" len="sm"/>
-              <a:tailEnd type="none" w="sm" len="sm"/>
-            </a:ln>
-          </p:spPr>
-          <p:txBody>
-            <a:bodyPr spcFirstLastPara="1" wrap="square" lIns="91425" tIns="45700" rIns="91425" bIns="45700" anchor="t" anchorCtr="0">
-              <a:noAutofit/>
-            </a:bodyPr>
-            <a:lstStyle/>
-            <a:p>
-              <a:pPr marL="0" marR="0" lvl="0" indent="0" algn="ctr" rtl="0">
-                <a:lnSpc>
-                  <a:spcPct val="100000"/>
-                </a:lnSpc>
-                <a:spcBef>
-                  <a:spcPts val="0"/>
-                </a:spcBef>
-                <a:spcAft>
-                  <a:spcPts val="0"/>
-                </a:spcAft>
-                <a:buClr>
-                  <a:schemeClr val="dk1"/>
-                </a:buClr>
-                <a:buSzPts val="1800"/>
-                <a:buFont typeface="Noto Sans Symbols"/>
-                <a:buNone/>
-              </a:pPr>
-              <a:r>
-                <a:rPr lang="en-US" sz="1800" b="0" i="0" u="none" strike="noStrike" cap="none">
-                  <a:solidFill>
-                    <a:schemeClr val="dk1"/>
-                  </a:solidFill>
-                  <a:latin typeface="Noto Sans Symbols"/>
-                  <a:ea typeface="Noto Sans Symbols"/>
-                  <a:cs typeface="Noto Sans Symbols"/>
-                  <a:sym typeface="Noto Sans Symbols"/>
-                </a:rPr>
-                <a:t>•</a:t>
-              </a:r>
-              <a:endParaRPr sz="1800" b="0" i="0" u="none" strike="noStrike" cap="none">
-                <a:solidFill>
-                  <a:schemeClr val="dk1"/>
-                </a:solidFill>
-                <a:latin typeface="Arial"/>
-                <a:ea typeface="Arial"/>
-                <a:cs typeface="Arial"/>
-                <a:sym typeface="Arial"/>
-              </a:endParaRPr>
-            </a:p>
-          </p:txBody>
-        </p:sp>
-      </p:grpSp>
-      <p:grpSp>
-        <p:nvGrpSpPr>
-          <p:cNvPr id="241" name="Google Shape;241;p23"/>
-          <p:cNvGrpSpPr/>
-          <p:nvPr/>
-        </p:nvGrpSpPr>
-        <p:grpSpPr>
-          <a:xfrm>
-            <a:off x="4724400" y="3124200"/>
-            <a:ext cx="914400" cy="457200"/>
-            <a:chOff x="4267200" y="4038600"/>
-            <a:chExt cx="914400" cy="457200"/>
-          </a:xfrm>
-        </p:grpSpPr>
-        <p:sp>
-          <p:nvSpPr>
-            <p:cNvPr id="242" name="Google Shape;242;p23"/>
-            <p:cNvSpPr/>
-            <p:nvPr/>
-          </p:nvSpPr>
-          <p:spPr>
-            <a:xfrm>
-              <a:off x="4267200" y="4038600"/>
-              <a:ext cx="457200" cy="457200"/>
-            </a:xfrm>
-            <a:prstGeom prst="rect">
-              <a:avLst/>
-            </a:prstGeom>
-            <a:solidFill>
-              <a:srgbClr val="D8D8D8"/>
-            </a:solidFill>
-            <a:ln w="12700" cap="flat" cmpd="sng">
-              <a:solidFill>
-                <a:schemeClr val="dk1"/>
-              </a:solidFill>
-              <a:prstDash val="solid"/>
-              <a:round/>
-              <a:headEnd type="none" w="sm" len="sm"/>
-              <a:tailEnd type="none" w="sm" len="sm"/>
-            </a:ln>
-          </p:spPr>
-          <p:txBody>
-            <a:bodyPr spcFirstLastPara="1" wrap="square" lIns="91425" tIns="45700" rIns="91425" bIns="45700" anchor="t" anchorCtr="0">
-              <a:noAutofit/>
-            </a:bodyPr>
-            <a:lstStyle/>
-            <a:p>
-              <a:pPr marL="0" marR="0" lvl="0" indent="0" algn="ctr" rtl="0">
-                <a:lnSpc>
-                  <a:spcPct val="100000"/>
-                </a:lnSpc>
-                <a:spcBef>
-                  <a:spcPts val="0"/>
-                </a:spcBef>
-                <a:spcAft>
-                  <a:spcPts val="0"/>
-                </a:spcAft>
-                <a:buClr>
-                  <a:schemeClr val="dk1"/>
-                </a:buClr>
-                <a:buSzPts val="1800"/>
-                <a:buFont typeface="Arial"/>
-                <a:buNone/>
-              </a:pPr>
-              <a:r>
-                <a:rPr lang="en-US" sz="1800">
-                  <a:solidFill>
-                    <a:schemeClr val="dk1"/>
-                  </a:solidFill>
-                  <a:latin typeface="Arial"/>
-                  <a:ea typeface="Arial"/>
-                  <a:cs typeface="Arial"/>
-                  <a:sym typeface="Arial"/>
-                </a:rPr>
-                <a:t>0</a:t>
-              </a:r>
-              <a:endParaRPr sz="1800" b="0" i="0" u="none" strike="noStrike" cap="none">
-                <a:solidFill>
-                  <a:schemeClr val="dk1"/>
-                </a:solidFill>
-                <a:latin typeface="Arial"/>
-                <a:ea typeface="Arial"/>
-                <a:cs typeface="Arial"/>
-                <a:sym typeface="Arial"/>
-              </a:endParaRPr>
-            </a:p>
-          </p:txBody>
-        </p:sp>
-        <p:sp>
-          <p:nvSpPr>
-            <p:cNvPr id="243" name="Google Shape;243;p23"/>
-            <p:cNvSpPr/>
-            <p:nvPr/>
-          </p:nvSpPr>
-          <p:spPr>
-            <a:xfrm>
-              <a:off x="4724400" y="4038600"/>
-              <a:ext cx="457200" cy="457200"/>
-            </a:xfrm>
-            <a:prstGeom prst="rect">
-              <a:avLst/>
-            </a:prstGeom>
-            <a:solidFill>
-              <a:srgbClr val="D8D8D8"/>
-            </a:solidFill>
-            <a:ln w="12700" cap="flat" cmpd="sng">
-              <a:solidFill>
-                <a:schemeClr val="dk1"/>
-              </a:solidFill>
-              <a:prstDash val="solid"/>
-              <a:round/>
-              <a:headEnd type="none" w="sm" len="sm"/>
-              <a:tailEnd type="none" w="sm" len="sm"/>
-            </a:ln>
-          </p:spPr>
-          <p:txBody>
-            <a:bodyPr spcFirstLastPara="1" wrap="square" lIns="91425" tIns="45700" rIns="91425" bIns="45700" anchor="t" anchorCtr="0">
-              <a:noAutofit/>
-            </a:bodyPr>
-            <a:lstStyle/>
-            <a:p>
-              <a:pPr marL="0" marR="0" lvl="0" indent="0" algn="ctr" rtl="0">
-                <a:lnSpc>
-                  <a:spcPct val="100000"/>
-                </a:lnSpc>
-                <a:spcBef>
-                  <a:spcPts val="0"/>
-                </a:spcBef>
-                <a:spcAft>
-                  <a:spcPts val="0"/>
-                </a:spcAft>
-                <a:buClr>
-                  <a:schemeClr val="dk1"/>
-                </a:buClr>
-                <a:buSzPts val="1800"/>
-                <a:buFont typeface="Noto Sans Symbols"/>
-                <a:buNone/>
-              </a:pPr>
-              <a:r>
-                <a:rPr lang="en-US" sz="1800" b="0" i="0" u="none" strike="noStrike" cap="none">
-                  <a:solidFill>
-                    <a:schemeClr val="dk1"/>
-                  </a:solidFill>
-                  <a:latin typeface="Noto Sans Symbols"/>
-                  <a:ea typeface="Noto Sans Symbols"/>
-                  <a:cs typeface="Noto Sans Symbols"/>
-                  <a:sym typeface="Noto Sans Symbols"/>
-                </a:rPr>
-                <a:t>•</a:t>
-              </a:r>
-              <a:endParaRPr sz="1800" b="0" i="0" u="none" strike="noStrike" cap="none">
-                <a:solidFill>
-                  <a:schemeClr val="dk1"/>
-                </a:solidFill>
-                <a:latin typeface="Arial"/>
-                <a:ea typeface="Arial"/>
-                <a:cs typeface="Arial"/>
-                <a:sym typeface="Arial"/>
-              </a:endParaRPr>
-            </a:p>
-          </p:txBody>
-        </p:sp>
-      </p:grpSp>
-      <p:cxnSp>
-        <p:nvCxnSpPr>
-          <p:cNvPr id="244" name="Google Shape;244;p23"/>
-          <p:cNvCxnSpPr/>
-          <p:nvPr/>
-        </p:nvCxnSpPr>
-        <p:spPr>
-          <a:xfrm rot="10800000" flipH="1">
-            <a:off x="4114800" y="3200400"/>
-            <a:ext cx="609600" cy="152400"/>
-          </a:xfrm>
-          <a:prstGeom prst="straightConnector1">
-            <a:avLst/>
-          </a:prstGeom>
-          <a:solidFill>
-            <a:schemeClr val="accent1"/>
-          </a:solidFill>
-          <a:ln w="12700" cap="flat" cmpd="sng">
-            <a:solidFill>
-              <a:schemeClr val="dk1"/>
-            </a:solidFill>
-            <a:prstDash val="solid"/>
-            <a:round/>
-            <a:headEnd type="none" w="sm" len="sm"/>
-            <a:tailEnd type="stealth" w="med" len="med"/>
-          </a:ln>
-        </p:spPr>
-      </p:cxnSp>
-      <p:grpSp>
-        <p:nvGrpSpPr>
-          <p:cNvPr id="245" name="Google Shape;245;p23"/>
-          <p:cNvGrpSpPr/>
-          <p:nvPr/>
-        </p:nvGrpSpPr>
-        <p:grpSpPr>
-          <a:xfrm>
-            <a:off x="6019800" y="3124200"/>
-            <a:ext cx="914400" cy="457200"/>
-            <a:chOff x="4267200" y="4038600"/>
-            <a:chExt cx="914400" cy="457200"/>
-          </a:xfrm>
-        </p:grpSpPr>
-        <p:sp>
-          <p:nvSpPr>
-            <p:cNvPr id="246" name="Google Shape;246;p23"/>
-            <p:cNvSpPr/>
-            <p:nvPr/>
-          </p:nvSpPr>
-          <p:spPr>
-            <a:xfrm>
-              <a:off x="4267200" y="4038600"/>
-              <a:ext cx="457200" cy="457200"/>
-            </a:xfrm>
-            <a:prstGeom prst="rect">
-              <a:avLst/>
-            </a:prstGeom>
-            <a:solidFill>
-              <a:srgbClr val="D8D8D8"/>
-            </a:solidFill>
-            <a:ln w="12700" cap="flat" cmpd="sng">
-              <a:solidFill>
-                <a:schemeClr val="dk1"/>
-              </a:solidFill>
-              <a:prstDash val="solid"/>
-              <a:round/>
-              <a:headEnd type="none" w="sm" len="sm"/>
-              <a:tailEnd type="none" w="sm" len="sm"/>
-            </a:ln>
-          </p:spPr>
-          <p:txBody>
-            <a:bodyPr spcFirstLastPara="1" wrap="square" lIns="91425" tIns="45700" rIns="91425" bIns="45700" anchor="t" anchorCtr="0">
-              <a:noAutofit/>
-            </a:bodyPr>
-            <a:lstStyle/>
-            <a:p>
-              <a:pPr marL="0" marR="0" lvl="0" indent="0" algn="ctr" rtl="0">
-                <a:lnSpc>
-                  <a:spcPct val="100000"/>
-                </a:lnSpc>
-                <a:spcBef>
-                  <a:spcPts val="0"/>
-                </a:spcBef>
-                <a:spcAft>
-                  <a:spcPts val="0"/>
-                </a:spcAft>
-                <a:buClr>
-                  <a:schemeClr val="dk1"/>
-                </a:buClr>
-                <a:buSzPts val="1800"/>
-                <a:buFont typeface="Arial"/>
-                <a:buNone/>
-              </a:pPr>
-              <a:r>
-                <a:rPr lang="en-US" sz="1800">
-                  <a:solidFill>
-                    <a:schemeClr val="dk1"/>
-                  </a:solidFill>
-                  <a:latin typeface="Arial"/>
-                  <a:ea typeface="Arial"/>
-                  <a:cs typeface="Arial"/>
-                  <a:sym typeface="Arial"/>
-                </a:rPr>
-                <a:t>0</a:t>
-              </a:r>
-              <a:endParaRPr sz="1800" b="0" i="0" u="none" strike="noStrike" cap="none">
-                <a:solidFill>
-                  <a:schemeClr val="dk1"/>
-                </a:solidFill>
-                <a:latin typeface="Arial"/>
-                <a:ea typeface="Arial"/>
-                <a:cs typeface="Arial"/>
-                <a:sym typeface="Arial"/>
-              </a:endParaRPr>
-            </a:p>
-          </p:txBody>
-        </p:sp>
-        <p:sp>
-          <p:nvSpPr>
-            <p:cNvPr id="247" name="Google Shape;247;p23"/>
-            <p:cNvSpPr/>
-            <p:nvPr/>
-          </p:nvSpPr>
-          <p:spPr>
-            <a:xfrm>
-              <a:off x="4724400" y="4038600"/>
-              <a:ext cx="457200" cy="457200"/>
-            </a:xfrm>
-            <a:prstGeom prst="rect">
-              <a:avLst/>
-            </a:prstGeom>
-            <a:solidFill>
-              <a:srgbClr val="D8D8D8"/>
-            </a:solidFill>
-            <a:ln w="12700" cap="flat" cmpd="sng">
-              <a:solidFill>
-                <a:schemeClr val="dk1"/>
-              </a:solidFill>
-              <a:prstDash val="solid"/>
-              <a:round/>
-              <a:headEnd type="none" w="sm" len="sm"/>
-              <a:tailEnd type="none" w="sm" len="sm"/>
-            </a:ln>
-          </p:spPr>
-          <p:txBody>
-            <a:bodyPr spcFirstLastPara="1" wrap="square" lIns="91425" tIns="45700" rIns="91425" bIns="45700" anchor="t" anchorCtr="0">
-              <a:noAutofit/>
-            </a:bodyPr>
-            <a:lstStyle/>
-            <a:p>
-              <a:pPr marL="0" marR="0" lvl="0" indent="0" algn="ctr" rtl="0">
-                <a:lnSpc>
-                  <a:spcPct val="100000"/>
-                </a:lnSpc>
-                <a:spcBef>
-                  <a:spcPts val="0"/>
-                </a:spcBef>
-                <a:spcAft>
-                  <a:spcPts val="0"/>
-                </a:spcAft>
-                <a:buClr>
-                  <a:schemeClr val="dk1"/>
-                </a:buClr>
-                <a:buSzPts val="1800"/>
-                <a:buFont typeface="Noto Sans Symbols"/>
-                <a:buNone/>
-              </a:pPr>
-              <a:r>
-                <a:rPr lang="en-US" sz="1800" b="0" i="0" u="none" strike="noStrike" cap="none">
-                  <a:solidFill>
-                    <a:schemeClr val="dk1"/>
-                  </a:solidFill>
-                  <a:latin typeface="Noto Sans Symbols"/>
-                  <a:ea typeface="Noto Sans Symbols"/>
-                  <a:cs typeface="Noto Sans Symbols"/>
-                  <a:sym typeface="Noto Sans Symbols"/>
-                </a:rPr>
-                <a:t>•</a:t>
-              </a:r>
-              <a:endParaRPr sz="1800" b="0" i="0" u="none" strike="noStrike" cap="none">
-                <a:solidFill>
-                  <a:schemeClr val="dk1"/>
-                </a:solidFill>
-                <a:latin typeface="Arial"/>
-                <a:ea typeface="Arial"/>
-                <a:cs typeface="Arial"/>
-                <a:sym typeface="Arial"/>
-              </a:endParaRPr>
-            </a:p>
-          </p:txBody>
-        </p:sp>
-      </p:grpSp>
-      <p:cxnSp>
-        <p:nvCxnSpPr>
-          <p:cNvPr id="248" name="Google Shape;248;p23"/>
-          <p:cNvCxnSpPr/>
-          <p:nvPr/>
-        </p:nvCxnSpPr>
-        <p:spPr>
-          <a:xfrm rot="10800000" flipH="1">
-            <a:off x="5410200" y="3200400"/>
-            <a:ext cx="609600" cy="152400"/>
-          </a:xfrm>
-          <a:prstGeom prst="straightConnector1">
-            <a:avLst/>
-          </a:prstGeom>
-          <a:solidFill>
-            <a:schemeClr val="accent1"/>
-          </a:solidFill>
-          <a:ln w="12700" cap="flat" cmpd="sng">
-            <a:solidFill>
-              <a:schemeClr val="dk1"/>
-            </a:solidFill>
-            <a:prstDash val="solid"/>
-            <a:round/>
-            <a:headEnd type="none" w="sm" len="sm"/>
-            <a:tailEnd type="stealth" w="med" len="med"/>
-          </a:ln>
-        </p:spPr>
-      </p:cxnSp>
-      <p:grpSp>
-        <p:nvGrpSpPr>
-          <p:cNvPr id="249" name="Google Shape;249;p23"/>
-          <p:cNvGrpSpPr/>
-          <p:nvPr/>
-        </p:nvGrpSpPr>
-        <p:grpSpPr>
-          <a:xfrm>
-            <a:off x="7315200" y="3124200"/>
-            <a:ext cx="914400" cy="457200"/>
-            <a:chOff x="4267200" y="4038600"/>
-            <a:chExt cx="914400" cy="457200"/>
-          </a:xfrm>
-        </p:grpSpPr>
-        <p:sp>
-          <p:nvSpPr>
-            <p:cNvPr id="250" name="Google Shape;250;p23"/>
-            <p:cNvSpPr/>
-            <p:nvPr/>
-          </p:nvSpPr>
-          <p:spPr>
-            <a:xfrm>
-              <a:off x="4267200" y="4038600"/>
-              <a:ext cx="457200" cy="457200"/>
-            </a:xfrm>
-            <a:prstGeom prst="rect">
-              <a:avLst/>
-            </a:prstGeom>
-            <a:solidFill>
-              <a:srgbClr val="D8D8D8"/>
-            </a:solidFill>
-            <a:ln w="12700" cap="flat" cmpd="sng">
-              <a:solidFill>
-                <a:schemeClr val="dk1"/>
-              </a:solidFill>
-              <a:prstDash val="solid"/>
-              <a:round/>
-              <a:headEnd type="none" w="sm" len="sm"/>
-              <a:tailEnd type="none" w="sm" len="sm"/>
-            </a:ln>
-          </p:spPr>
-          <p:txBody>
-            <a:bodyPr spcFirstLastPara="1" wrap="square" lIns="91425" tIns="45700" rIns="91425" bIns="45700" anchor="t" anchorCtr="0">
-              <a:noAutofit/>
-            </a:bodyPr>
-            <a:lstStyle/>
-            <a:p>
-              <a:pPr marL="0" marR="0" lvl="0" indent="0" algn="ctr" rtl="0">
-                <a:lnSpc>
-                  <a:spcPct val="100000"/>
-                </a:lnSpc>
-                <a:spcBef>
-                  <a:spcPts val="0"/>
-                </a:spcBef>
-                <a:spcAft>
-                  <a:spcPts val="0"/>
-                </a:spcAft>
-                <a:buClr>
-                  <a:schemeClr val="dk1"/>
-                </a:buClr>
-                <a:buSzPts val="1800"/>
-                <a:buFont typeface="Arial"/>
-                <a:buNone/>
-              </a:pPr>
-              <a:r>
-                <a:rPr lang="en-US" sz="1800">
-                  <a:solidFill>
-                    <a:schemeClr val="dk1"/>
-                  </a:solidFill>
-                  <a:latin typeface="Arial"/>
-                  <a:ea typeface="Arial"/>
-                  <a:cs typeface="Arial"/>
-                  <a:sym typeface="Arial"/>
-                </a:rPr>
-                <a:t>0</a:t>
-              </a:r>
-              <a:endParaRPr sz="1800" b="0" i="0" u="none" strike="noStrike" cap="none">
-                <a:solidFill>
-                  <a:schemeClr val="dk1"/>
-                </a:solidFill>
-                <a:latin typeface="Arial"/>
-                <a:ea typeface="Arial"/>
-                <a:cs typeface="Arial"/>
-                <a:sym typeface="Arial"/>
-              </a:endParaRPr>
-            </a:p>
-          </p:txBody>
-        </p:sp>
-        <p:sp>
-          <p:nvSpPr>
-            <p:cNvPr id="251" name="Google Shape;251;p23"/>
-            <p:cNvSpPr/>
-            <p:nvPr/>
-          </p:nvSpPr>
-          <p:spPr>
-            <a:xfrm>
-              <a:off x="4724400" y="4038600"/>
-              <a:ext cx="457200" cy="457200"/>
-            </a:xfrm>
-            <a:prstGeom prst="rect">
-              <a:avLst/>
-            </a:prstGeom>
-            <a:solidFill>
-              <a:srgbClr val="D8D8D8"/>
-            </a:solidFill>
-            <a:ln w="12700" cap="flat" cmpd="sng">
-              <a:solidFill>
-                <a:schemeClr val="dk1"/>
-              </a:solidFill>
-              <a:prstDash val="solid"/>
-              <a:round/>
-              <a:headEnd type="none" w="sm" len="sm"/>
-              <a:tailEnd type="none" w="sm" len="sm"/>
-            </a:ln>
-          </p:spPr>
-          <p:txBody>
-            <a:bodyPr spcFirstLastPara="1" wrap="square" lIns="91425" tIns="45700" rIns="91425" bIns="45700" anchor="t" anchorCtr="0">
-              <a:noAutofit/>
-            </a:bodyPr>
-            <a:lstStyle/>
-            <a:p>
-              <a:pPr marL="0" marR="0" lvl="0" indent="0" algn="ctr" rtl="0">
-                <a:lnSpc>
-                  <a:spcPct val="100000"/>
-                </a:lnSpc>
-                <a:spcBef>
-                  <a:spcPts val="0"/>
-                </a:spcBef>
-                <a:spcAft>
-                  <a:spcPts val="0"/>
-                </a:spcAft>
-                <a:buClr>
-                  <a:schemeClr val="dk1"/>
-                </a:buClr>
-                <a:buSzPts val="1800"/>
-                <a:buFont typeface="Noto Sans Symbols"/>
-                <a:buNone/>
-              </a:pPr>
-              <a:r>
-                <a:rPr lang="en-US" sz="1800" b="0" i="0" u="none" strike="noStrike" cap="none">
-                  <a:solidFill>
-                    <a:schemeClr val="dk1"/>
-                  </a:solidFill>
-                  <a:latin typeface="Noto Sans Symbols"/>
-                  <a:ea typeface="Noto Sans Symbols"/>
-                  <a:cs typeface="Noto Sans Symbols"/>
-                  <a:sym typeface="Noto Sans Symbols"/>
-                </a:rPr>
-                <a:t>•</a:t>
-              </a:r>
-              <a:endParaRPr sz="1800" b="0" i="0" u="none" strike="noStrike" cap="none">
-                <a:solidFill>
-                  <a:schemeClr val="dk1"/>
-                </a:solidFill>
-                <a:latin typeface="Arial"/>
-                <a:ea typeface="Arial"/>
-                <a:cs typeface="Arial"/>
-                <a:sym typeface="Arial"/>
-              </a:endParaRPr>
-            </a:p>
-          </p:txBody>
-        </p:sp>
-      </p:grpSp>
-      <p:cxnSp>
-        <p:nvCxnSpPr>
-          <p:cNvPr id="252" name="Google Shape;252;p23"/>
-          <p:cNvCxnSpPr/>
-          <p:nvPr/>
-        </p:nvCxnSpPr>
-        <p:spPr>
-          <a:xfrm rot="10800000" flipH="1">
-            <a:off x="6705600" y="3200400"/>
-            <a:ext cx="609600" cy="152400"/>
-          </a:xfrm>
-          <a:prstGeom prst="straightConnector1">
-            <a:avLst/>
-          </a:prstGeom>
-          <a:solidFill>
-            <a:schemeClr val="accent1"/>
-          </a:solidFill>
-          <a:ln w="12700" cap="flat" cmpd="sng">
-            <a:solidFill>
-              <a:schemeClr val="dk1"/>
-            </a:solidFill>
-            <a:prstDash val="solid"/>
-            <a:round/>
-            <a:headEnd type="none" w="sm" len="sm"/>
-            <a:tailEnd type="stealth" w="med" len="med"/>
-          </a:ln>
-        </p:spPr>
-      </p:cxnSp>
-      <p:cxnSp>
-        <p:nvCxnSpPr>
-          <p:cNvPr id="253" name="Google Shape;253;p23"/>
-          <p:cNvCxnSpPr>
-            <a:endCxn id="239" idx="0"/>
-          </p:cNvCxnSpPr>
-          <p:nvPr/>
-        </p:nvCxnSpPr>
-        <p:spPr>
-          <a:xfrm>
-            <a:off x="3276600" y="2209800"/>
-            <a:ext cx="381000" cy="914400"/>
-          </a:xfrm>
-          <a:prstGeom prst="straightConnector1">
-            <a:avLst/>
-          </a:prstGeom>
-          <a:solidFill>
-            <a:schemeClr val="accent1"/>
-          </a:solidFill>
-          <a:ln w="12700" cap="flat" cmpd="sng">
-            <a:solidFill>
-              <a:schemeClr val="dk1"/>
-            </a:solidFill>
-            <a:prstDash val="solid"/>
-            <a:round/>
-            <a:headEnd type="none" w="sm" len="sm"/>
-            <a:tailEnd type="stealth" w="med" len="med"/>
-          </a:ln>
-        </p:spPr>
-      </p:cxnSp>
-      <p:cxnSp>
-        <p:nvCxnSpPr>
-          <p:cNvPr id="254" name="Google Shape;254;p23"/>
-          <p:cNvCxnSpPr>
-            <a:endCxn id="239" idx="0"/>
-          </p:cNvCxnSpPr>
-          <p:nvPr/>
-        </p:nvCxnSpPr>
-        <p:spPr>
-          <a:xfrm flipH="1">
-            <a:off x="3657600" y="2133600"/>
-            <a:ext cx="914400" cy="990600"/>
-          </a:xfrm>
-          <a:prstGeom prst="straightConnector1">
-            <a:avLst/>
-          </a:prstGeom>
-          <a:solidFill>
-            <a:schemeClr val="accent1"/>
-          </a:solidFill>
-          <a:ln w="12700" cap="flat" cmpd="sng">
-            <a:solidFill>
-              <a:srgbClr val="FF0000"/>
-            </a:solidFill>
-            <a:prstDash val="solid"/>
-            <a:round/>
-            <a:headEnd type="none" w="sm" len="sm"/>
-            <a:tailEnd type="stealth" w="med" len="med"/>
-          </a:ln>
-        </p:spPr>
-      </p:cxnSp>
-      <p:cxnSp>
-        <p:nvCxnSpPr>
-          <p:cNvPr id="255" name="Google Shape;255;p23"/>
-          <p:cNvCxnSpPr>
-            <a:endCxn id="239" idx="0"/>
-          </p:cNvCxnSpPr>
-          <p:nvPr/>
-        </p:nvCxnSpPr>
-        <p:spPr>
-          <a:xfrm flipH="1">
-            <a:off x="3657600" y="2133600"/>
-            <a:ext cx="2209800" cy="990600"/>
-          </a:xfrm>
-          <a:prstGeom prst="straightConnector1">
-            <a:avLst/>
-          </a:prstGeom>
-          <a:solidFill>
-            <a:schemeClr val="accent1"/>
-          </a:solidFill>
-          <a:ln w="12700" cap="flat" cmpd="sng">
-            <a:solidFill>
-              <a:srgbClr val="FF0000"/>
-            </a:solidFill>
-            <a:prstDash val="solid"/>
-            <a:round/>
-            <a:headEnd type="none" w="sm" len="sm"/>
-            <a:tailEnd type="stealth" w="med" len="med"/>
-          </a:ln>
-        </p:spPr>
-      </p:cxnSp>
-      <p:cxnSp>
-        <p:nvCxnSpPr>
-          <p:cNvPr id="256" name="Google Shape;256;p23"/>
-          <p:cNvCxnSpPr/>
-          <p:nvPr/>
-        </p:nvCxnSpPr>
-        <p:spPr>
-          <a:xfrm flipH="1">
-            <a:off x="3810000" y="2209800"/>
-            <a:ext cx="3352800" cy="914400"/>
-          </a:xfrm>
-          <a:prstGeom prst="straightConnector1">
-            <a:avLst/>
-          </a:prstGeom>
-          <a:solidFill>
-            <a:schemeClr val="accent1"/>
-          </a:solidFill>
-          <a:ln w="12700" cap="flat" cmpd="sng">
-            <a:solidFill>
-              <a:srgbClr val="FF0000"/>
-            </a:solidFill>
-            <a:prstDash val="solid"/>
-            <a:round/>
-            <a:headEnd type="none" w="sm" len="sm"/>
-            <a:tailEnd type="stealth" w="med" len="med"/>
-          </a:ln>
-        </p:spPr>
-      </p:cxnSp>
-      <p:sp>
-        <p:nvSpPr>
-          <p:cNvPr id="257" name="Google Shape;257;p23"/>
-          <p:cNvSpPr/>
-          <p:nvPr/>
-        </p:nvSpPr>
-        <p:spPr>
-          <a:xfrm>
-            <a:off x="6096000" y="3124200"/>
-            <a:ext cx="313044" cy="369332"/>
-          </a:xfrm>
-          <a:prstGeom prst="rect">
-            <a:avLst/>
-          </a:prstGeom>
-          <a:solidFill>
-            <a:srgbClr val="E9E9E9">
-              <a:alpha val="69803"/>
-            </a:srgbClr>
-          </a:solidFill>
-          <a:ln>
-            <a:noFill/>
-          </a:ln>
-        </p:spPr>
-        <p:txBody>
-          <a:bodyPr spcFirstLastPara="1" wrap="square" lIns="91425" tIns="45700" rIns="91425" bIns="45700" anchor="t" anchorCtr="0">
-            <a:noAutofit/>
-          </a:bodyPr>
-          <a:lstStyle/>
-          <a:p>
-            <a:pPr marL="0" marR="0" lvl="0" indent="0" algn="ctr" rtl="0">
-              <a:spcBef>
-                <a:spcPts val="0"/>
-              </a:spcBef>
-              <a:spcAft>
-                <a:spcPts val="0"/>
-              </a:spcAft>
-              <a:buNone/>
-            </a:pPr>
-            <a:r>
-              <a:rPr lang="en-US" sz="1800">
-                <a:solidFill>
-                  <a:srgbClr val="FF0000"/>
-                </a:solidFill>
-                <a:latin typeface="Arial"/>
-                <a:ea typeface="Arial"/>
-                <a:cs typeface="Arial"/>
-                <a:sym typeface="Arial"/>
-              </a:rPr>
-              <a:t>1</a:t>
-            </a:r>
-            <a:endParaRPr/>
-          </a:p>
-        </p:txBody>
-      </p:sp>
-      <p:sp>
-        <p:nvSpPr>
-          <p:cNvPr id="45" name="Google Shape;107;p14">
-            <a:extLst>
-              <a:ext uri="{FF2B5EF4-FFF2-40B4-BE49-F238E27FC236}">
-                <a16:creationId xmlns:a16="http://schemas.microsoft.com/office/drawing/2014/main" id="{923B6C3B-5263-9B4D-B068-E33A3F0E91B1}"/>
-              </a:ext>
-            </a:extLst>
-          </p:cNvPr>
-          <p:cNvSpPr txBox="1">
-            <a:spLocks noGrp="1"/>
-          </p:cNvSpPr>
-          <p:nvPr>
-            <p:ph type="ftr" idx="11"/>
-          </p:nvPr>
-        </p:nvSpPr>
-        <p:spPr>
-          <a:xfrm>
-            <a:off x="3048000" y="6553200"/>
-            <a:ext cx="2895600" cy="304800"/>
-          </a:xfrm>
-          <a:prstGeom prst="rect">
-            <a:avLst/>
-          </a:prstGeom>
-          <a:noFill/>
-          <a:ln>
-            <a:noFill/>
-          </a:ln>
-        </p:spPr>
-        <p:txBody>
-          <a:bodyPr spcFirstLastPara="1" wrap="square" lIns="92075" tIns="46025" rIns="92075" bIns="46025" anchor="ctr" anchorCtr="0">
-            <a:noAutofit/>
-          </a:bodyPr>
-          <a:lstStyle/>
-          <a:p>
-            <a:pPr marL="0" marR="0" lvl="0" indent="0" algn="ctr" rtl="0">
-              <a:spcBef>
-                <a:spcPts val="0"/>
-              </a:spcBef>
-              <a:spcAft>
-                <a:spcPts val="0"/>
-              </a:spcAft>
-              <a:buNone/>
-            </a:pPr>
-            <a:r>
-              <a:rPr lang="en-US" sz="1200" b="1" i="0" u="none" strike="noStrike" cap="none" dirty="0">
-                <a:solidFill>
-                  <a:srgbClr val="114FFB"/>
-                </a:solidFill>
-                <a:latin typeface="Helvetica Neue"/>
-                <a:ea typeface="Helvetica Neue"/>
-                <a:cs typeface="Helvetica Neue"/>
-                <a:sym typeface="Helvetica Neue"/>
-              </a:rPr>
-              <a:t>UCB CS88 Fa19 L08</a:t>
-            </a:r>
-            <a:endParaRPr dirty="0"/>
-          </a:p>
-        </p:txBody>
-      </p:sp>
-    </p:spTree>
-  </p:cSld>
-  <p:clrMapOvr>
-    <a:masterClrMapping/>
-  </p:clrMapOvr>
-  <p:timing>
-    <p:tnLst>
-      <p:par>
-        <p:cTn id="1" dur="indefinite" restart="never" nodeType="tmRoot">
-          <p:childTnLst>
-            <p:seq concurrent="1" nextAc="seek">
-              <p:cTn id="2" dur="indefinite" nodeType="mainSeq">
-                <p:childTnLst>
-                  <p:par>
-                    <p:cTn id="3" fill="hold">
-                      <p:stCondLst>
-                        <p:cond delay="indefinite"/>
-                      </p:stCondLst>
-                      <p:childTnLst>
-                        <p:par>
-                          <p:cTn id="4" fill="hold">
-                            <p:stCondLst>
-                              <p:cond delay="0"/>
-                            </p:stCondLst>
-                            <p:childTnLst>
-                              <p:par>
-                                <p:cTn id="5" presetID="1" presetClass="entr" presetSubtype="0" fill="hold" nodeType="clickEffect">
-                                  <p:stCondLst>
-                                    <p:cond delay="0"/>
-                                  </p:stCondLst>
-                                  <p:childTnLst>
-                                    <p:set>
-                                      <p:cBhvr>
-                                        <p:cTn id="6" dur="1" fill="hold">
-                                          <p:stCondLst>
-                                            <p:cond delay="0"/>
-                                          </p:stCondLst>
-                                        </p:cTn>
-                                        <p:tgtEl>
-                                          <p:spTgt spid="254"/>
-                                        </p:tgtEl>
-                                        <p:attrNameLst>
-                                          <p:attrName>style.visibility</p:attrName>
-                                        </p:attrNameLst>
-                                      </p:cBhvr>
-                                      <p:to>
-                                        <p:strVal val="visible"/>
-                                      </p:to>
-                                    </p:set>
-                                  </p:childTnLst>
-                                </p:cTn>
-                              </p:par>
-                            </p:childTnLst>
-                          </p:cTn>
-                        </p:par>
-                      </p:childTnLst>
-                    </p:cTn>
-                  </p:par>
-                  <p:par>
-                    <p:cTn id="7" fill="hold">
-                      <p:stCondLst>
-                        <p:cond delay="indefinite"/>
-                      </p:stCondLst>
-                      <p:childTnLst>
-                        <p:par>
-                          <p:cTn id="8" fill="hold">
-                            <p:stCondLst>
-                              <p:cond delay="0"/>
-                            </p:stCondLst>
-                            <p:childTnLst>
-                              <p:par>
-                                <p:cTn id="9" presetID="1" presetClass="entr" presetSubtype="0" fill="hold" nodeType="clickEffect">
-                                  <p:stCondLst>
-                                    <p:cond delay="0"/>
-                                  </p:stCondLst>
-                                  <p:childTnLst>
-                                    <p:set>
-                                      <p:cBhvr>
-                                        <p:cTn id="10" dur="1" fill="hold">
-                                          <p:stCondLst>
-                                            <p:cond delay="0"/>
-                                          </p:stCondLst>
-                                        </p:cTn>
-                                        <p:tgtEl>
-                                          <p:spTgt spid="255"/>
-                                        </p:tgtEl>
-                                        <p:attrNameLst>
-                                          <p:attrName>style.visibility</p:attrName>
-                                        </p:attrNameLst>
-                                      </p:cBhvr>
-                                      <p:to>
-                                        <p:strVal val="visible"/>
-                                      </p:to>
-                                    </p:set>
-                                  </p:childTnLst>
-                                </p:cTn>
-                              </p:par>
-                            </p:childTnLst>
-                          </p:cTn>
-                        </p:par>
-                      </p:childTnLst>
-                    </p:cTn>
-                  </p:par>
-                  <p:par>
-                    <p:cTn id="11" fill="hold">
-                      <p:stCondLst>
-                        <p:cond delay="indefinite"/>
-                      </p:stCondLst>
-                      <p:childTnLst>
-                        <p:par>
-                          <p:cTn id="12" fill="hold">
-                            <p:stCondLst>
-                              <p:cond delay="0"/>
-                            </p:stCondLst>
-                            <p:childTnLst>
-                              <p:par>
-                                <p:cTn id="13" presetID="1" presetClass="entr" presetSubtype="0" fill="hold" nodeType="clickEffect">
-                                  <p:stCondLst>
-                                    <p:cond delay="0"/>
-                                  </p:stCondLst>
-                                  <p:childTnLst>
-                                    <p:set>
-                                      <p:cBhvr>
-                                        <p:cTn id="14" dur="1" fill="hold">
-                                          <p:stCondLst>
-                                            <p:cond delay="0"/>
-                                          </p:stCondLst>
-                                        </p:cTn>
-                                        <p:tgtEl>
-                                          <p:spTgt spid="256"/>
-                                        </p:tgtEl>
-                                        <p:attrNameLst>
-                                          <p:attrName>style.visibility</p:attrName>
-                                        </p:attrNameLst>
-                                      </p:cBhvr>
-                                      <p:to>
-                                        <p:strVal val="visible"/>
-                                      </p:to>
-                                    </p:set>
-                                  </p:childTnLst>
-                                </p:cTn>
-                              </p:par>
-                            </p:childTnLst>
-                          </p:cTn>
-                        </p:par>
-                      </p:childTnLst>
-                    </p:cTn>
-                  </p:par>
-                  <p:par>
-                    <p:cTn id="15" fill="hold">
-                      <p:stCondLst>
-                        <p:cond delay="indefinite"/>
-                      </p:stCondLst>
-                      <p:childTnLst>
-                        <p:par>
-                          <p:cTn id="16" fill="hold">
-                            <p:stCondLst>
-                              <p:cond delay="0"/>
-                            </p:stCondLst>
-                            <p:childTnLst>
-                              <p:par>
-                                <p:cTn id="17" presetID="1" presetClass="entr" presetSubtype="0" fill="hold" nodeType="clickEffect">
-                                  <p:stCondLst>
-                                    <p:cond delay="0"/>
-                                  </p:stCondLst>
-                                  <p:childTnLst>
-                                    <p:set>
-                                      <p:cBhvr>
-                                        <p:cTn id="18" dur="1" fill="hold">
-                                          <p:stCondLst>
-                                            <p:cond delay="0"/>
-                                          </p:stCondLst>
-                                        </p:cTn>
-                                        <p:tgtEl>
-                                          <p:spTgt spid="257"/>
-                                        </p:tgtEl>
-                                        <p:attrNameLst>
-                                          <p:attrName>style.visibility</p:attrName>
-                                        </p:attrNameLst>
-                                      </p:cBhvr>
-                                      <p:to>
-                                        <p:strVal val="visible"/>
-                                      </p:to>
-                                    </p:set>
-                                  </p:childTnLst>
-                                </p:cTn>
-                              </p:par>
-                            </p:childTnLst>
-                          </p:cTn>
-                        </p:par>
-                      </p:childTnLst>
-                    </p:cTn>
-                  </p:par>
-                </p:childTnLst>
-              </p:cTn>
-              <p:prevCondLst>
-                <p:cond evt="onPrev" delay="0">
-                  <p:tgtEl>
-                    <p:sldTgt/>
-                  </p:tgtEl>
-                </p:cond>
-              </p:prevCondLst>
-              <p:nextCondLst>
-                <p:cond evt="onNext" delay="0">
-                  <p:tgtEl>
-                    <p:sldTgt/>
-                  </p:tgtEl>
-                </p:cond>
-              </p:nextCondLst>
-            </p:seq>
-          </p:childTnLst>
-        </p:cTn>
-      </p:par>
-    </p:tnLst>
-  </p:timing>
-</p:sld>
-</file>
-
-<file path=ppt/slides/slide11.xml><?xml version="1.0" encoding="utf-8"?>
-<p:sld xmlns:a="http://schemas.openxmlformats.org/drawingml/2006/main" xmlns:r="http://schemas.openxmlformats.org/officeDocument/2006/relationships" xmlns:p="http://schemas.openxmlformats.org/presentationml/2006/main">
-  <p:cSld>
-    <p:spTree>
-      <p:nvGrpSpPr>
         <p:cNvPr id="1" name="Shape 261"/>
         <p:cNvGrpSpPr/>
         <p:nvPr/>
@@ -21823,12 +19305,12 @@
 </p:sld>
 </file>
 
-<file path=ppt/slides/slide12.xml><?xml version="1.0" encoding="utf-8"?>
+<file path=ppt/slides/slide11.xml><?xml version="1.0" encoding="utf-8"?>
 <p:sld xmlns:a="http://schemas.openxmlformats.org/drawingml/2006/main" xmlns:r="http://schemas.openxmlformats.org/officeDocument/2006/relationships" xmlns:p="http://schemas.openxmlformats.org/presentationml/2006/main">
   <p:cSld>
     <p:spTree>
       <p:nvGrpSpPr>
-        <p:cNvPr id="1" name="Shape 162"/>
+        <p:cNvPr id="1" name=""/>
         <p:cNvGrpSpPr/>
         <p:nvPr/>
       </p:nvGrpSpPr>
@@ -21842,869 +19324,98 @@
       </p:grpSpPr>
       <p:sp>
         <p:nvSpPr>
-          <p:cNvPr id="163" name="Google Shape;163;p19"/>
-          <p:cNvSpPr txBox="1">
+          <p:cNvPr id="2" name="Title 1">
+            <a:extLst>
+              <a:ext uri="{FF2B5EF4-FFF2-40B4-BE49-F238E27FC236}">
+                <a16:creationId xmlns:a16="http://schemas.microsoft.com/office/drawing/2014/main" id="{2DCBE2CD-3D14-BB47-87EB-B47E3825DA1B}"/>
+              </a:ext>
+            </a:extLst>
+          </p:cNvPr>
+          <p:cNvSpPr>
             <a:spLocks noGrp="1"/>
           </p:cNvSpPr>
           <p:nvPr>
             <p:ph type="title"/>
           </p:nvPr>
         </p:nvSpPr>
-        <p:spPr>
-          <a:xfrm>
-            <a:off x="685800" y="228600"/>
-            <a:ext cx="7696200" cy="736600"/>
-          </a:xfrm>
-          <a:prstGeom prst="rect">
-            <a:avLst/>
-          </a:prstGeom>
-          <a:noFill/>
-          <a:ln>
-            <a:noFill/>
-          </a:ln>
-        </p:spPr>
+        <p:spPr/>
         <p:txBody>
-          <a:bodyPr spcFirstLastPara="1" wrap="square" lIns="92075" tIns="46025" rIns="92075" bIns="46025" anchor="ctr" anchorCtr="0">
-            <a:noAutofit/>
-          </a:bodyPr>
+          <a:bodyPr/>
           <a:lstStyle/>
           <a:p>
-            <a:pPr marL="0" marR="0" lvl="0" indent="0" algn="l" rtl="0">
-              <a:lnSpc>
-                <a:spcPct val="90000"/>
-              </a:lnSpc>
-              <a:spcBef>
-                <a:spcPts val="0"/>
-              </a:spcBef>
-              <a:spcAft>
-                <a:spcPts val="0"/>
-              </a:spcAft>
-              <a:buNone/>
-            </a:pPr>
-            <a:r>
-              <a:rPr lang="en-US" sz="3200" b="1" i="0" u="none" strike="noStrike" cap="none" dirty="0">
-                <a:solidFill>
-                  <a:srgbClr val="0332B7"/>
-                </a:solidFill>
-                <a:latin typeface="Arial"/>
-                <a:ea typeface="Arial"/>
-                <a:cs typeface="Arial"/>
-                <a:sym typeface="Arial"/>
-              </a:rPr>
-              <a:t>Are these ‘mutations’ ?</a:t>
-            </a:r>
-            <a:endParaRPr dirty="0"/>
+            <a:r>
+              <a:rPr lang="en-US" dirty="0"/>
+              <a:t>Mutating Input Data</a:t>
+            </a:r>
           </a:p>
         </p:txBody>
       </p:sp>
       <p:sp>
         <p:nvSpPr>
-          <p:cNvPr id="165" name="Google Shape;165;p19"/>
-          <p:cNvSpPr/>
-          <p:nvPr/>
-        </p:nvSpPr>
-        <p:spPr>
-          <a:xfrm>
-            <a:off x="762000" y="1382233"/>
-            <a:ext cx="4572000" cy="3139321"/>
-          </a:xfrm>
-          <a:prstGeom prst="rect">
-            <a:avLst/>
-          </a:prstGeom>
-          <a:noFill/>
-          <a:ln w="9525" cap="flat" cmpd="sng">
-            <a:solidFill>
-              <a:srgbClr val="4F81BD"/>
-            </a:solidFill>
-            <a:prstDash val="solid"/>
-            <a:round/>
-            <a:headEnd type="none" w="sm" len="sm"/>
-            <a:tailEnd type="none" w="sm" len="sm"/>
-          </a:ln>
-        </p:spPr>
-        <p:txBody>
-          <a:bodyPr spcFirstLastPara="1" wrap="square" lIns="91425" tIns="45700" rIns="91425" bIns="45700" anchor="t" anchorCtr="0">
-            <a:noAutofit/>
-          </a:bodyPr>
-          <a:lstStyle/>
-          <a:p>
-            <a:pPr marL="0" marR="0" lvl="0" indent="0" algn="l" rtl="0">
-              <a:spcBef>
-                <a:spcPts val="0"/>
-              </a:spcBef>
-              <a:spcAft>
-                <a:spcPts val="0"/>
-              </a:spcAft>
-              <a:buNone/>
-            </a:pPr>
-            <a:r>
-              <a:rPr lang="en-US" sz="1800" dirty="0">
-                <a:solidFill>
-                  <a:schemeClr val="dk1"/>
-                </a:solidFill>
-                <a:latin typeface="Courier"/>
-                <a:ea typeface="Courier"/>
-                <a:cs typeface="Courier"/>
-                <a:sym typeface="Courier"/>
-              </a:rPr>
-              <a:t>def sum(</a:t>
-            </a:r>
-            <a:r>
-              <a:rPr lang="en-US" sz="1800" dirty="0" err="1">
-                <a:solidFill>
-                  <a:schemeClr val="dk1"/>
-                </a:solidFill>
-                <a:latin typeface="Courier"/>
-                <a:ea typeface="Courier"/>
-                <a:cs typeface="Courier"/>
-                <a:sym typeface="Courier"/>
-              </a:rPr>
-              <a:t>seq</a:t>
-            </a:r>
-            <a:r>
-              <a:rPr lang="en-US" sz="1800" dirty="0">
-                <a:solidFill>
-                  <a:schemeClr val="dk1"/>
-                </a:solidFill>
-                <a:latin typeface="Courier"/>
-                <a:ea typeface="Courier"/>
-                <a:cs typeface="Courier"/>
-                <a:sym typeface="Courier"/>
-              </a:rPr>
-              <a:t>):</a:t>
-            </a:r>
-            <a:endParaRPr dirty="0"/>
-          </a:p>
-          <a:p>
-            <a:pPr marL="0" marR="0" lvl="0" indent="0" algn="l" rtl="0">
-              <a:spcBef>
-                <a:spcPts val="0"/>
-              </a:spcBef>
-              <a:spcAft>
-                <a:spcPts val="0"/>
-              </a:spcAft>
-              <a:buNone/>
-            </a:pPr>
-            <a:r>
-              <a:rPr lang="en-US" sz="1800" dirty="0">
-                <a:solidFill>
-                  <a:schemeClr val="dk1"/>
-                </a:solidFill>
-                <a:latin typeface="Courier"/>
-                <a:ea typeface="Courier"/>
-                <a:cs typeface="Courier"/>
-                <a:sym typeface="Courier"/>
-              </a:rPr>
-              <a:t>    </a:t>
-            </a:r>
-            <a:r>
-              <a:rPr lang="en-US" sz="1800" dirty="0" err="1">
-                <a:solidFill>
-                  <a:schemeClr val="dk1"/>
-                </a:solidFill>
-                <a:latin typeface="Courier"/>
-                <a:ea typeface="Courier"/>
-                <a:cs typeface="Courier"/>
-                <a:sym typeface="Courier"/>
-              </a:rPr>
-              <a:t>psum</a:t>
-            </a:r>
-            <a:r>
-              <a:rPr lang="en-US" sz="1800" dirty="0">
-                <a:solidFill>
-                  <a:schemeClr val="dk1"/>
-                </a:solidFill>
-                <a:latin typeface="Courier"/>
-                <a:ea typeface="Courier"/>
-                <a:cs typeface="Courier"/>
-                <a:sym typeface="Courier"/>
-              </a:rPr>
-              <a:t> = 0</a:t>
-            </a:r>
-            <a:endParaRPr dirty="0"/>
-          </a:p>
-          <a:p>
-            <a:pPr marL="0" marR="0" lvl="0" indent="0" algn="l" rtl="0">
-              <a:spcBef>
-                <a:spcPts val="0"/>
-              </a:spcBef>
-              <a:spcAft>
-                <a:spcPts val="0"/>
-              </a:spcAft>
-              <a:buNone/>
-            </a:pPr>
-            <a:r>
-              <a:rPr lang="en-US" sz="1800" dirty="0">
-                <a:solidFill>
-                  <a:schemeClr val="dk1"/>
-                </a:solidFill>
-                <a:latin typeface="Courier"/>
-                <a:ea typeface="Courier"/>
-                <a:cs typeface="Courier"/>
-                <a:sym typeface="Courier"/>
-              </a:rPr>
-              <a:t>    for x in </a:t>
-            </a:r>
-            <a:r>
-              <a:rPr lang="en-US" sz="1800" dirty="0" err="1">
-                <a:solidFill>
-                  <a:schemeClr val="dk1"/>
-                </a:solidFill>
-                <a:latin typeface="Courier"/>
-                <a:ea typeface="Courier"/>
-                <a:cs typeface="Courier"/>
-                <a:sym typeface="Courier"/>
-              </a:rPr>
-              <a:t>seq</a:t>
-            </a:r>
-            <a:r>
-              <a:rPr lang="en-US" sz="1800" dirty="0">
-                <a:solidFill>
-                  <a:schemeClr val="dk1"/>
-                </a:solidFill>
-                <a:latin typeface="Courier"/>
-                <a:ea typeface="Courier"/>
-                <a:cs typeface="Courier"/>
-                <a:sym typeface="Courier"/>
-              </a:rPr>
-              <a:t>:</a:t>
-            </a:r>
-            <a:endParaRPr dirty="0"/>
-          </a:p>
-          <a:p>
-            <a:pPr marL="0" marR="0" lvl="0" indent="0" algn="l" rtl="0">
-              <a:spcBef>
-                <a:spcPts val="0"/>
-              </a:spcBef>
-              <a:spcAft>
-                <a:spcPts val="0"/>
-              </a:spcAft>
-              <a:buNone/>
-            </a:pPr>
-            <a:r>
-              <a:rPr lang="en-US" sz="1800" dirty="0">
-                <a:solidFill>
-                  <a:schemeClr val="dk1"/>
-                </a:solidFill>
-                <a:latin typeface="Courier"/>
-                <a:ea typeface="Courier"/>
-                <a:cs typeface="Courier"/>
-                <a:sym typeface="Courier"/>
-              </a:rPr>
-              <a:t>        </a:t>
-            </a:r>
-            <a:r>
-              <a:rPr lang="en-US" sz="1800" dirty="0" err="1">
-                <a:solidFill>
-                  <a:schemeClr val="dk1"/>
-                </a:solidFill>
-                <a:latin typeface="Courier"/>
-                <a:ea typeface="Courier"/>
-                <a:cs typeface="Courier"/>
-                <a:sym typeface="Courier"/>
-              </a:rPr>
-              <a:t>psum</a:t>
-            </a:r>
-            <a:r>
-              <a:rPr lang="en-US" sz="1800" dirty="0">
-                <a:solidFill>
-                  <a:schemeClr val="dk1"/>
-                </a:solidFill>
-                <a:latin typeface="Courier"/>
-                <a:ea typeface="Courier"/>
-                <a:cs typeface="Courier"/>
-                <a:sym typeface="Courier"/>
-              </a:rPr>
-              <a:t> = </a:t>
-            </a:r>
-            <a:r>
-              <a:rPr lang="en-US" sz="1800" dirty="0" err="1">
-                <a:solidFill>
-                  <a:schemeClr val="dk1"/>
-                </a:solidFill>
-                <a:latin typeface="Courier"/>
-                <a:ea typeface="Courier"/>
-                <a:cs typeface="Courier"/>
-                <a:sym typeface="Courier"/>
-              </a:rPr>
-              <a:t>psum</a:t>
-            </a:r>
-            <a:r>
-              <a:rPr lang="en-US" sz="1800" dirty="0">
-                <a:solidFill>
-                  <a:schemeClr val="dk1"/>
-                </a:solidFill>
-                <a:latin typeface="Courier"/>
-                <a:ea typeface="Courier"/>
-                <a:cs typeface="Courier"/>
-                <a:sym typeface="Courier"/>
-              </a:rPr>
-              <a:t> + x</a:t>
-            </a:r>
-            <a:endParaRPr dirty="0"/>
-          </a:p>
-          <a:p>
-            <a:pPr marL="0" marR="0" lvl="0" indent="0" algn="l" rtl="0">
-              <a:spcBef>
-                <a:spcPts val="0"/>
-              </a:spcBef>
-              <a:spcAft>
-                <a:spcPts val="0"/>
-              </a:spcAft>
-              <a:buNone/>
-            </a:pPr>
-            <a:r>
-              <a:rPr lang="en-US" sz="1800" dirty="0">
-                <a:solidFill>
-                  <a:schemeClr val="dk1"/>
-                </a:solidFill>
-                <a:latin typeface="Courier"/>
-                <a:ea typeface="Courier"/>
-                <a:cs typeface="Courier"/>
-                <a:sym typeface="Courier"/>
-              </a:rPr>
-              <a:t>    return </a:t>
-            </a:r>
-            <a:r>
-              <a:rPr lang="en-US" sz="1800" dirty="0" err="1">
-                <a:solidFill>
-                  <a:schemeClr val="dk1"/>
-                </a:solidFill>
-                <a:latin typeface="Courier"/>
-                <a:ea typeface="Courier"/>
-                <a:cs typeface="Courier"/>
-                <a:sym typeface="Courier"/>
-              </a:rPr>
-              <a:t>psum</a:t>
-            </a:r>
-            <a:endParaRPr sz="1800" dirty="0">
-              <a:solidFill>
-                <a:schemeClr val="dk1"/>
-              </a:solidFill>
-              <a:latin typeface="Courier"/>
-              <a:ea typeface="Courier"/>
-              <a:cs typeface="Courier"/>
-              <a:sym typeface="Courier"/>
-            </a:endParaRPr>
-          </a:p>
-          <a:p>
-            <a:pPr marL="0" marR="0" lvl="0" indent="0" algn="l" rtl="0">
-              <a:spcBef>
-                <a:spcPts val="0"/>
-              </a:spcBef>
-              <a:spcAft>
-                <a:spcPts val="0"/>
-              </a:spcAft>
-              <a:buNone/>
-            </a:pPr>
-            <a:endParaRPr sz="1800" dirty="0">
-              <a:solidFill>
-                <a:schemeClr val="dk1"/>
-              </a:solidFill>
-              <a:latin typeface="Courier"/>
-              <a:ea typeface="Courier"/>
-              <a:cs typeface="Courier"/>
-              <a:sym typeface="Courier"/>
-            </a:endParaRPr>
-          </a:p>
-          <a:p>
-            <a:pPr marL="0" marR="0" lvl="0" indent="0" algn="l" rtl="0">
-              <a:spcBef>
-                <a:spcPts val="0"/>
-              </a:spcBef>
-              <a:spcAft>
-                <a:spcPts val="0"/>
-              </a:spcAft>
-              <a:buNone/>
-            </a:pPr>
-            <a:r>
-              <a:rPr lang="en-US" sz="1800" dirty="0">
-                <a:solidFill>
-                  <a:schemeClr val="dk1"/>
-                </a:solidFill>
-                <a:latin typeface="Courier"/>
-                <a:ea typeface="Courier"/>
-                <a:cs typeface="Courier"/>
-                <a:sym typeface="Courier"/>
-              </a:rPr>
-              <a:t>def reverse(</a:t>
-            </a:r>
-            <a:r>
-              <a:rPr lang="en-US" sz="1800" dirty="0" err="1">
-                <a:solidFill>
-                  <a:schemeClr val="dk1"/>
-                </a:solidFill>
-                <a:latin typeface="Courier"/>
-                <a:ea typeface="Courier"/>
-                <a:cs typeface="Courier"/>
-                <a:sym typeface="Courier"/>
-              </a:rPr>
-              <a:t>seq</a:t>
-            </a:r>
-            <a:r>
-              <a:rPr lang="en-US" sz="1800" dirty="0">
-                <a:solidFill>
-                  <a:schemeClr val="dk1"/>
-                </a:solidFill>
-                <a:latin typeface="Courier"/>
-                <a:ea typeface="Courier"/>
-                <a:cs typeface="Courier"/>
-                <a:sym typeface="Courier"/>
-              </a:rPr>
-              <a:t>):</a:t>
-            </a:r>
-            <a:endParaRPr dirty="0"/>
-          </a:p>
-          <a:p>
-            <a:pPr marL="0" marR="0" lvl="0" indent="0" algn="l" rtl="0">
-              <a:spcBef>
-                <a:spcPts val="0"/>
-              </a:spcBef>
-              <a:spcAft>
-                <a:spcPts val="0"/>
-              </a:spcAft>
-              <a:buNone/>
-            </a:pPr>
-            <a:r>
-              <a:rPr lang="en-US" sz="1800" dirty="0">
-                <a:solidFill>
-                  <a:schemeClr val="dk1"/>
-                </a:solidFill>
-                <a:latin typeface="Courier"/>
-                <a:ea typeface="Courier"/>
-                <a:cs typeface="Courier"/>
-                <a:sym typeface="Courier"/>
-              </a:rPr>
-              <a:t>    rev = []</a:t>
-            </a:r>
-            <a:endParaRPr dirty="0"/>
-          </a:p>
-          <a:p>
-            <a:pPr marL="0" marR="0" lvl="0" indent="0" algn="l" rtl="0">
-              <a:spcBef>
-                <a:spcPts val="0"/>
-              </a:spcBef>
-              <a:spcAft>
-                <a:spcPts val="0"/>
-              </a:spcAft>
-              <a:buNone/>
-            </a:pPr>
-            <a:r>
-              <a:rPr lang="en-US" sz="1800" dirty="0">
-                <a:solidFill>
-                  <a:schemeClr val="dk1"/>
-                </a:solidFill>
-                <a:latin typeface="Courier"/>
-                <a:ea typeface="Courier"/>
-                <a:cs typeface="Courier"/>
-                <a:sym typeface="Courier"/>
-              </a:rPr>
-              <a:t>    for x in </a:t>
-            </a:r>
-            <a:r>
-              <a:rPr lang="en-US" sz="1800" dirty="0" err="1">
-                <a:solidFill>
-                  <a:schemeClr val="dk1"/>
-                </a:solidFill>
-                <a:latin typeface="Courier"/>
-                <a:ea typeface="Courier"/>
-                <a:cs typeface="Courier"/>
-                <a:sym typeface="Courier"/>
-              </a:rPr>
-              <a:t>seq</a:t>
-            </a:r>
-            <a:r>
-              <a:rPr lang="en-US" sz="1800" dirty="0">
-                <a:solidFill>
-                  <a:schemeClr val="dk1"/>
-                </a:solidFill>
-                <a:latin typeface="Courier"/>
-                <a:ea typeface="Courier"/>
-                <a:cs typeface="Courier"/>
-                <a:sym typeface="Courier"/>
-              </a:rPr>
-              <a:t>:</a:t>
-            </a:r>
-            <a:endParaRPr dirty="0"/>
-          </a:p>
-          <a:p>
-            <a:pPr marL="0" marR="0" lvl="0" indent="0" algn="l" rtl="0">
-              <a:spcBef>
-                <a:spcPts val="0"/>
-              </a:spcBef>
-              <a:spcAft>
-                <a:spcPts val="0"/>
-              </a:spcAft>
-              <a:buNone/>
-            </a:pPr>
-            <a:r>
-              <a:rPr lang="en-US" sz="1800" dirty="0">
-                <a:solidFill>
-                  <a:schemeClr val="dk1"/>
-                </a:solidFill>
-                <a:latin typeface="Courier"/>
-                <a:ea typeface="Courier"/>
-                <a:cs typeface="Courier"/>
-                <a:sym typeface="Courier"/>
-              </a:rPr>
-              <a:t>        rev = [x] + rev</a:t>
-            </a:r>
-            <a:endParaRPr dirty="0"/>
-          </a:p>
-          <a:p>
-            <a:pPr marL="0" marR="0" lvl="0" indent="0" algn="l" rtl="0">
-              <a:spcBef>
-                <a:spcPts val="0"/>
-              </a:spcBef>
-              <a:spcAft>
-                <a:spcPts val="0"/>
-              </a:spcAft>
-              <a:buNone/>
-            </a:pPr>
-            <a:r>
-              <a:rPr lang="en-US" sz="1800" dirty="0">
-                <a:solidFill>
-                  <a:schemeClr val="dk1"/>
-                </a:solidFill>
-                <a:latin typeface="Courier"/>
-                <a:ea typeface="Courier"/>
-                <a:cs typeface="Courier"/>
-                <a:sym typeface="Courier"/>
-              </a:rPr>
-              <a:t>    return rev</a:t>
-            </a:r>
-            <a:endParaRPr dirty="0"/>
-          </a:p>
-        </p:txBody>
-      </p:sp>
-      <p:pic>
-        <p:nvPicPr>
-          <p:cNvPr id="5" name="Picture 4">
+          <p:cNvPr id="3" name="Text Placeholder 2">
             <a:extLst>
               <a:ext uri="{FF2B5EF4-FFF2-40B4-BE49-F238E27FC236}">
-                <a16:creationId xmlns:a16="http://schemas.microsoft.com/office/drawing/2014/main" id="{1865E654-2C19-DC48-AB41-B7A23E40FC9F}"/>
+                <a16:creationId xmlns:a16="http://schemas.microsoft.com/office/drawing/2014/main" id="{DC9570C2-BB9C-4D44-B257-FA57201957E9}"/>
               </a:ext>
             </a:extLst>
           </p:cNvPr>
-          <p:cNvPicPr>
-            <a:picLocks noChangeAspect="1"/>
-          </p:cNvPicPr>
-          <p:nvPr/>
-        </p:nvPicPr>
-        <p:blipFill>
-          <a:blip r:embed="rId3"/>
-          <a:stretch>
-            <a:fillRect/>
-          </a:stretch>
-        </p:blipFill>
-        <p:spPr>
-          <a:xfrm>
-            <a:off x="5736856" y="1382233"/>
-            <a:ext cx="2794000" cy="2463800"/>
-          </a:xfrm>
-          <a:prstGeom prst="rect">
-            <a:avLst/>
-          </a:prstGeom>
-        </p:spPr>
-      </p:pic>
-      <p:sp>
-        <p:nvSpPr>
-          <p:cNvPr id="6" name="Google Shape;127;p16">
-            <a:extLst>
-              <a:ext uri="{FF2B5EF4-FFF2-40B4-BE49-F238E27FC236}">
-                <a16:creationId xmlns:a16="http://schemas.microsoft.com/office/drawing/2014/main" id="{C9638B14-F5CC-8F4C-897E-9848723FF142}"/>
-              </a:ext>
-            </a:extLst>
-          </p:cNvPr>
-          <p:cNvSpPr txBox="1">
+          <p:cNvSpPr>
             <a:spLocks noGrp="1"/>
           </p:cNvSpPr>
           <p:nvPr>
             <p:ph type="body" idx="1"/>
           </p:nvPr>
         </p:nvSpPr>
-        <p:spPr>
-          <a:xfrm>
-            <a:off x="6046381" y="4263066"/>
-            <a:ext cx="2725479" cy="1472019"/>
-          </a:xfrm>
-          <a:prstGeom prst="rect">
-            <a:avLst/>
-          </a:prstGeom>
-          <a:noFill/>
-          <a:ln>
-            <a:noFill/>
-          </a:ln>
-        </p:spPr>
+        <p:spPr/>
         <p:txBody>
-          <a:bodyPr spcFirstLastPara="1" wrap="square" lIns="92075" tIns="46025" rIns="92075" bIns="46025" anchor="t" anchorCtr="0">
-            <a:noAutofit/>
-          </a:bodyPr>
+          <a:bodyPr/>
           <a:lstStyle/>
           <a:p>
-            <a:pPr marL="0" marR="0" lvl="0" indent="0" algn="l" rtl="0">
-              <a:lnSpc>
-                <a:spcPct val="90000"/>
-              </a:lnSpc>
-              <a:spcBef>
-                <a:spcPts val="0"/>
-              </a:spcBef>
-              <a:spcAft>
-                <a:spcPts val="0"/>
-              </a:spcAft>
-              <a:buClr>
-                <a:schemeClr val="dk1"/>
-              </a:buClr>
-              <a:buSzPts val="2400"/>
-              <a:buNone/>
-            </a:pPr>
             <a:r>
               <a:rPr lang="en-US" dirty="0"/>
-              <a:t>A) Yes, both</a:t>
-            </a:r>
-            <a:br>
+              <a:t>Functions can mutate objects passed in as an argument</a:t>
+            </a:r>
+          </a:p>
+          <a:p>
+            <a:r>
               <a:rPr lang="en-US" dirty="0"/>
-            </a:br>
+              <a:t>Declaring a new variable with the same name as an argument only exists within the scope of our function</a:t>
+            </a:r>
+          </a:p>
+          <a:p>
             <a:r>
               <a:rPr lang="en-US" dirty="0"/>
-              <a:t>B) Only sum</a:t>
-            </a:r>
-            <a:br>
-              <a:rPr lang="en-US" dirty="0"/>
-            </a:br>
-            <a:r>
-              <a:rPr lang="en-US" dirty="0"/>
-              <a:t>C) Only reverse</a:t>
-            </a:r>
-            <a:br>
-              <a:rPr lang="en-US" dirty="0"/>
-            </a:br>
-            <a:r>
-              <a:rPr lang="en-US" dirty="0"/>
-              <a:t>D) None of them</a:t>
-            </a:r>
-          </a:p>
-          <a:p>
-            <a:pPr marL="285750" marR="0" lvl="0" indent="-285750" algn="l" rtl="0">
-              <a:lnSpc>
-                <a:spcPct val="90000"/>
-              </a:lnSpc>
-              <a:spcBef>
-                <a:spcPts val="0"/>
-              </a:spcBef>
-              <a:spcAft>
-                <a:spcPts val="0"/>
-              </a:spcAft>
-              <a:buClr>
-                <a:schemeClr val="dk1"/>
-              </a:buClr>
-              <a:buSzPts val="2400"/>
-              <a:buFont typeface="Arial"/>
-              <a:buChar char="•"/>
-            </a:pPr>
-            <a:endParaRPr dirty="0"/>
-          </a:p>
-        </p:txBody>
-      </p:sp>
-      <p:sp>
-        <p:nvSpPr>
-          <p:cNvPr id="7" name="TextBox 6">
-            <a:extLst>
-              <a:ext uri="{FF2B5EF4-FFF2-40B4-BE49-F238E27FC236}">
-                <a16:creationId xmlns:a16="http://schemas.microsoft.com/office/drawing/2014/main" id="{493A28A7-5740-5E4C-B19A-DE9B5AAA2358}"/>
-              </a:ext>
-            </a:extLst>
-          </p:cNvPr>
-          <p:cNvSpPr txBox="1"/>
-          <p:nvPr/>
-        </p:nvSpPr>
-        <p:spPr>
-          <a:xfrm>
-            <a:off x="646223" y="5462180"/>
-            <a:ext cx="7884633" cy="830997"/>
-          </a:xfrm>
-          <a:prstGeom prst="rect">
-            <a:avLst/>
-          </a:prstGeom>
-          <a:noFill/>
-        </p:spPr>
-        <p:txBody>
-          <a:bodyPr wrap="square" rtlCol="0">
-            <a:spAutoFit/>
-          </a:bodyPr>
-          <a:lstStyle/>
-          <a:p>
-            <a:r>
-              <a:rPr lang="en-US" sz="2400" b="1" dirty="0"/>
-              <a:t>Solution:</a:t>
-            </a:r>
-            <a:br>
-              <a:rPr lang="en-US" sz="2400" b="1" dirty="0"/>
-            </a:br>
-            <a:r>
-              <a:rPr lang="en-US" sz="2400" dirty="0"/>
-              <a:t>D) No change of </a:t>
-            </a:r>
-            <a:r>
-              <a:rPr lang="en-US" sz="2400" dirty="0" err="1"/>
-              <a:t>seq</a:t>
+              <a:t>BUT, we can still modify the object passed in, even though it was created in some other frame or environment.</a:t>
+            </a:r>
+          </a:p>
+          <a:p>
+            <a:r>
+              <a:rPr lang="en-US" dirty="0">
+                <a:hlinkClick r:id="rId2"/>
+              </a:rPr>
+              <a:t>Python Tutor</a:t>
             </a:r>
             <a:endParaRPr lang="en-US" dirty="0"/>
           </a:p>
-        </p:txBody>
-      </p:sp>
-      <p:sp>
-        <p:nvSpPr>
-          <p:cNvPr id="8" name="Google Shape;107;p14">
-            <a:extLst>
-              <a:ext uri="{FF2B5EF4-FFF2-40B4-BE49-F238E27FC236}">
-                <a16:creationId xmlns:a16="http://schemas.microsoft.com/office/drawing/2014/main" id="{8E20B781-79D7-6C41-AB3D-C6CE87378ED5}"/>
-              </a:ext>
-            </a:extLst>
-          </p:cNvPr>
-          <p:cNvSpPr txBox="1">
-            <a:spLocks noGrp="1"/>
-          </p:cNvSpPr>
-          <p:nvPr>
-            <p:ph type="ftr" idx="11"/>
-          </p:nvPr>
-        </p:nvSpPr>
-        <p:spPr>
-          <a:xfrm>
-            <a:off x="3048000" y="6553200"/>
-            <a:ext cx="2895600" cy="304800"/>
-          </a:xfrm>
-          <a:prstGeom prst="rect">
-            <a:avLst/>
-          </a:prstGeom>
-          <a:noFill/>
-          <a:ln>
-            <a:noFill/>
-          </a:ln>
-        </p:spPr>
-        <p:txBody>
-          <a:bodyPr spcFirstLastPara="1" wrap="square" lIns="92075" tIns="46025" rIns="92075" bIns="46025" anchor="ctr" anchorCtr="0">
-            <a:noAutofit/>
-          </a:bodyPr>
-          <a:lstStyle/>
-          <a:p>
-            <a:pPr marL="0" marR="0" lvl="0" indent="0" algn="ctr" rtl="0">
-              <a:spcBef>
-                <a:spcPts val="0"/>
-              </a:spcBef>
-              <a:spcAft>
-                <a:spcPts val="0"/>
-              </a:spcAft>
-              <a:buNone/>
-            </a:pPr>
-            <a:r>
-              <a:rPr lang="en-US" sz="1200" b="1" i="0" u="none" strike="noStrike" cap="none" dirty="0">
-                <a:solidFill>
-                  <a:srgbClr val="114FFB"/>
-                </a:solidFill>
-                <a:latin typeface="Helvetica Neue"/>
-                <a:ea typeface="Helvetica Neue"/>
-                <a:cs typeface="Helvetica Neue"/>
-                <a:sym typeface="Helvetica Neue"/>
-              </a:rPr>
-              <a:t>UCB CS88 Fa19 L08</a:t>
-            </a:r>
-            <a:endParaRPr dirty="0"/>
+          <a:p>
+            <a:endParaRPr lang="en-US" dirty="0"/>
           </a:p>
         </p:txBody>
       </p:sp>
     </p:spTree>
     <p:extLst>
       <p:ext uri="{BB962C8B-B14F-4D97-AF65-F5344CB8AC3E}">
-        <p14:creationId xmlns:p14="http://schemas.microsoft.com/office/powerpoint/2010/main" val="3295369382"/>
+        <p14:creationId xmlns:p14="http://schemas.microsoft.com/office/powerpoint/2010/main" val="1748324790"/>
       </p:ext>
     </p:extLst>
   </p:cSld>
   <p:clrMapOvr>
     <a:masterClrMapping/>
   </p:clrMapOvr>
-  <p:timing>
-    <p:tnLst>
-      <p:par>
-        <p:cTn id="1" dur="indefinite" restart="never" nodeType="tmRoot">
-          <p:childTnLst>
-            <p:seq concurrent="1" nextAc="seek">
-              <p:cTn id="2" dur="indefinite" nodeType="mainSeq">
-                <p:childTnLst>
-                  <p:par>
-                    <p:cTn id="3" fill="hold">
-                      <p:stCondLst>
-                        <p:cond delay="indefinite"/>
-                      </p:stCondLst>
-                      <p:childTnLst>
-                        <p:par>
-                          <p:cTn id="4" fill="hold">
-                            <p:stCondLst>
-                              <p:cond delay="0"/>
-                            </p:stCondLst>
-                            <p:childTnLst>
-                              <p:par>
-                                <p:cTn id="5" presetID="1" presetClass="entr" presetSubtype="0" fill="hold" grpId="0" nodeType="clickEffect">
-                                  <p:stCondLst>
-                                    <p:cond delay="0"/>
-                                  </p:stCondLst>
-                                  <p:childTnLst>
-                                    <p:set>
-                                      <p:cBhvr>
-                                        <p:cTn id="6" dur="1" fill="hold">
-                                          <p:stCondLst>
-                                            <p:cond delay="0"/>
-                                          </p:stCondLst>
-                                        </p:cTn>
-                                        <p:tgtEl>
-                                          <p:spTgt spid="7"/>
-                                        </p:tgtEl>
-                                        <p:attrNameLst>
-                                          <p:attrName>style.visibility</p:attrName>
-                                        </p:attrNameLst>
-                                      </p:cBhvr>
-                                      <p:to>
-                                        <p:strVal val="visible"/>
-                                      </p:to>
-                                    </p:set>
-                                  </p:childTnLst>
-                                </p:cTn>
-                              </p:par>
-                            </p:childTnLst>
-                          </p:cTn>
-                        </p:par>
-                      </p:childTnLst>
-                    </p:cTn>
-                  </p:par>
-                </p:childTnLst>
-              </p:cTn>
-              <p:prevCondLst>
-                <p:cond evt="onPrev" delay="0">
-                  <p:tgtEl>
-                    <p:sldTgt/>
-                  </p:tgtEl>
-                </p:cond>
-              </p:prevCondLst>
-              <p:nextCondLst>
-                <p:cond evt="onNext" delay="0">
-                  <p:tgtEl>
-                    <p:sldTgt/>
-                  </p:tgtEl>
-                </p:cond>
-              </p:nextCondLst>
-            </p:seq>
-          </p:childTnLst>
-        </p:cTn>
-      </p:par>
-    </p:tnLst>
-    <p:bldLst>
-      <p:bldP spid="7" grpId="0"/>
-    </p:bldLst>
-  </p:timing>
 </p:sld>
 </file>
 
-<file path=ppt/slides/slide13.xml><?xml version="1.0" encoding="utf-8"?>
+<file path=ppt/slides/slide12.xml><?xml version="1.0" encoding="utf-8"?>
 <p:sld xmlns:a="http://schemas.openxmlformats.org/drawingml/2006/main" xmlns:r="http://schemas.openxmlformats.org/officeDocument/2006/relationships" xmlns:p="http://schemas.openxmlformats.org/presentationml/2006/main">
   <p:cSld>
     <p:spTree>
@@ -22825,7 +19536,7 @@
               <a:buChar char="•"/>
             </a:pPr>
             <a:r>
-              <a:rPr lang="en-US" sz="2400" b="1" i="0" u="none" strike="noStrike" cap="none">
+              <a:rPr lang="en-US" sz="2400" b="1" i="0" u="none" strike="noStrike" cap="none" dirty="0">
                 <a:solidFill>
                   <a:schemeClr val="dk1"/>
                 </a:solidFill>
@@ -22837,7 +19548,7 @@
               <a:t>Pure functions have </a:t>
             </a:r>
             <a:r>
-              <a:rPr lang="en-US" sz="2400" b="1" i="1" u="none" strike="noStrike" cap="none">
+              <a:rPr lang="en-US" sz="2400" b="1" i="1" u="none" strike="noStrike" cap="none" dirty="0">
                 <a:solidFill>
                   <a:schemeClr val="dk1"/>
                 </a:solidFill>
@@ -22848,7 +19559,27 @@
               </a:rPr>
               <a:t>referential transparency</a:t>
             </a:r>
-            <a:endParaRPr/>
+          </a:p>
+          <a:p>
+            <a:pPr marL="742950" lvl="1" indent="-285750">
+              <a:spcBef>
+                <a:spcPts val="0"/>
+              </a:spcBef>
+              <a:buSzPts val="2400"/>
+              <a:buFont typeface="Arial"/>
+              <a:buChar char="•"/>
+            </a:pPr>
+            <a:r>
+              <a:rPr lang="en-US" dirty="0">
+                <a:latin typeface="Source Code Pro" panose="020B0509030403020204" pitchFamily="49" charset="77"/>
+              </a:rPr>
+              <a:t>c = greet() + name() </a:t>
+            </a:r>
+            <a:r>
+              <a:rPr lang="en-US" dirty="0"/>
+              <a:t>is “referentially transparent” if we can replace that expression with the value, maybe that’s “Hello, CS 88”</a:t>
+            </a:r>
+            <a:endParaRPr dirty="0"/>
           </a:p>
           <a:p>
             <a:pPr marL="285750" marR="0" lvl="0" indent="-285750" algn="l" rtl="0">
@@ -22869,7 +19600,7 @@
               <a:buChar char="•"/>
             </a:pPr>
             <a:r>
-              <a:rPr lang="en-US" sz="2400" b="1" i="0" u="none" strike="noStrike" cap="none">
+              <a:rPr lang="en-US" sz="2400" b="1" i="0" u="none" strike="noStrike" cap="none" dirty="0">
                 <a:solidFill>
                   <a:schemeClr val="dk1"/>
                 </a:solidFill>
@@ -22880,7 +19611,7 @@
               </a:rPr>
               <a:t>Result value depends only on the inputs</a:t>
             </a:r>
-            <a:endParaRPr/>
+            <a:endParaRPr dirty="0"/>
           </a:p>
           <a:p>
             <a:pPr marL="685800" marR="0" lvl="1" indent="-228600" algn="l" rtl="0">
@@ -22901,7 +19632,7 @@
               <a:buChar char="–"/>
             </a:pPr>
             <a:r>
-              <a:rPr lang="en-US" sz="1800" b="1" i="0" u="none" strike="noStrike" cap="none">
+              <a:rPr lang="en-US" sz="1800" b="1" i="0" u="none" strike="noStrike" cap="none" dirty="0">
                 <a:solidFill>
                   <a:schemeClr val="dk1"/>
                 </a:solidFill>
@@ -22912,7 +19643,7 @@
               </a:rPr>
               <a:t>Same inputs, same result value</a:t>
             </a:r>
-            <a:endParaRPr/>
+            <a:endParaRPr dirty="0"/>
           </a:p>
           <a:p>
             <a:pPr marL="285750" marR="0" lvl="0" indent="-285750" algn="l" rtl="0">
@@ -22933,7 +19664,7 @@
               <a:buChar char="•"/>
             </a:pPr>
             <a:r>
-              <a:rPr lang="en-US" sz="2400" b="1" i="0" u="none" strike="noStrike" cap="none">
+              <a:rPr lang="en-US" sz="2400" b="1" i="0" u="none" strike="noStrike" cap="none" dirty="0">
                 <a:solidFill>
                   <a:schemeClr val="dk1"/>
                 </a:solidFill>
@@ -22944,7 +19675,7 @@
               </a:rPr>
               <a:t>Functions that use global variables are not pure</a:t>
             </a:r>
-            <a:endParaRPr/>
+            <a:endParaRPr dirty="0"/>
           </a:p>
           <a:p>
             <a:pPr marL="285750" marR="0" lvl="0" indent="-285750" algn="l" rtl="0">
@@ -22965,39 +19696,7 @@
               <a:buChar char="•"/>
             </a:pPr>
             <a:r>
-              <a:rPr lang="en-US" sz="2400" b="1" i="0" u="none" strike="noStrike" cap="none">
-                <a:solidFill>
-                  <a:schemeClr val="dk1"/>
-                </a:solidFill>
-                <a:latin typeface="Arial"/>
-                <a:ea typeface="Arial"/>
-                <a:cs typeface="Arial"/>
-                <a:sym typeface="Arial"/>
-              </a:rPr>
-              <a:t>Higher order function returns embody state</a:t>
-            </a:r>
-            <a:endParaRPr/>
-          </a:p>
-          <a:p>
-            <a:pPr marL="285750" marR="0" lvl="0" indent="-285750" algn="l" rtl="0">
-              <a:lnSpc>
-                <a:spcPct val="90000"/>
-              </a:lnSpc>
-              <a:spcBef>
-                <a:spcPts val="720"/>
-              </a:spcBef>
-              <a:spcAft>
-                <a:spcPts val="0"/>
-              </a:spcAft>
-              <a:buClr>
-                <a:schemeClr val="dk1"/>
-              </a:buClr>
-              <a:buSzPts val="2400"/>
-              <a:buFont typeface="Arial"/>
-              <a:buChar char="•"/>
-            </a:pPr>
-            <a:r>
-              <a:rPr lang="en-US" sz="2400" b="1" i="0" u="none" strike="noStrike" cap="none">
+              <a:rPr lang="en-US" sz="2400" b="1" i="0" u="none" strike="noStrike" cap="none" dirty="0">
                 <a:solidFill>
                   <a:schemeClr val="dk1"/>
                 </a:solidFill>
@@ -23008,7 +19707,7 @@
               </a:rPr>
               <a:t>They can be “mutating”</a:t>
             </a:r>
-            <a:endParaRPr/>
+            <a:endParaRPr dirty="0"/>
           </a:p>
         </p:txBody>
       </p:sp>
@@ -23020,7 +19719,7 @@
         </p:nvSpPr>
         <p:spPr>
           <a:xfrm>
-            <a:off x="304800" y="3657600"/>
+            <a:off x="4876800" y="3521838"/>
             <a:ext cx="3429000" cy="2862323"/>
           </a:xfrm>
           <a:prstGeom prst="rect">
@@ -23053,7 +19752,7 @@
               <a:buNone/>
             </a:pPr>
             <a:r>
-              <a:rPr lang="en-US" sz="1800">
+              <a:rPr lang="en-US" sz="1800" dirty="0">
                 <a:solidFill>
                   <a:schemeClr val="dk1"/>
                 </a:solidFill>
@@ -23064,7 +19763,7 @@
               </a:rPr>
               <a:t>&gt;&gt;&gt; counter = -1</a:t>
             </a:r>
-            <a:endParaRPr/>
+            <a:endParaRPr dirty="0"/>
           </a:p>
           <a:p>
             <a:pPr marL="0" marR="0" lvl="0" indent="0" algn="l" rtl="0">
@@ -23077,7 +19776,7 @@
               <a:buNone/>
             </a:pPr>
             <a:r>
-              <a:rPr lang="en-US" sz="1800">
+              <a:rPr lang="en-US" sz="1800" dirty="0">
                 <a:solidFill>
                   <a:schemeClr val="dk1"/>
                 </a:solidFill>
@@ -23086,22 +19785,10 @@
                 <a:cs typeface="Courier"/>
                 <a:sym typeface="Courier"/>
               </a:rPr>
-              <a:t>&gt;&gt;&gt; def count_fun():</a:t>
-            </a:r>
-            <a:endParaRPr/>
-          </a:p>
-          <a:p>
-            <a:pPr marL="0" marR="0" lvl="0" indent="0" algn="l" rtl="0">
-              <a:spcBef>
-                <a:spcPts val="0"/>
-              </a:spcBef>
-              <a:spcAft>
-                <a:spcPts val="0"/>
-              </a:spcAft>
-              <a:buNone/>
-            </a:pPr>
-            <a:r>
-              <a:rPr lang="en-US" sz="1800">
+              <a:t>&gt;&gt;&gt; def </a:t>
+            </a:r>
+            <a:r>
+              <a:rPr lang="en-US" sz="1800" dirty="0" err="1">
                 <a:solidFill>
                   <a:schemeClr val="dk1"/>
                 </a:solidFill>
@@ -23110,22 +19797,10 @@
                 <a:cs typeface="Courier"/>
                 <a:sym typeface="Courier"/>
               </a:rPr>
-              <a:t>...     global counter</a:t>
-            </a:r>
-            <a:endParaRPr/>
-          </a:p>
-          <a:p>
-            <a:pPr marL="0" marR="0" lvl="0" indent="0" algn="l" rtl="0">
-              <a:spcBef>
-                <a:spcPts val="0"/>
-              </a:spcBef>
-              <a:spcAft>
-                <a:spcPts val="0"/>
-              </a:spcAft>
-              <a:buNone/>
-            </a:pPr>
-            <a:r>
-              <a:rPr lang="en-US" sz="1800">
+              <a:t>count_fun</a:t>
+            </a:r>
+            <a:r>
+              <a:rPr lang="en-US" sz="1800" dirty="0">
                 <a:solidFill>
                   <a:schemeClr val="dk1"/>
                 </a:solidFill>
@@ -23134,9 +19809,9 @@
                 <a:cs typeface="Courier"/>
                 <a:sym typeface="Courier"/>
               </a:rPr>
-              <a:t>...     counter += 1</a:t>
-            </a:r>
-            <a:endParaRPr/>
+              <a:t>():</a:t>
+            </a:r>
+            <a:endParaRPr dirty="0"/>
           </a:p>
           <a:p>
             <a:pPr marL="0" marR="0" lvl="0" indent="0" algn="l" rtl="0">
@@ -23149,7 +19824,7 @@
               <a:buNone/>
             </a:pPr>
             <a:r>
-              <a:rPr lang="en-US" sz="1800">
+              <a:rPr lang="en-US" sz="1800" dirty="0">
                 <a:solidFill>
                   <a:schemeClr val="dk1"/>
                 </a:solidFill>
@@ -23158,9 +19833,9 @@
                 <a:cs typeface="Courier"/>
                 <a:sym typeface="Courier"/>
               </a:rPr>
-              <a:t>...     return counter</a:t>
-            </a:r>
-            <a:endParaRPr/>
+              <a:t>...     global counter</a:t>
+            </a:r>
+            <a:endParaRPr dirty="0"/>
           </a:p>
           <a:p>
             <a:pPr marL="0" marR="0" lvl="0" indent="0" algn="l" rtl="0">
@@ -23173,7 +19848,7 @@
               <a:buNone/>
             </a:pPr>
             <a:r>
-              <a:rPr lang="en-US" sz="1800">
+              <a:rPr lang="en-US" sz="1800" dirty="0">
                 <a:solidFill>
                   <a:schemeClr val="dk1"/>
                 </a:solidFill>
@@ -23182,9 +19857,9 @@
                 <a:cs typeface="Courier"/>
                 <a:sym typeface="Courier"/>
               </a:rPr>
-              <a:t>... </a:t>
-            </a:r>
-            <a:endParaRPr/>
+              <a:t>...     counter += 1</a:t>
+            </a:r>
+            <a:endParaRPr dirty="0"/>
           </a:p>
           <a:p>
             <a:pPr marL="0" marR="0" lvl="0" indent="0" algn="l" rtl="0">
@@ -23197,7 +19872,7 @@
               <a:buNone/>
             </a:pPr>
             <a:r>
-              <a:rPr lang="en-US" sz="1800">
+              <a:rPr lang="en-US" sz="1800" dirty="0">
                 <a:solidFill>
                   <a:schemeClr val="dk1"/>
                 </a:solidFill>
@@ -23206,9 +19881,9 @@
                 <a:cs typeface="Courier"/>
                 <a:sym typeface="Courier"/>
               </a:rPr>
-              <a:t>&gt;&gt;&gt; count_fun()</a:t>
-            </a:r>
-            <a:endParaRPr/>
+              <a:t>...     return counter</a:t>
+            </a:r>
+            <a:endParaRPr dirty="0"/>
           </a:p>
           <a:p>
             <a:pPr marL="0" marR="0" lvl="0" indent="0" algn="l" rtl="0">
@@ -23221,7 +19896,7 @@
               <a:buNone/>
             </a:pPr>
             <a:r>
-              <a:rPr lang="en-US" sz="1800">
+              <a:rPr lang="en-US" sz="1800" dirty="0">
                 <a:solidFill>
                   <a:schemeClr val="dk1"/>
                 </a:solidFill>
@@ -23230,9 +19905,9 @@
                 <a:cs typeface="Courier"/>
                 <a:sym typeface="Courier"/>
               </a:rPr>
-              <a:t>0</a:t>
-            </a:r>
-            <a:endParaRPr/>
+              <a:t>... </a:t>
+            </a:r>
+            <a:endParaRPr dirty="0"/>
           </a:p>
           <a:p>
             <a:pPr marL="0" marR="0" lvl="0" indent="0" algn="l" rtl="0">
@@ -23245,7 +19920,7 @@
               <a:buNone/>
             </a:pPr>
             <a:r>
-              <a:rPr lang="en-US" sz="1800">
+              <a:rPr lang="en-US" sz="1800" dirty="0">
                 <a:solidFill>
                   <a:schemeClr val="dk1"/>
                 </a:solidFill>
@@ -23254,22 +19929,10 @@
                 <a:cs typeface="Courier"/>
                 <a:sym typeface="Courier"/>
               </a:rPr>
-              <a:t>&gt;&gt;&gt; count_fun()</a:t>
-            </a:r>
-            <a:endParaRPr/>
-          </a:p>
-          <a:p>
-            <a:pPr marL="0" marR="0" lvl="0" indent="0" algn="l" rtl="0">
-              <a:spcBef>
-                <a:spcPts val="0"/>
-              </a:spcBef>
-              <a:spcAft>
-                <a:spcPts val="0"/>
-              </a:spcAft>
-              <a:buNone/>
-            </a:pPr>
-            <a:r>
-              <a:rPr lang="en-US" sz="1800">
+              <a:t>&gt;&gt;&gt; </a:t>
+            </a:r>
+            <a:r>
+              <a:rPr lang="en-US" sz="1800" dirty="0" err="1">
                 <a:solidFill>
                   <a:schemeClr val="dk1"/>
                 </a:solidFill>
@@ -23278,9 +19941,117 @@
                 <a:cs typeface="Courier"/>
                 <a:sym typeface="Courier"/>
               </a:rPr>
+              <a:t>count_fun</a:t>
+            </a:r>
+            <a:r>
+              <a:rPr lang="en-US" sz="1800" dirty="0">
+                <a:solidFill>
+                  <a:schemeClr val="dk1"/>
+                </a:solidFill>
+                <a:latin typeface="Courier"/>
+                <a:ea typeface="Courier"/>
+                <a:cs typeface="Courier"/>
+                <a:sym typeface="Courier"/>
+              </a:rPr>
+              <a:t>()</a:t>
+            </a:r>
+            <a:endParaRPr dirty="0"/>
+          </a:p>
+          <a:p>
+            <a:pPr marL="0" marR="0" lvl="0" indent="0" algn="l" rtl="0">
+              <a:spcBef>
+                <a:spcPts val="0"/>
+              </a:spcBef>
+              <a:spcAft>
+                <a:spcPts val="0"/>
+              </a:spcAft>
+              <a:buNone/>
+            </a:pPr>
+            <a:r>
+              <a:rPr lang="en-US" sz="1800" dirty="0">
+                <a:solidFill>
+                  <a:schemeClr val="dk1"/>
+                </a:solidFill>
+                <a:latin typeface="Courier"/>
+                <a:ea typeface="Courier"/>
+                <a:cs typeface="Courier"/>
+                <a:sym typeface="Courier"/>
+              </a:rPr>
+              <a:t>0</a:t>
+            </a:r>
+            <a:endParaRPr dirty="0"/>
+          </a:p>
+          <a:p>
+            <a:pPr marL="0" marR="0" lvl="0" indent="0" algn="l" rtl="0">
+              <a:spcBef>
+                <a:spcPts val="0"/>
+              </a:spcBef>
+              <a:spcAft>
+                <a:spcPts val="0"/>
+              </a:spcAft>
+              <a:buNone/>
+            </a:pPr>
+            <a:r>
+              <a:rPr lang="en-US" sz="1800" dirty="0">
+                <a:solidFill>
+                  <a:schemeClr val="dk1"/>
+                </a:solidFill>
+                <a:latin typeface="Courier"/>
+                <a:ea typeface="Courier"/>
+                <a:cs typeface="Courier"/>
+                <a:sym typeface="Courier"/>
+              </a:rPr>
+              <a:t>&gt;&gt;&gt; </a:t>
+            </a:r>
+            <a:r>
+              <a:rPr lang="en-US" sz="1800" dirty="0" err="1">
+                <a:solidFill>
+                  <a:schemeClr val="dk1"/>
+                </a:solidFill>
+                <a:latin typeface="Courier"/>
+                <a:ea typeface="Courier"/>
+                <a:cs typeface="Courier"/>
+                <a:sym typeface="Courier"/>
+              </a:rPr>
+              <a:t>count_fun</a:t>
+            </a:r>
+            <a:r>
+              <a:rPr lang="en-US" sz="1800" dirty="0">
+                <a:solidFill>
+                  <a:schemeClr val="dk1"/>
+                </a:solidFill>
+                <a:latin typeface="Courier"/>
+                <a:ea typeface="Courier"/>
+                <a:cs typeface="Courier"/>
+                <a:sym typeface="Courier"/>
+              </a:rPr>
+              <a:t>()</a:t>
+            </a:r>
+            <a:endParaRPr dirty="0"/>
+          </a:p>
+          <a:p>
+            <a:pPr marL="0" marR="0" lvl="0" indent="0" algn="l" rtl="0">
+              <a:spcBef>
+                <a:spcPts val="0"/>
+              </a:spcBef>
+              <a:spcAft>
+                <a:spcPts val="0"/>
+              </a:spcAft>
+              <a:buNone/>
+            </a:pPr>
+            <a:r>
+              <a:rPr lang="en-US" sz="1800" dirty="0">
+                <a:solidFill>
+                  <a:schemeClr val="dk1"/>
+                </a:solidFill>
+                <a:latin typeface="Courier"/>
+                <a:ea typeface="Courier"/>
+                <a:cs typeface="Courier"/>
+                <a:sym typeface="Courier"/>
+              </a:rPr>
               <a:t>1</a:t>
             </a:r>
-            <a:endParaRPr/>
+            <a:endParaRPr dirty="0"/>
           </a:p>
         </p:txBody>
       </p:sp>
@@ -23721,7 +20492,7 @@
 </p:sld>
 </file>
 
-<file path=ppt/slides/slide14.xml><?xml version="1.0" encoding="utf-8"?>
+<file path=ppt/slides/slide13.xml><?xml version="1.0" encoding="utf-8"?>
 <p:sld xmlns:a="http://schemas.openxmlformats.org/drawingml/2006/main" xmlns:r="http://schemas.openxmlformats.org/officeDocument/2006/relationships" xmlns:p="http://schemas.openxmlformats.org/presentationml/2006/main">
   <p:cSld>
     <p:spTree>
@@ -24646,6 +21417,887 @@
   <p:clrMapOvr>
     <a:masterClrMapping/>
   </p:clrMapOvr>
+</p:sld>
+</file>
+
+<file path=ppt/slides/slide14.xml><?xml version="1.0" encoding="utf-8"?>
+<p:sld xmlns:a="http://schemas.openxmlformats.org/drawingml/2006/main" xmlns:r="http://schemas.openxmlformats.org/officeDocument/2006/relationships" xmlns:p="http://schemas.openxmlformats.org/presentationml/2006/main">
+  <p:cSld>
+    <p:spTree>
+      <p:nvGrpSpPr>
+        <p:cNvPr id="1" name="Shape 162"/>
+        <p:cNvGrpSpPr/>
+        <p:nvPr/>
+      </p:nvGrpSpPr>
+      <p:grpSpPr>
+        <a:xfrm>
+          <a:off x="0" y="0"/>
+          <a:ext cx="0" cy="0"/>
+          <a:chOff x="0" y="0"/>
+          <a:chExt cx="0" cy="0"/>
+        </a:xfrm>
+      </p:grpSpPr>
+      <p:sp>
+        <p:nvSpPr>
+          <p:cNvPr id="163" name="Google Shape;163;p19"/>
+          <p:cNvSpPr txBox="1">
+            <a:spLocks noGrp="1"/>
+          </p:cNvSpPr>
+          <p:nvPr>
+            <p:ph type="title"/>
+          </p:nvPr>
+        </p:nvSpPr>
+        <p:spPr>
+          <a:xfrm>
+            <a:off x="685800" y="228600"/>
+            <a:ext cx="7696200" cy="736600"/>
+          </a:xfrm>
+          <a:prstGeom prst="rect">
+            <a:avLst/>
+          </a:prstGeom>
+          <a:noFill/>
+          <a:ln>
+            <a:noFill/>
+          </a:ln>
+        </p:spPr>
+        <p:txBody>
+          <a:bodyPr spcFirstLastPara="1" wrap="square" lIns="92075" tIns="46025" rIns="92075" bIns="46025" anchor="ctr" anchorCtr="0">
+            <a:noAutofit/>
+          </a:bodyPr>
+          <a:lstStyle/>
+          <a:p>
+            <a:pPr marL="0" marR="0" lvl="0" indent="0" algn="l" rtl="0">
+              <a:lnSpc>
+                <a:spcPct val="90000"/>
+              </a:lnSpc>
+              <a:spcBef>
+                <a:spcPts val="0"/>
+              </a:spcBef>
+              <a:spcAft>
+                <a:spcPts val="0"/>
+              </a:spcAft>
+              <a:buNone/>
+            </a:pPr>
+            <a:r>
+              <a:rPr lang="en-US" sz="3200" b="1" i="0" u="none" strike="noStrike" cap="none" dirty="0">
+                <a:solidFill>
+                  <a:srgbClr val="0332B7"/>
+                </a:solidFill>
+                <a:latin typeface="Arial"/>
+                <a:ea typeface="Arial"/>
+                <a:cs typeface="Arial"/>
+                <a:sym typeface="Arial"/>
+              </a:rPr>
+              <a:t>Are these ‘mutations’ ?</a:t>
+            </a:r>
+            <a:endParaRPr dirty="0"/>
+          </a:p>
+        </p:txBody>
+      </p:sp>
+      <p:sp>
+        <p:nvSpPr>
+          <p:cNvPr id="165" name="Google Shape;165;p19"/>
+          <p:cNvSpPr/>
+          <p:nvPr/>
+        </p:nvSpPr>
+        <p:spPr>
+          <a:xfrm>
+            <a:off x="762000" y="1382233"/>
+            <a:ext cx="4572000" cy="3139321"/>
+          </a:xfrm>
+          <a:prstGeom prst="rect">
+            <a:avLst/>
+          </a:prstGeom>
+          <a:noFill/>
+          <a:ln w="9525" cap="flat" cmpd="sng">
+            <a:solidFill>
+              <a:srgbClr val="4F81BD"/>
+            </a:solidFill>
+            <a:prstDash val="solid"/>
+            <a:round/>
+            <a:headEnd type="none" w="sm" len="sm"/>
+            <a:tailEnd type="none" w="sm" len="sm"/>
+          </a:ln>
+        </p:spPr>
+        <p:txBody>
+          <a:bodyPr spcFirstLastPara="1" wrap="square" lIns="91425" tIns="45700" rIns="91425" bIns="45700" anchor="t" anchorCtr="0">
+            <a:noAutofit/>
+          </a:bodyPr>
+          <a:lstStyle/>
+          <a:p>
+            <a:pPr marL="0" marR="0" lvl="0" indent="0" algn="l" rtl="0">
+              <a:spcBef>
+                <a:spcPts val="0"/>
+              </a:spcBef>
+              <a:spcAft>
+                <a:spcPts val="0"/>
+              </a:spcAft>
+              <a:buNone/>
+            </a:pPr>
+            <a:r>
+              <a:rPr lang="en-US" sz="1800" dirty="0">
+                <a:solidFill>
+                  <a:schemeClr val="dk1"/>
+                </a:solidFill>
+                <a:latin typeface="Courier"/>
+                <a:ea typeface="Courier"/>
+                <a:cs typeface="Courier"/>
+                <a:sym typeface="Courier"/>
+              </a:rPr>
+              <a:t>def sum(</a:t>
+            </a:r>
+            <a:r>
+              <a:rPr lang="en-US" sz="1800" dirty="0" err="1">
+                <a:solidFill>
+                  <a:schemeClr val="dk1"/>
+                </a:solidFill>
+                <a:latin typeface="Courier"/>
+                <a:ea typeface="Courier"/>
+                <a:cs typeface="Courier"/>
+                <a:sym typeface="Courier"/>
+              </a:rPr>
+              <a:t>seq</a:t>
+            </a:r>
+            <a:r>
+              <a:rPr lang="en-US" sz="1800" dirty="0">
+                <a:solidFill>
+                  <a:schemeClr val="dk1"/>
+                </a:solidFill>
+                <a:latin typeface="Courier"/>
+                <a:ea typeface="Courier"/>
+                <a:cs typeface="Courier"/>
+                <a:sym typeface="Courier"/>
+              </a:rPr>
+              <a:t>):</a:t>
+            </a:r>
+            <a:endParaRPr dirty="0"/>
+          </a:p>
+          <a:p>
+            <a:pPr marL="0" marR="0" lvl="0" indent="0" algn="l" rtl="0">
+              <a:spcBef>
+                <a:spcPts val="0"/>
+              </a:spcBef>
+              <a:spcAft>
+                <a:spcPts val="0"/>
+              </a:spcAft>
+              <a:buNone/>
+            </a:pPr>
+            <a:r>
+              <a:rPr lang="en-US" sz="1800" dirty="0">
+                <a:solidFill>
+                  <a:schemeClr val="dk1"/>
+                </a:solidFill>
+                <a:latin typeface="Courier"/>
+                <a:ea typeface="Courier"/>
+                <a:cs typeface="Courier"/>
+                <a:sym typeface="Courier"/>
+              </a:rPr>
+              <a:t>    </a:t>
+            </a:r>
+            <a:r>
+              <a:rPr lang="en-US" sz="1800" dirty="0" err="1">
+                <a:solidFill>
+                  <a:schemeClr val="dk1"/>
+                </a:solidFill>
+                <a:latin typeface="Courier"/>
+                <a:ea typeface="Courier"/>
+                <a:cs typeface="Courier"/>
+                <a:sym typeface="Courier"/>
+              </a:rPr>
+              <a:t>psum</a:t>
+            </a:r>
+            <a:r>
+              <a:rPr lang="en-US" sz="1800" dirty="0">
+                <a:solidFill>
+                  <a:schemeClr val="dk1"/>
+                </a:solidFill>
+                <a:latin typeface="Courier"/>
+                <a:ea typeface="Courier"/>
+                <a:cs typeface="Courier"/>
+                <a:sym typeface="Courier"/>
+              </a:rPr>
+              <a:t> = 0</a:t>
+            </a:r>
+            <a:endParaRPr dirty="0"/>
+          </a:p>
+          <a:p>
+            <a:pPr marL="0" marR="0" lvl="0" indent="0" algn="l" rtl="0">
+              <a:spcBef>
+                <a:spcPts val="0"/>
+              </a:spcBef>
+              <a:spcAft>
+                <a:spcPts val="0"/>
+              </a:spcAft>
+              <a:buNone/>
+            </a:pPr>
+            <a:r>
+              <a:rPr lang="en-US" sz="1800" dirty="0">
+                <a:solidFill>
+                  <a:schemeClr val="dk1"/>
+                </a:solidFill>
+                <a:latin typeface="Courier"/>
+                <a:ea typeface="Courier"/>
+                <a:cs typeface="Courier"/>
+                <a:sym typeface="Courier"/>
+              </a:rPr>
+              <a:t>    for x in </a:t>
+            </a:r>
+            <a:r>
+              <a:rPr lang="en-US" sz="1800" dirty="0" err="1">
+                <a:solidFill>
+                  <a:schemeClr val="dk1"/>
+                </a:solidFill>
+                <a:latin typeface="Courier"/>
+                <a:ea typeface="Courier"/>
+                <a:cs typeface="Courier"/>
+                <a:sym typeface="Courier"/>
+              </a:rPr>
+              <a:t>seq</a:t>
+            </a:r>
+            <a:r>
+              <a:rPr lang="en-US" sz="1800" dirty="0">
+                <a:solidFill>
+                  <a:schemeClr val="dk1"/>
+                </a:solidFill>
+                <a:latin typeface="Courier"/>
+                <a:ea typeface="Courier"/>
+                <a:cs typeface="Courier"/>
+                <a:sym typeface="Courier"/>
+              </a:rPr>
+              <a:t>:</a:t>
+            </a:r>
+            <a:endParaRPr dirty="0"/>
+          </a:p>
+          <a:p>
+            <a:pPr marL="0" marR="0" lvl="0" indent="0" algn="l" rtl="0">
+              <a:spcBef>
+                <a:spcPts val="0"/>
+              </a:spcBef>
+              <a:spcAft>
+                <a:spcPts val="0"/>
+              </a:spcAft>
+              <a:buNone/>
+            </a:pPr>
+            <a:r>
+              <a:rPr lang="en-US" sz="1800" dirty="0">
+                <a:solidFill>
+                  <a:schemeClr val="dk1"/>
+                </a:solidFill>
+                <a:latin typeface="Courier"/>
+                <a:ea typeface="Courier"/>
+                <a:cs typeface="Courier"/>
+                <a:sym typeface="Courier"/>
+              </a:rPr>
+              <a:t>        </a:t>
+            </a:r>
+            <a:r>
+              <a:rPr lang="en-US" sz="1800" dirty="0" err="1">
+                <a:solidFill>
+                  <a:schemeClr val="dk1"/>
+                </a:solidFill>
+                <a:latin typeface="Courier"/>
+                <a:ea typeface="Courier"/>
+                <a:cs typeface="Courier"/>
+                <a:sym typeface="Courier"/>
+              </a:rPr>
+              <a:t>psum</a:t>
+            </a:r>
+            <a:r>
+              <a:rPr lang="en-US" sz="1800" dirty="0">
+                <a:solidFill>
+                  <a:schemeClr val="dk1"/>
+                </a:solidFill>
+                <a:latin typeface="Courier"/>
+                <a:ea typeface="Courier"/>
+                <a:cs typeface="Courier"/>
+                <a:sym typeface="Courier"/>
+              </a:rPr>
+              <a:t> = </a:t>
+            </a:r>
+            <a:r>
+              <a:rPr lang="en-US" sz="1800" dirty="0" err="1">
+                <a:solidFill>
+                  <a:schemeClr val="dk1"/>
+                </a:solidFill>
+                <a:latin typeface="Courier"/>
+                <a:ea typeface="Courier"/>
+                <a:cs typeface="Courier"/>
+                <a:sym typeface="Courier"/>
+              </a:rPr>
+              <a:t>psum</a:t>
+            </a:r>
+            <a:r>
+              <a:rPr lang="en-US" sz="1800" dirty="0">
+                <a:solidFill>
+                  <a:schemeClr val="dk1"/>
+                </a:solidFill>
+                <a:latin typeface="Courier"/>
+                <a:ea typeface="Courier"/>
+                <a:cs typeface="Courier"/>
+                <a:sym typeface="Courier"/>
+              </a:rPr>
+              <a:t> + x</a:t>
+            </a:r>
+            <a:endParaRPr dirty="0"/>
+          </a:p>
+          <a:p>
+            <a:pPr marL="0" marR="0" lvl="0" indent="0" algn="l" rtl="0">
+              <a:spcBef>
+                <a:spcPts val="0"/>
+              </a:spcBef>
+              <a:spcAft>
+                <a:spcPts val="0"/>
+              </a:spcAft>
+              <a:buNone/>
+            </a:pPr>
+            <a:r>
+              <a:rPr lang="en-US" sz="1800" dirty="0">
+                <a:solidFill>
+                  <a:schemeClr val="dk1"/>
+                </a:solidFill>
+                <a:latin typeface="Courier"/>
+                <a:ea typeface="Courier"/>
+                <a:cs typeface="Courier"/>
+                <a:sym typeface="Courier"/>
+              </a:rPr>
+              <a:t>    return </a:t>
+            </a:r>
+            <a:r>
+              <a:rPr lang="en-US" sz="1800" dirty="0" err="1">
+                <a:solidFill>
+                  <a:schemeClr val="dk1"/>
+                </a:solidFill>
+                <a:latin typeface="Courier"/>
+                <a:ea typeface="Courier"/>
+                <a:cs typeface="Courier"/>
+                <a:sym typeface="Courier"/>
+              </a:rPr>
+              <a:t>psum</a:t>
+            </a:r>
+            <a:endParaRPr sz="1800" dirty="0">
+              <a:solidFill>
+                <a:schemeClr val="dk1"/>
+              </a:solidFill>
+              <a:latin typeface="Courier"/>
+              <a:ea typeface="Courier"/>
+              <a:cs typeface="Courier"/>
+              <a:sym typeface="Courier"/>
+            </a:endParaRPr>
+          </a:p>
+          <a:p>
+            <a:pPr marL="0" marR="0" lvl="0" indent="0" algn="l" rtl="0">
+              <a:spcBef>
+                <a:spcPts val="0"/>
+              </a:spcBef>
+              <a:spcAft>
+                <a:spcPts val="0"/>
+              </a:spcAft>
+              <a:buNone/>
+            </a:pPr>
+            <a:endParaRPr sz="1800" dirty="0">
+              <a:solidFill>
+                <a:schemeClr val="dk1"/>
+              </a:solidFill>
+              <a:latin typeface="Courier"/>
+              <a:ea typeface="Courier"/>
+              <a:cs typeface="Courier"/>
+              <a:sym typeface="Courier"/>
+            </a:endParaRPr>
+          </a:p>
+          <a:p>
+            <a:pPr marL="0" marR="0" lvl="0" indent="0" algn="l" rtl="0">
+              <a:spcBef>
+                <a:spcPts val="0"/>
+              </a:spcBef>
+              <a:spcAft>
+                <a:spcPts val="0"/>
+              </a:spcAft>
+              <a:buNone/>
+            </a:pPr>
+            <a:r>
+              <a:rPr lang="en-US" sz="1800" dirty="0">
+                <a:solidFill>
+                  <a:schemeClr val="dk1"/>
+                </a:solidFill>
+                <a:latin typeface="Courier"/>
+                <a:ea typeface="Courier"/>
+                <a:cs typeface="Courier"/>
+                <a:sym typeface="Courier"/>
+              </a:rPr>
+              <a:t>def reverse(</a:t>
+            </a:r>
+            <a:r>
+              <a:rPr lang="en-US" sz="1800" dirty="0" err="1">
+                <a:solidFill>
+                  <a:schemeClr val="dk1"/>
+                </a:solidFill>
+                <a:latin typeface="Courier"/>
+                <a:ea typeface="Courier"/>
+                <a:cs typeface="Courier"/>
+                <a:sym typeface="Courier"/>
+              </a:rPr>
+              <a:t>seq</a:t>
+            </a:r>
+            <a:r>
+              <a:rPr lang="en-US" sz="1800" dirty="0">
+                <a:solidFill>
+                  <a:schemeClr val="dk1"/>
+                </a:solidFill>
+                <a:latin typeface="Courier"/>
+                <a:ea typeface="Courier"/>
+                <a:cs typeface="Courier"/>
+                <a:sym typeface="Courier"/>
+              </a:rPr>
+              <a:t>):</a:t>
+            </a:r>
+            <a:endParaRPr dirty="0"/>
+          </a:p>
+          <a:p>
+            <a:pPr marL="0" marR="0" lvl="0" indent="0" algn="l" rtl="0">
+              <a:spcBef>
+                <a:spcPts val="0"/>
+              </a:spcBef>
+              <a:spcAft>
+                <a:spcPts val="0"/>
+              </a:spcAft>
+              <a:buNone/>
+            </a:pPr>
+            <a:r>
+              <a:rPr lang="en-US" sz="1800" dirty="0">
+                <a:solidFill>
+                  <a:schemeClr val="dk1"/>
+                </a:solidFill>
+                <a:latin typeface="Courier"/>
+                <a:ea typeface="Courier"/>
+                <a:cs typeface="Courier"/>
+                <a:sym typeface="Courier"/>
+              </a:rPr>
+              <a:t>    rev = []</a:t>
+            </a:r>
+            <a:endParaRPr dirty="0"/>
+          </a:p>
+          <a:p>
+            <a:pPr marL="0" marR="0" lvl="0" indent="0" algn="l" rtl="0">
+              <a:spcBef>
+                <a:spcPts val="0"/>
+              </a:spcBef>
+              <a:spcAft>
+                <a:spcPts val="0"/>
+              </a:spcAft>
+              <a:buNone/>
+            </a:pPr>
+            <a:r>
+              <a:rPr lang="en-US" sz="1800" dirty="0">
+                <a:solidFill>
+                  <a:schemeClr val="dk1"/>
+                </a:solidFill>
+                <a:latin typeface="Courier"/>
+                <a:ea typeface="Courier"/>
+                <a:cs typeface="Courier"/>
+                <a:sym typeface="Courier"/>
+              </a:rPr>
+              <a:t>    for x in </a:t>
+            </a:r>
+            <a:r>
+              <a:rPr lang="en-US" sz="1800" dirty="0" err="1">
+                <a:solidFill>
+                  <a:schemeClr val="dk1"/>
+                </a:solidFill>
+                <a:latin typeface="Courier"/>
+                <a:ea typeface="Courier"/>
+                <a:cs typeface="Courier"/>
+                <a:sym typeface="Courier"/>
+              </a:rPr>
+              <a:t>seq</a:t>
+            </a:r>
+            <a:r>
+              <a:rPr lang="en-US" sz="1800" dirty="0">
+                <a:solidFill>
+                  <a:schemeClr val="dk1"/>
+                </a:solidFill>
+                <a:latin typeface="Courier"/>
+                <a:ea typeface="Courier"/>
+                <a:cs typeface="Courier"/>
+                <a:sym typeface="Courier"/>
+              </a:rPr>
+              <a:t>:</a:t>
+            </a:r>
+            <a:endParaRPr dirty="0"/>
+          </a:p>
+          <a:p>
+            <a:pPr marL="0" marR="0" lvl="0" indent="0" algn="l" rtl="0">
+              <a:spcBef>
+                <a:spcPts val="0"/>
+              </a:spcBef>
+              <a:spcAft>
+                <a:spcPts val="0"/>
+              </a:spcAft>
+              <a:buNone/>
+            </a:pPr>
+            <a:r>
+              <a:rPr lang="en-US" sz="1800" dirty="0">
+                <a:solidFill>
+                  <a:schemeClr val="dk1"/>
+                </a:solidFill>
+                <a:latin typeface="Courier"/>
+                <a:ea typeface="Courier"/>
+                <a:cs typeface="Courier"/>
+                <a:sym typeface="Courier"/>
+              </a:rPr>
+              <a:t>        rev = [x] + rev</a:t>
+            </a:r>
+            <a:endParaRPr dirty="0"/>
+          </a:p>
+          <a:p>
+            <a:pPr marL="0" marR="0" lvl="0" indent="0" algn="l" rtl="0">
+              <a:spcBef>
+                <a:spcPts val="0"/>
+              </a:spcBef>
+              <a:spcAft>
+                <a:spcPts val="0"/>
+              </a:spcAft>
+              <a:buNone/>
+            </a:pPr>
+            <a:r>
+              <a:rPr lang="en-US" sz="1800" dirty="0">
+                <a:solidFill>
+                  <a:schemeClr val="dk1"/>
+                </a:solidFill>
+                <a:latin typeface="Courier"/>
+                <a:ea typeface="Courier"/>
+                <a:cs typeface="Courier"/>
+                <a:sym typeface="Courier"/>
+              </a:rPr>
+              <a:t>    return rev</a:t>
+            </a:r>
+            <a:endParaRPr dirty="0"/>
+          </a:p>
+        </p:txBody>
+      </p:sp>
+      <p:pic>
+        <p:nvPicPr>
+          <p:cNvPr id="5" name="Picture 4">
+            <a:extLst>
+              <a:ext uri="{FF2B5EF4-FFF2-40B4-BE49-F238E27FC236}">
+                <a16:creationId xmlns:a16="http://schemas.microsoft.com/office/drawing/2014/main" id="{1865E654-2C19-DC48-AB41-B7A23E40FC9F}"/>
+              </a:ext>
+            </a:extLst>
+          </p:cNvPr>
+          <p:cNvPicPr>
+            <a:picLocks noChangeAspect="1"/>
+          </p:cNvPicPr>
+          <p:nvPr/>
+        </p:nvPicPr>
+        <p:blipFill>
+          <a:blip r:embed="rId3"/>
+          <a:stretch>
+            <a:fillRect/>
+          </a:stretch>
+        </p:blipFill>
+        <p:spPr>
+          <a:xfrm>
+            <a:off x="5736856" y="1382233"/>
+            <a:ext cx="2794000" cy="2463800"/>
+          </a:xfrm>
+          <a:prstGeom prst="rect">
+            <a:avLst/>
+          </a:prstGeom>
+        </p:spPr>
+      </p:pic>
+      <p:sp>
+        <p:nvSpPr>
+          <p:cNvPr id="6" name="Google Shape;127;p16">
+            <a:extLst>
+              <a:ext uri="{FF2B5EF4-FFF2-40B4-BE49-F238E27FC236}">
+                <a16:creationId xmlns:a16="http://schemas.microsoft.com/office/drawing/2014/main" id="{C9638B14-F5CC-8F4C-897E-9848723FF142}"/>
+              </a:ext>
+            </a:extLst>
+          </p:cNvPr>
+          <p:cNvSpPr txBox="1">
+            <a:spLocks noGrp="1"/>
+          </p:cNvSpPr>
+          <p:nvPr>
+            <p:ph type="body" idx="1"/>
+          </p:nvPr>
+        </p:nvSpPr>
+        <p:spPr>
+          <a:xfrm>
+            <a:off x="6046381" y="4263066"/>
+            <a:ext cx="2725479" cy="1472019"/>
+          </a:xfrm>
+          <a:prstGeom prst="rect">
+            <a:avLst/>
+          </a:prstGeom>
+          <a:noFill/>
+          <a:ln>
+            <a:noFill/>
+          </a:ln>
+        </p:spPr>
+        <p:txBody>
+          <a:bodyPr spcFirstLastPara="1" wrap="square" lIns="92075" tIns="46025" rIns="92075" bIns="46025" anchor="t" anchorCtr="0">
+            <a:noAutofit/>
+          </a:bodyPr>
+          <a:lstStyle/>
+          <a:p>
+            <a:pPr marL="0" marR="0" lvl="0" indent="0" algn="l" rtl="0">
+              <a:lnSpc>
+                <a:spcPct val="90000"/>
+              </a:lnSpc>
+              <a:spcBef>
+                <a:spcPts val="0"/>
+              </a:spcBef>
+              <a:spcAft>
+                <a:spcPts val="0"/>
+              </a:spcAft>
+              <a:buClr>
+                <a:schemeClr val="dk1"/>
+              </a:buClr>
+              <a:buSzPts val="2400"/>
+              <a:buNone/>
+            </a:pPr>
+            <a:r>
+              <a:rPr lang="en-US" dirty="0"/>
+              <a:t>A) Yes, both</a:t>
+            </a:r>
+            <a:br>
+              <a:rPr lang="en-US" dirty="0"/>
+            </a:br>
+            <a:r>
+              <a:rPr lang="en-US" dirty="0"/>
+              <a:t>B) Only sum</a:t>
+            </a:r>
+            <a:br>
+              <a:rPr lang="en-US" dirty="0"/>
+            </a:br>
+            <a:r>
+              <a:rPr lang="en-US" dirty="0"/>
+              <a:t>C) Only reverse</a:t>
+            </a:r>
+            <a:br>
+              <a:rPr lang="en-US" dirty="0"/>
+            </a:br>
+            <a:r>
+              <a:rPr lang="en-US" dirty="0"/>
+              <a:t>D) None of them</a:t>
+            </a:r>
+          </a:p>
+          <a:p>
+            <a:pPr marL="285750" marR="0" lvl="0" indent="-285750" algn="l" rtl="0">
+              <a:lnSpc>
+                <a:spcPct val="90000"/>
+              </a:lnSpc>
+              <a:spcBef>
+                <a:spcPts val="0"/>
+              </a:spcBef>
+              <a:spcAft>
+                <a:spcPts val="0"/>
+              </a:spcAft>
+              <a:buClr>
+                <a:schemeClr val="dk1"/>
+              </a:buClr>
+              <a:buSzPts val="2400"/>
+              <a:buFont typeface="Arial"/>
+              <a:buChar char="•"/>
+            </a:pPr>
+            <a:endParaRPr dirty="0"/>
+          </a:p>
+        </p:txBody>
+      </p:sp>
+      <p:sp>
+        <p:nvSpPr>
+          <p:cNvPr id="7" name="TextBox 6">
+            <a:extLst>
+              <a:ext uri="{FF2B5EF4-FFF2-40B4-BE49-F238E27FC236}">
+                <a16:creationId xmlns:a16="http://schemas.microsoft.com/office/drawing/2014/main" id="{493A28A7-5740-5E4C-B19A-DE9B5AAA2358}"/>
+              </a:ext>
+            </a:extLst>
+          </p:cNvPr>
+          <p:cNvSpPr txBox="1"/>
+          <p:nvPr/>
+        </p:nvSpPr>
+        <p:spPr>
+          <a:xfrm>
+            <a:off x="646223" y="5462180"/>
+            <a:ext cx="7884633" cy="830997"/>
+          </a:xfrm>
+          <a:prstGeom prst="rect">
+            <a:avLst/>
+          </a:prstGeom>
+          <a:noFill/>
+        </p:spPr>
+        <p:txBody>
+          <a:bodyPr wrap="square" rtlCol="0">
+            <a:spAutoFit/>
+          </a:bodyPr>
+          <a:lstStyle/>
+          <a:p>
+            <a:r>
+              <a:rPr lang="en-US" sz="2400" b="1" dirty="0"/>
+              <a:t>Solution:</a:t>
+            </a:r>
+            <a:br>
+              <a:rPr lang="en-US" sz="2400" b="1" dirty="0"/>
+            </a:br>
+            <a:r>
+              <a:rPr lang="en-US" sz="2400" dirty="0"/>
+              <a:t>D) No change of </a:t>
+            </a:r>
+            <a:r>
+              <a:rPr lang="en-US" sz="2400" dirty="0" err="1"/>
+              <a:t>seq</a:t>
+            </a:r>
+            <a:endParaRPr lang="en-US" dirty="0"/>
+          </a:p>
+        </p:txBody>
+      </p:sp>
+      <p:sp>
+        <p:nvSpPr>
+          <p:cNvPr id="8" name="Google Shape;107;p14">
+            <a:extLst>
+              <a:ext uri="{FF2B5EF4-FFF2-40B4-BE49-F238E27FC236}">
+                <a16:creationId xmlns:a16="http://schemas.microsoft.com/office/drawing/2014/main" id="{8E20B781-79D7-6C41-AB3D-C6CE87378ED5}"/>
+              </a:ext>
+            </a:extLst>
+          </p:cNvPr>
+          <p:cNvSpPr txBox="1">
+            <a:spLocks noGrp="1"/>
+          </p:cNvSpPr>
+          <p:nvPr>
+            <p:ph type="ftr" idx="11"/>
+          </p:nvPr>
+        </p:nvSpPr>
+        <p:spPr>
+          <a:xfrm>
+            <a:off x="3048000" y="6553200"/>
+            <a:ext cx="2895600" cy="304800"/>
+          </a:xfrm>
+          <a:prstGeom prst="rect">
+            <a:avLst/>
+          </a:prstGeom>
+          <a:noFill/>
+          <a:ln>
+            <a:noFill/>
+          </a:ln>
+        </p:spPr>
+        <p:txBody>
+          <a:bodyPr spcFirstLastPara="1" wrap="square" lIns="92075" tIns="46025" rIns="92075" bIns="46025" anchor="ctr" anchorCtr="0">
+            <a:noAutofit/>
+          </a:bodyPr>
+          <a:lstStyle/>
+          <a:p>
+            <a:pPr marL="0" marR="0" lvl="0" indent="0" algn="ctr" rtl="0">
+              <a:spcBef>
+                <a:spcPts val="0"/>
+              </a:spcBef>
+              <a:spcAft>
+                <a:spcPts val="0"/>
+              </a:spcAft>
+              <a:buNone/>
+            </a:pPr>
+            <a:r>
+              <a:rPr lang="en-US" sz="1200" b="1" i="0" u="none" strike="noStrike" cap="none" dirty="0">
+                <a:solidFill>
+                  <a:srgbClr val="114FFB"/>
+                </a:solidFill>
+                <a:latin typeface="Helvetica Neue"/>
+                <a:ea typeface="Helvetica Neue"/>
+                <a:cs typeface="Helvetica Neue"/>
+                <a:sym typeface="Helvetica Neue"/>
+              </a:rPr>
+              <a:t>UCB CS88 Fa19 L08</a:t>
+            </a:r>
+            <a:endParaRPr dirty="0"/>
+          </a:p>
+        </p:txBody>
+      </p:sp>
+    </p:spTree>
+    <p:extLst>
+      <p:ext uri="{BB962C8B-B14F-4D97-AF65-F5344CB8AC3E}">
+        <p14:creationId xmlns:p14="http://schemas.microsoft.com/office/powerpoint/2010/main" val="3295369382"/>
+      </p:ext>
+    </p:extLst>
+  </p:cSld>
+  <p:clrMapOvr>
+    <a:masterClrMapping/>
+  </p:clrMapOvr>
+  <p:timing>
+    <p:tnLst>
+      <p:par>
+        <p:cTn id="1" dur="indefinite" restart="never" nodeType="tmRoot">
+          <p:childTnLst>
+            <p:seq concurrent="1" nextAc="seek">
+              <p:cTn id="2" dur="indefinite" nodeType="mainSeq">
+                <p:childTnLst>
+                  <p:par>
+                    <p:cTn id="3" fill="hold">
+                      <p:stCondLst>
+                        <p:cond delay="indefinite"/>
+                      </p:stCondLst>
+                      <p:childTnLst>
+                        <p:par>
+                          <p:cTn id="4" fill="hold">
+                            <p:stCondLst>
+                              <p:cond delay="0"/>
+                            </p:stCondLst>
+                            <p:childTnLst>
+                              <p:par>
+                                <p:cTn id="5" presetID="1" presetClass="entr" presetSubtype="0" fill="hold" grpId="0" nodeType="clickEffect">
+                                  <p:stCondLst>
+                                    <p:cond delay="0"/>
+                                  </p:stCondLst>
+                                  <p:childTnLst>
+                                    <p:set>
+                                      <p:cBhvr>
+                                        <p:cTn id="6" dur="1" fill="hold">
+                                          <p:stCondLst>
+                                            <p:cond delay="0"/>
+                                          </p:stCondLst>
+                                        </p:cTn>
+                                        <p:tgtEl>
+                                          <p:spTgt spid="7"/>
+                                        </p:tgtEl>
+                                        <p:attrNameLst>
+                                          <p:attrName>style.visibility</p:attrName>
+                                        </p:attrNameLst>
+                                      </p:cBhvr>
+                                      <p:to>
+                                        <p:strVal val="visible"/>
+                                      </p:to>
+                                    </p:set>
+                                  </p:childTnLst>
+                                </p:cTn>
+                              </p:par>
+                            </p:childTnLst>
+                          </p:cTn>
+                        </p:par>
+                      </p:childTnLst>
+                    </p:cTn>
+                  </p:par>
+                </p:childTnLst>
+              </p:cTn>
+              <p:prevCondLst>
+                <p:cond evt="onPrev" delay="0">
+                  <p:tgtEl>
+                    <p:sldTgt/>
+                  </p:tgtEl>
+                </p:cond>
+              </p:prevCondLst>
+              <p:nextCondLst>
+                <p:cond evt="onNext" delay="0">
+                  <p:tgtEl>
+                    <p:sldTgt/>
+                  </p:tgtEl>
+                </p:cond>
+              </p:nextCondLst>
+            </p:seq>
+          </p:childTnLst>
+        </p:cTn>
+      </p:par>
+    </p:tnLst>
+    <p:bldLst>
+      <p:bldP spid="7" grpId="0"/>
+    </p:bldLst>
+  </p:timing>
 </p:sld>
 </file>
 
@@ -28667,7 +26319,7 @@
   <p:cSld>
     <p:spTree>
       <p:nvGrpSpPr>
-        <p:cNvPr id="1" name="Shape 96"/>
+        <p:cNvPr id="1" name=""/>
         <p:cNvGrpSpPr/>
         <p:nvPr/>
       </p:nvGrpSpPr>
@@ -28679,94 +26331,44 @@
           <a:chExt cx="0" cy="0"/>
         </a:xfrm>
       </p:grpSpPr>
-      <p:pic>
-        <p:nvPicPr>
-          <p:cNvPr id="97" name="Google Shape;97;p13" descr="RF-Graphic-from-DrawShop-a-head-full-of-excellent-ideas-109477-10.jpg"/>
-          <p:cNvPicPr preferRelativeResize="0"/>
-          <p:nvPr/>
-        </p:nvPicPr>
-        <p:blipFill rotWithShape="1">
-          <a:blip r:embed="rId3">
-            <a:alphaModFix/>
-          </a:blip>
-          <a:srcRect/>
-          <a:stretch/>
-        </p:blipFill>
-        <p:spPr>
-          <a:xfrm>
-            <a:off x="152400" y="5029200"/>
-            <a:ext cx="990600" cy="1617980"/>
-          </a:xfrm>
-          <a:prstGeom prst="rect">
-            <a:avLst/>
-          </a:prstGeom>
-          <a:noFill/>
-          <a:ln>
-            <a:noFill/>
-          </a:ln>
-        </p:spPr>
-      </p:pic>
       <p:sp>
         <p:nvSpPr>
-          <p:cNvPr id="98" name="Google Shape;98;p13"/>
-          <p:cNvSpPr txBox="1">
+          <p:cNvPr id="2" name="Title 1">
+            <a:extLst>
+              <a:ext uri="{FF2B5EF4-FFF2-40B4-BE49-F238E27FC236}">
+                <a16:creationId xmlns:a16="http://schemas.microsoft.com/office/drawing/2014/main" id="{771BC05D-D87B-6447-AF5A-797BB88BEEDA}"/>
+              </a:ext>
+            </a:extLst>
+          </p:cNvPr>
+          <p:cNvSpPr>
             <a:spLocks noGrp="1"/>
           </p:cNvSpPr>
           <p:nvPr>
             <p:ph type="title"/>
           </p:nvPr>
         </p:nvSpPr>
-        <p:spPr>
-          <a:xfrm>
-            <a:off x="685800" y="228600"/>
-            <a:ext cx="7696200" cy="736600"/>
-          </a:xfrm>
-          <a:prstGeom prst="rect">
-            <a:avLst/>
-          </a:prstGeom>
-          <a:noFill/>
-          <a:ln>
-            <a:noFill/>
-          </a:ln>
-        </p:spPr>
+        <p:spPr/>
         <p:txBody>
-          <a:bodyPr spcFirstLastPara="1" wrap="square" lIns="92075" tIns="46025" rIns="92075" bIns="46025" anchor="ctr" anchorCtr="0">
-            <a:noAutofit/>
-          </a:bodyPr>
+          <a:bodyPr/>
           <a:lstStyle/>
           <a:p>
-            <a:pPr marL="0" marR="0" lvl="0" indent="0" algn="l" rtl="0">
-              <a:lnSpc>
-                <a:spcPct val="90000"/>
-              </a:lnSpc>
-              <a:spcBef>
-                <a:spcPts val="0"/>
-              </a:spcBef>
-              <a:spcAft>
-                <a:spcPts val="0"/>
-              </a:spcAft>
-              <a:buNone/>
-            </a:pPr>
-            <a:r>
-              <a:rPr lang="en-US" sz="3200" b="1" i="0" u="none" strike="noStrike" cap="none">
-                <a:solidFill>
-                  <a:srgbClr val="0332B7"/>
-                </a:solidFill>
-                <a:latin typeface="Arial"/>
-                <a:ea typeface="Arial"/>
-                <a:cs typeface="Arial"/>
-                <a:sym typeface="Arial"/>
-              </a:rPr>
-              <a:t>Computational Concepts Toolbox</a:t>
-            </a:r>
-            <a:endParaRPr/>
+            <a:r>
+              <a:rPr lang="en-US" dirty="0"/>
+              <a:t>Announcements</a:t>
+            </a:r>
           </a:p>
         </p:txBody>
       </p:sp>
       <p:sp>
         <p:nvSpPr>
-          <p:cNvPr id="99" name="Google Shape;99;p13"/>
-          <p:cNvSpPr txBox="1">
+          <p:cNvPr id="3" name="Text Placeholder 2">
+            <a:extLst>
+              <a:ext uri="{FF2B5EF4-FFF2-40B4-BE49-F238E27FC236}">
+                <a16:creationId xmlns:a16="http://schemas.microsoft.com/office/drawing/2014/main" id="{3DE73F6B-2C37-FB42-99D5-D2AD1FC4D817}"/>
+              </a:ext>
+            </a:extLst>
+          </p:cNvPr>
+          <p:cNvSpPr>
             <a:spLocks noGrp="1"/>
           </p:cNvSpPr>
           <p:nvPr>
@@ -28776,900 +26378,50 @@
         <p:spPr>
           <a:xfrm>
             <a:off x="685800" y="1066800"/>
-            <a:ext cx="3733800" cy="5257800"/>
+            <a:ext cx="7696200" cy="5257800"/>
           </a:xfrm>
-          <a:prstGeom prst="rect">
-            <a:avLst/>
-          </a:prstGeom>
-          <a:noFill/>
-          <a:ln>
-            <a:noFill/>
-          </a:ln>
         </p:spPr>
         <p:txBody>
-          <a:bodyPr spcFirstLastPara="1" wrap="square" lIns="92075" tIns="46025" rIns="92075" bIns="46025" anchor="t" anchorCtr="0">
-            <a:noAutofit/>
-          </a:bodyPr>
+          <a:bodyPr/>
           <a:lstStyle/>
           <a:p>
-            <a:pPr marL="285750" marR="0" lvl="0" indent="-285750" algn="l" rtl="0">
-              <a:lnSpc>
-                <a:spcPct val="90000"/>
-              </a:lnSpc>
-              <a:spcBef>
-                <a:spcPts val="0"/>
-              </a:spcBef>
-              <a:spcAft>
-                <a:spcPts val="0"/>
-              </a:spcAft>
-              <a:buClr>
-                <a:schemeClr val="dk1"/>
-              </a:buClr>
-              <a:buSzPts val="2000"/>
-              <a:buFont typeface="Arial"/>
-              <a:buChar char="•"/>
-            </a:pPr>
-            <a:r>
-              <a:rPr lang="en-US" sz="2000" b="1" i="0" u="none" strike="noStrike" cap="none" dirty="0">
-                <a:solidFill>
-                  <a:schemeClr val="dk1"/>
-                </a:solidFill>
-                <a:latin typeface="Arial"/>
-                <a:ea typeface="Arial"/>
-                <a:cs typeface="Arial"/>
-                <a:sym typeface="Arial"/>
-              </a:rPr>
-              <a:t>Data type: values, literals, operations, </a:t>
-            </a:r>
-            <a:endParaRPr dirty="0"/>
-          </a:p>
-          <a:p>
-            <a:pPr marL="285750" marR="0" lvl="0" indent="-285750" algn="l" rtl="0">
-              <a:lnSpc>
-                <a:spcPct val="90000"/>
-              </a:lnSpc>
-              <a:spcBef>
-                <a:spcPts val="600"/>
-              </a:spcBef>
-              <a:spcAft>
-                <a:spcPts val="0"/>
-              </a:spcAft>
-              <a:buClr>
-                <a:schemeClr val="dk1"/>
-              </a:buClr>
-              <a:buSzPts val="2000"/>
-              <a:buFont typeface="Arial"/>
-              <a:buChar char="•"/>
-            </a:pPr>
-            <a:r>
-              <a:rPr lang="en-US" sz="2000" b="1" i="0" u="none" strike="noStrike" cap="none" dirty="0">
-                <a:solidFill>
-                  <a:schemeClr val="dk1"/>
-                </a:solidFill>
-                <a:latin typeface="Arial"/>
-                <a:ea typeface="Arial"/>
-                <a:cs typeface="Arial"/>
-                <a:sym typeface="Arial"/>
-              </a:rPr>
-              <a:t>Expressions, Call expression</a:t>
-            </a:r>
-            <a:endParaRPr dirty="0"/>
-          </a:p>
-          <a:p>
-            <a:pPr marL="285750" marR="0" lvl="0" indent="-285750" algn="l" rtl="0">
-              <a:lnSpc>
-                <a:spcPct val="90000"/>
-              </a:lnSpc>
-              <a:spcBef>
-                <a:spcPts val="600"/>
-              </a:spcBef>
-              <a:spcAft>
-                <a:spcPts val="0"/>
-              </a:spcAft>
-              <a:buClr>
-                <a:schemeClr val="dk1"/>
-              </a:buClr>
-              <a:buSzPts val="2000"/>
-              <a:buFont typeface="Arial"/>
-              <a:buChar char="•"/>
-            </a:pPr>
-            <a:r>
-              <a:rPr lang="en-US" sz="2000" b="1" i="0" u="none" strike="noStrike" cap="none" dirty="0">
-                <a:solidFill>
-                  <a:schemeClr val="dk1"/>
-                </a:solidFill>
-                <a:latin typeface="Arial"/>
-                <a:ea typeface="Arial"/>
-                <a:cs typeface="Arial"/>
-                <a:sym typeface="Arial"/>
-              </a:rPr>
-              <a:t>Variables</a:t>
-            </a:r>
-            <a:endParaRPr dirty="0"/>
-          </a:p>
-          <a:p>
-            <a:pPr marL="285750" marR="0" lvl="0" indent="-285750" algn="l" rtl="0">
-              <a:lnSpc>
-                <a:spcPct val="90000"/>
-              </a:lnSpc>
-              <a:spcBef>
-                <a:spcPts val="600"/>
-              </a:spcBef>
-              <a:spcAft>
-                <a:spcPts val="0"/>
-              </a:spcAft>
-              <a:buClr>
-                <a:schemeClr val="dk1"/>
-              </a:buClr>
-              <a:buSzPts val="2000"/>
-              <a:buFont typeface="Arial"/>
-              <a:buChar char="•"/>
-            </a:pPr>
-            <a:r>
-              <a:rPr lang="en-US" sz="2000" b="1" i="0" u="none" strike="noStrike" cap="none" dirty="0">
-                <a:solidFill>
-                  <a:schemeClr val="dk1"/>
-                </a:solidFill>
-                <a:latin typeface="Arial"/>
-                <a:ea typeface="Arial"/>
-                <a:cs typeface="Arial"/>
-                <a:sym typeface="Arial"/>
-              </a:rPr>
-              <a:t>Assignment Statement</a:t>
-            </a:r>
-            <a:endParaRPr dirty="0"/>
-          </a:p>
-          <a:p>
-            <a:pPr marL="285750" marR="0" lvl="0" indent="-285750" algn="l" rtl="0">
-              <a:lnSpc>
-                <a:spcPct val="90000"/>
-              </a:lnSpc>
-              <a:spcBef>
-                <a:spcPts val="600"/>
-              </a:spcBef>
-              <a:spcAft>
-                <a:spcPts val="0"/>
-              </a:spcAft>
-              <a:buClr>
-                <a:schemeClr val="dk1"/>
-              </a:buClr>
-              <a:buSzPts val="2000"/>
-              <a:buFont typeface="Arial"/>
-              <a:buChar char="•"/>
-            </a:pPr>
-            <a:r>
-              <a:rPr lang="en-US" sz="2000" b="1" i="0" u="none" strike="noStrike" cap="none" dirty="0">
-                <a:solidFill>
-                  <a:schemeClr val="dk1"/>
-                </a:solidFill>
-                <a:latin typeface="Arial"/>
-                <a:ea typeface="Arial"/>
-                <a:cs typeface="Arial"/>
-                <a:sym typeface="Arial"/>
-              </a:rPr>
-              <a:t>Sequences: tuple, list</a:t>
-            </a:r>
-            <a:endParaRPr dirty="0"/>
-          </a:p>
-          <a:p>
-            <a:pPr marL="285750" marR="0" lvl="0" indent="-285750" algn="l" rtl="0">
-              <a:lnSpc>
-                <a:spcPct val="90000"/>
-              </a:lnSpc>
-              <a:spcBef>
-                <a:spcPts val="600"/>
-              </a:spcBef>
-              <a:spcAft>
-                <a:spcPts val="0"/>
-              </a:spcAft>
-              <a:buClr>
-                <a:srgbClr val="FF0000"/>
-              </a:buClr>
-              <a:buSzPts val="2000"/>
-              <a:buFont typeface="Arial"/>
-              <a:buChar char="•"/>
-            </a:pPr>
-            <a:r>
-              <a:rPr lang="en-US" sz="2000" b="1" i="0" u="none" strike="noStrike" cap="none" dirty="0">
-                <a:solidFill>
-                  <a:srgbClr val="FF0000"/>
-                </a:solidFill>
-                <a:latin typeface="Arial"/>
-                <a:ea typeface="Arial"/>
-                <a:cs typeface="Arial"/>
-                <a:sym typeface="Arial"/>
-              </a:rPr>
-              <a:t>Dictionaries</a:t>
-            </a:r>
-            <a:endParaRPr sz="1600" b="1" i="0" u="none" strike="noStrike" cap="none" dirty="0">
-              <a:solidFill>
-                <a:srgbClr val="FF0000"/>
-              </a:solidFill>
-              <a:latin typeface="Arial"/>
-              <a:ea typeface="Arial"/>
-              <a:cs typeface="Arial"/>
-              <a:sym typeface="Arial"/>
-            </a:endParaRPr>
-          </a:p>
-          <a:p>
-            <a:pPr marL="285750" marR="0" lvl="0" indent="-285750" algn="l" rtl="0">
-              <a:lnSpc>
-                <a:spcPct val="90000"/>
-              </a:lnSpc>
-              <a:spcBef>
-                <a:spcPts val="600"/>
-              </a:spcBef>
-              <a:spcAft>
-                <a:spcPts val="0"/>
-              </a:spcAft>
-              <a:buClr>
-                <a:schemeClr val="dk1"/>
-              </a:buClr>
-              <a:buSzPts val="2000"/>
-              <a:buFont typeface="Arial"/>
-              <a:buChar char="•"/>
-            </a:pPr>
-            <a:r>
-              <a:rPr lang="en-US" sz="2000" b="1" i="0" u="none" strike="noStrike" cap="none" dirty="0">
-                <a:solidFill>
-                  <a:schemeClr val="dk1"/>
-                </a:solidFill>
-                <a:latin typeface="Arial"/>
-                <a:ea typeface="Arial"/>
-                <a:cs typeface="Arial"/>
-                <a:sym typeface="Arial"/>
-              </a:rPr>
-              <a:t>Data structures</a:t>
-            </a:r>
-            <a:endParaRPr dirty="0"/>
-          </a:p>
-          <a:p>
-            <a:pPr marL="285750" marR="0" lvl="0" indent="-285750" algn="l" rtl="0">
-              <a:lnSpc>
-                <a:spcPct val="90000"/>
-              </a:lnSpc>
-              <a:spcBef>
-                <a:spcPts val="600"/>
-              </a:spcBef>
-              <a:spcAft>
-                <a:spcPts val="0"/>
-              </a:spcAft>
-              <a:buClr>
-                <a:schemeClr val="dk1"/>
-              </a:buClr>
-              <a:buSzPts val="2000"/>
-              <a:buFont typeface="Arial"/>
-              <a:buChar char="•"/>
-            </a:pPr>
-            <a:r>
-              <a:rPr lang="en-US" sz="2000" b="1" i="0" u="none" strike="noStrike" cap="none" dirty="0">
-                <a:solidFill>
-                  <a:schemeClr val="dk1"/>
-                </a:solidFill>
-                <a:latin typeface="Arial"/>
-                <a:ea typeface="Arial"/>
-                <a:cs typeface="Arial"/>
-                <a:sym typeface="Arial"/>
-              </a:rPr>
-              <a:t>Tuple assignment</a:t>
-            </a:r>
-            <a:endParaRPr dirty="0"/>
-          </a:p>
-          <a:p>
-            <a:pPr marL="285750" marR="0" lvl="0" indent="-285750" algn="l" rtl="0">
-              <a:lnSpc>
-                <a:spcPct val="90000"/>
-              </a:lnSpc>
-              <a:spcBef>
-                <a:spcPts val="600"/>
-              </a:spcBef>
-              <a:spcAft>
-                <a:spcPts val="0"/>
-              </a:spcAft>
-              <a:buClr>
-                <a:schemeClr val="dk1"/>
-              </a:buClr>
-              <a:buSzPts val="2000"/>
-              <a:buFont typeface="Arial"/>
-              <a:buChar char="•"/>
-            </a:pPr>
-            <a:r>
-              <a:rPr lang="en-US" sz="2000" b="1" i="0" u="none" strike="noStrike" cap="none" dirty="0">
-                <a:solidFill>
-                  <a:schemeClr val="dk1"/>
-                </a:solidFill>
-                <a:latin typeface="Arial"/>
-                <a:ea typeface="Arial"/>
-                <a:cs typeface="Arial"/>
-                <a:sym typeface="Arial"/>
-              </a:rPr>
-              <a:t>Function Definition Statement</a:t>
-            </a:r>
-            <a:endParaRPr dirty="0"/>
-          </a:p>
-          <a:p>
-            <a:pPr marL="285750" marR="0" lvl="0" indent="-285750" algn="l" rtl="0">
-              <a:lnSpc>
-                <a:spcPct val="90000"/>
-              </a:lnSpc>
-              <a:spcBef>
-                <a:spcPts val="600"/>
-              </a:spcBef>
-              <a:spcAft>
-                <a:spcPts val="0"/>
-              </a:spcAft>
-              <a:buClr>
-                <a:schemeClr val="dk1"/>
-              </a:buClr>
-              <a:buSzPts val="2000"/>
-              <a:buFont typeface="Arial"/>
-              <a:buChar char="•"/>
-            </a:pPr>
-            <a:r>
-              <a:rPr lang="en-US" sz="2000" b="1" i="0" u="none" strike="noStrike" cap="none" dirty="0">
-                <a:solidFill>
-                  <a:schemeClr val="dk1"/>
-                </a:solidFill>
-                <a:latin typeface="Arial"/>
-                <a:ea typeface="Arial"/>
-                <a:cs typeface="Arial"/>
-                <a:sym typeface="Arial"/>
-              </a:rPr>
-              <a:t>Conditional Statement</a:t>
-            </a:r>
-            <a:endParaRPr dirty="0"/>
-          </a:p>
-          <a:p>
-            <a:pPr marL="285750" marR="0" lvl="0" indent="-285750" algn="l" rtl="0">
-              <a:lnSpc>
-                <a:spcPct val="90000"/>
-              </a:lnSpc>
-              <a:spcBef>
-                <a:spcPts val="600"/>
-              </a:spcBef>
-              <a:spcAft>
-                <a:spcPts val="0"/>
-              </a:spcAft>
-              <a:buClr>
-                <a:schemeClr val="dk1"/>
-              </a:buClr>
-              <a:buSzPts val="2000"/>
-              <a:buFont typeface="Arial"/>
-              <a:buChar char="•"/>
-            </a:pPr>
-            <a:r>
-              <a:rPr lang="en-US" sz="2000" b="1" i="0" u="none" strike="noStrike" cap="none" dirty="0">
-                <a:solidFill>
-                  <a:schemeClr val="dk1"/>
-                </a:solidFill>
-                <a:latin typeface="Arial"/>
-                <a:ea typeface="Arial"/>
-                <a:cs typeface="Arial"/>
-                <a:sym typeface="Arial"/>
-              </a:rPr>
-              <a:t>Iteration: list comp, for, while</a:t>
-            </a:r>
-            <a:endParaRPr dirty="0"/>
-          </a:p>
-          <a:p>
-            <a:pPr marL="285750" marR="0" lvl="0" indent="-285750" algn="l" rtl="0">
-              <a:lnSpc>
-                <a:spcPct val="90000"/>
-              </a:lnSpc>
-              <a:spcBef>
-                <a:spcPts val="600"/>
-              </a:spcBef>
-              <a:spcAft>
-                <a:spcPts val="0"/>
-              </a:spcAft>
-              <a:buClr>
-                <a:srgbClr val="FF0000"/>
-              </a:buClr>
-              <a:buSzPts val="2000"/>
-              <a:buFont typeface="Arial"/>
-              <a:buChar char="•"/>
-            </a:pPr>
-            <a:r>
-              <a:rPr lang="en-US" sz="2000" b="1" i="0" u="none" strike="noStrike" cap="none" dirty="0">
-                <a:solidFill>
-                  <a:srgbClr val="FF0000"/>
-                </a:solidFill>
-                <a:latin typeface="Arial"/>
-                <a:ea typeface="Arial"/>
-                <a:cs typeface="Arial"/>
-                <a:sym typeface="Arial"/>
-              </a:rPr>
-              <a:t>Lambda function expr</a:t>
-            </a:r>
-            <a:r>
-              <a:rPr lang="en-US" sz="2000" b="1" i="0" u="none" strike="noStrike" cap="none" dirty="0">
-                <a:solidFill>
-                  <a:schemeClr val="dk1"/>
-                </a:solidFill>
-                <a:latin typeface="Arial"/>
-                <a:ea typeface="Arial"/>
-                <a:cs typeface="Arial"/>
-                <a:sym typeface="Arial"/>
-              </a:rPr>
-              <a:t>.</a:t>
-            </a:r>
-            <a:endParaRPr sz="2800" b="1" i="0" u="none" strike="noStrike" cap="none" dirty="0">
-              <a:solidFill>
-                <a:schemeClr val="dk1"/>
-              </a:solidFill>
-              <a:latin typeface="Arial"/>
-              <a:ea typeface="Arial"/>
-              <a:cs typeface="Arial"/>
-              <a:sym typeface="Arial"/>
-            </a:endParaRPr>
-          </a:p>
-          <a:p>
-            <a:pPr marL="285750" marR="0" lvl="0" indent="-107950" algn="l" rtl="0">
-              <a:lnSpc>
-                <a:spcPct val="90000"/>
-              </a:lnSpc>
-              <a:spcBef>
-                <a:spcPts val="840"/>
-              </a:spcBef>
-              <a:spcAft>
-                <a:spcPts val="0"/>
-              </a:spcAft>
-              <a:buClr>
-                <a:schemeClr val="dk1"/>
-              </a:buClr>
-              <a:buSzPts val="2800"/>
-              <a:buFont typeface="Arial"/>
-              <a:buNone/>
-            </a:pPr>
-            <a:endParaRPr sz="2800" b="1" i="0" u="none" strike="noStrike" cap="none" dirty="0">
-              <a:solidFill>
-                <a:schemeClr val="dk1"/>
-              </a:solidFill>
-              <a:latin typeface="Arial"/>
-              <a:ea typeface="Arial"/>
-              <a:cs typeface="Arial"/>
-              <a:sym typeface="Arial"/>
-            </a:endParaRPr>
-          </a:p>
-        </p:txBody>
-      </p:sp>
-      <p:sp>
-        <p:nvSpPr>
-          <p:cNvPr id="100" name="Google Shape;100;p13"/>
-          <p:cNvSpPr txBox="1">
-            <a:spLocks noGrp="1"/>
-          </p:cNvSpPr>
-          <p:nvPr>
-            <p:ph type="body" idx="2"/>
-          </p:nvPr>
-        </p:nvSpPr>
-        <p:spPr>
-          <a:xfrm>
-            <a:off x="4572000" y="1066800"/>
-            <a:ext cx="3733800" cy="5257800"/>
-          </a:xfrm>
-          <a:prstGeom prst="rect">
-            <a:avLst/>
-          </a:prstGeom>
-          <a:noFill/>
-          <a:ln>
-            <a:noFill/>
-          </a:ln>
-        </p:spPr>
-        <p:txBody>
-          <a:bodyPr spcFirstLastPara="1" wrap="square" lIns="92075" tIns="46025" rIns="92075" bIns="46025" anchor="t" anchorCtr="0">
-            <a:noAutofit/>
-          </a:bodyPr>
-          <a:lstStyle/>
-          <a:p>
-            <a:pPr marL="285750" marR="0" lvl="0" indent="-285750" algn="l" rtl="0">
-              <a:lnSpc>
-                <a:spcPct val="90000"/>
-              </a:lnSpc>
-              <a:spcBef>
-                <a:spcPts val="0"/>
-              </a:spcBef>
-              <a:spcAft>
-                <a:spcPts val="0"/>
-              </a:spcAft>
-              <a:buClr>
-                <a:schemeClr val="dk1"/>
-              </a:buClr>
-              <a:buSzPts val="2000"/>
-              <a:buFont typeface="Arial"/>
-              <a:buChar char="•"/>
-            </a:pPr>
-            <a:r>
-              <a:rPr lang="en-US" sz="2000" b="1" i="0" u="none" strike="noStrike" cap="none" dirty="0">
-                <a:solidFill>
-                  <a:schemeClr val="dk1"/>
-                </a:solidFill>
-                <a:latin typeface="Arial"/>
-                <a:ea typeface="Arial"/>
-                <a:cs typeface="Arial"/>
-                <a:sym typeface="Arial"/>
-              </a:rPr>
-              <a:t>Higher Order Functions</a:t>
-            </a:r>
-            <a:endParaRPr dirty="0"/>
-          </a:p>
-          <a:p>
-            <a:pPr marL="685800" marR="0" lvl="1" indent="-228600" algn="l" rtl="0">
-              <a:lnSpc>
-                <a:spcPct val="90000"/>
-              </a:lnSpc>
-              <a:spcBef>
-                <a:spcPts val="480"/>
-              </a:spcBef>
-              <a:spcAft>
-                <a:spcPts val="0"/>
-              </a:spcAft>
-              <a:buClr>
-                <a:schemeClr val="dk1"/>
-              </a:buClr>
-              <a:buSzPts val="1600"/>
-              <a:buFont typeface="Arial"/>
-              <a:buChar char="–"/>
-            </a:pPr>
-            <a:r>
-              <a:rPr lang="en-US" sz="1600" b="1" i="0" u="none" strike="noStrike" cap="none" dirty="0">
-                <a:solidFill>
-                  <a:schemeClr val="dk1"/>
-                </a:solidFill>
-                <a:latin typeface="Arial"/>
-                <a:ea typeface="Arial"/>
-                <a:cs typeface="Arial"/>
-                <a:sym typeface="Arial"/>
-              </a:rPr>
-              <a:t>Functions as Values</a:t>
-            </a:r>
-            <a:endParaRPr dirty="0"/>
-          </a:p>
-          <a:p>
-            <a:pPr marL="685800" marR="0" lvl="1" indent="-228600" algn="l" rtl="0">
-              <a:lnSpc>
-                <a:spcPct val="90000"/>
-              </a:lnSpc>
-              <a:spcBef>
-                <a:spcPts val="480"/>
-              </a:spcBef>
-              <a:spcAft>
-                <a:spcPts val="0"/>
-              </a:spcAft>
-              <a:buClr>
-                <a:schemeClr val="dk1"/>
-              </a:buClr>
-              <a:buSzPts val="1600"/>
-              <a:buFont typeface="Arial"/>
-              <a:buChar char="–"/>
-            </a:pPr>
-            <a:r>
-              <a:rPr lang="en-US" sz="1600" b="1" i="0" u="none" strike="noStrike" cap="none" dirty="0">
-                <a:solidFill>
-                  <a:schemeClr val="dk1"/>
-                </a:solidFill>
-                <a:latin typeface="Arial"/>
-                <a:ea typeface="Arial"/>
-                <a:cs typeface="Arial"/>
-                <a:sym typeface="Arial"/>
-              </a:rPr>
-              <a:t>Functions with functions as argument</a:t>
-            </a:r>
-            <a:endParaRPr dirty="0"/>
-          </a:p>
-          <a:p>
-            <a:pPr marL="685800" marR="0" lvl="1" indent="-228600" algn="l" rtl="0">
-              <a:lnSpc>
-                <a:spcPct val="90000"/>
-              </a:lnSpc>
-              <a:spcBef>
-                <a:spcPts val="480"/>
-              </a:spcBef>
-              <a:spcAft>
-                <a:spcPts val="0"/>
-              </a:spcAft>
-              <a:buClr>
-                <a:schemeClr val="dk1"/>
-              </a:buClr>
-              <a:buSzPts val="1600"/>
-              <a:buFont typeface="Arial"/>
-              <a:buChar char="–"/>
-            </a:pPr>
-            <a:r>
-              <a:rPr lang="en-US" sz="1600" b="1" i="0" u="none" strike="noStrike" cap="none" dirty="0">
-                <a:solidFill>
-                  <a:schemeClr val="dk1"/>
-                </a:solidFill>
-                <a:latin typeface="Arial"/>
-                <a:ea typeface="Arial"/>
-                <a:cs typeface="Arial"/>
-                <a:sym typeface="Arial"/>
-              </a:rPr>
-              <a:t>Assignment of function values</a:t>
-            </a:r>
-            <a:endParaRPr dirty="0"/>
-          </a:p>
-          <a:p>
-            <a:pPr marL="285750" marR="0" lvl="0" indent="-285750" algn="l" rtl="0">
-              <a:lnSpc>
-                <a:spcPct val="90000"/>
-              </a:lnSpc>
-              <a:spcBef>
-                <a:spcPts val="600"/>
-              </a:spcBef>
-              <a:spcAft>
-                <a:spcPts val="0"/>
-              </a:spcAft>
-              <a:buClr>
-                <a:schemeClr val="dk1"/>
-              </a:buClr>
-              <a:buSzPts val="2000"/>
-              <a:buFont typeface="Arial"/>
-              <a:buChar char="•"/>
-            </a:pPr>
-            <a:r>
-              <a:rPr lang="en-US" sz="2000" b="1" i="0" u="none" strike="noStrike" cap="none" dirty="0">
-                <a:solidFill>
-                  <a:schemeClr val="dk1"/>
-                </a:solidFill>
-                <a:latin typeface="Arial"/>
-                <a:ea typeface="Arial"/>
-                <a:cs typeface="Arial"/>
-                <a:sym typeface="Arial"/>
-              </a:rPr>
-              <a:t>Higher order function patterns</a:t>
-            </a:r>
-            <a:endParaRPr dirty="0"/>
-          </a:p>
-          <a:p>
-            <a:pPr marL="685800" marR="0" lvl="1" indent="-228600" algn="l" rtl="0">
-              <a:lnSpc>
-                <a:spcPct val="90000"/>
-              </a:lnSpc>
-              <a:spcBef>
-                <a:spcPts val="600"/>
-              </a:spcBef>
-              <a:spcAft>
-                <a:spcPts val="0"/>
-              </a:spcAft>
-              <a:buClr>
-                <a:schemeClr val="dk1"/>
-              </a:buClr>
-              <a:buSzPts val="2000"/>
-              <a:buFont typeface="Arial"/>
-              <a:buChar char="–"/>
-            </a:pPr>
-            <a:r>
-              <a:rPr lang="en-US" sz="2000" b="1" i="0" u="none" strike="noStrike" cap="none" dirty="0">
-                <a:solidFill>
-                  <a:schemeClr val="dk1"/>
-                </a:solidFill>
-                <a:latin typeface="Arial"/>
-                <a:ea typeface="Arial"/>
-                <a:cs typeface="Arial"/>
-                <a:sym typeface="Arial"/>
-              </a:rPr>
-              <a:t>Map, Filter, Reduce</a:t>
-            </a:r>
-            <a:endParaRPr dirty="0"/>
-          </a:p>
-          <a:p>
-            <a:pPr marL="285750" marR="0" lvl="0" indent="-285750" algn="l" rtl="0">
-              <a:lnSpc>
-                <a:spcPct val="90000"/>
-              </a:lnSpc>
-              <a:spcBef>
-                <a:spcPts val="600"/>
-              </a:spcBef>
-              <a:spcAft>
-                <a:spcPts val="0"/>
-              </a:spcAft>
-              <a:buClr>
-                <a:schemeClr val="dk1"/>
-              </a:buClr>
-              <a:buSzPts val="2000"/>
-              <a:buFont typeface="Arial"/>
-              <a:buChar char="•"/>
-            </a:pPr>
-            <a:r>
-              <a:rPr lang="en-US" sz="2000" b="1" i="0" u="none" strike="noStrike" cap="none" dirty="0">
-                <a:solidFill>
-                  <a:schemeClr val="dk1"/>
-                </a:solidFill>
-                <a:latin typeface="Arial"/>
-                <a:ea typeface="Arial"/>
-                <a:cs typeface="Arial"/>
-                <a:sym typeface="Arial"/>
-              </a:rPr>
-              <a:t>Function factories – create and return functions</a:t>
-            </a:r>
-            <a:endParaRPr dirty="0"/>
-          </a:p>
-          <a:p>
-            <a:pPr marL="285750" marR="0" lvl="0" indent="-285750" algn="l" rtl="0">
-              <a:lnSpc>
-                <a:spcPct val="90000"/>
-              </a:lnSpc>
-              <a:spcBef>
-                <a:spcPts val="600"/>
-              </a:spcBef>
-              <a:spcAft>
-                <a:spcPts val="0"/>
-              </a:spcAft>
-              <a:buClr>
-                <a:schemeClr val="dk1"/>
-              </a:buClr>
-              <a:buSzPts val="2000"/>
-              <a:buFont typeface="Arial"/>
-              <a:buChar char="•"/>
-            </a:pPr>
-            <a:r>
-              <a:rPr lang="en-US" sz="2000" b="1" i="0" u="none" strike="noStrike" cap="none" dirty="0">
-                <a:solidFill>
-                  <a:schemeClr val="dk1"/>
-                </a:solidFill>
-                <a:latin typeface="Arial"/>
-                <a:ea typeface="Arial"/>
-                <a:cs typeface="Arial"/>
-                <a:sym typeface="Arial"/>
-              </a:rPr>
-              <a:t>Recursion</a:t>
-            </a:r>
-            <a:endParaRPr dirty="0"/>
-          </a:p>
-          <a:p>
-            <a:pPr marL="685800" marR="0" lvl="1" indent="-228600" algn="l" rtl="0">
-              <a:lnSpc>
-                <a:spcPct val="90000"/>
-              </a:lnSpc>
-              <a:spcBef>
-                <a:spcPts val="600"/>
-              </a:spcBef>
-              <a:spcAft>
-                <a:spcPts val="0"/>
-              </a:spcAft>
-              <a:buClr>
-                <a:schemeClr val="dk1"/>
-              </a:buClr>
-              <a:buSzPts val="2000"/>
-              <a:buFont typeface="Arial"/>
-              <a:buChar char="–"/>
-            </a:pPr>
-            <a:r>
-              <a:rPr lang="en-US" sz="2000" b="1" i="0" u="none" strike="noStrike" cap="none" dirty="0">
-                <a:solidFill>
-                  <a:schemeClr val="dk1"/>
-                </a:solidFill>
-                <a:latin typeface="Arial"/>
-                <a:ea typeface="Arial"/>
-                <a:cs typeface="Arial"/>
-                <a:sym typeface="Arial"/>
-              </a:rPr>
-              <a:t>Linear, Tail, Tree</a:t>
-            </a:r>
-            <a:endParaRPr dirty="0"/>
-          </a:p>
-          <a:p>
-            <a:pPr marL="285750" marR="0" lvl="0" indent="-285750" algn="l" rtl="0">
-              <a:lnSpc>
-                <a:spcPct val="90000"/>
-              </a:lnSpc>
-              <a:spcBef>
-                <a:spcPts val="840"/>
-              </a:spcBef>
-              <a:spcAft>
-                <a:spcPts val="0"/>
-              </a:spcAft>
-              <a:buClr>
-                <a:schemeClr val="dk1"/>
-              </a:buClr>
-              <a:buSzPts val="2800"/>
-              <a:buFont typeface="Arial"/>
-              <a:buChar char="•"/>
-            </a:pPr>
-            <a:r>
-              <a:rPr lang="en-US" sz="2800" b="1" i="0" u="none" strike="noStrike" cap="none" dirty="0">
-                <a:solidFill>
-                  <a:schemeClr val="dk1"/>
-                </a:solidFill>
-                <a:latin typeface="Arial"/>
-                <a:ea typeface="Arial"/>
-                <a:cs typeface="Arial"/>
-                <a:sym typeface="Arial"/>
-              </a:rPr>
-              <a:t>Abstract Data Types</a:t>
-            </a:r>
-            <a:r>
-              <a:rPr lang="en-US" sz="2000" dirty="0"/>
-              <a:t>: </a:t>
-            </a:r>
-            <a:r>
-              <a:rPr lang="en-US" sz="2000" dirty="0">
-                <a:solidFill>
-                  <a:srgbClr val="FF0000"/>
-                </a:solidFill>
-              </a:rPr>
-              <a:t>Mutability</a:t>
-            </a:r>
-            <a:endParaRPr dirty="0">
-              <a:solidFill>
-                <a:srgbClr val="FF0000"/>
-              </a:solidFill>
-            </a:endParaRPr>
-          </a:p>
-        </p:txBody>
-      </p:sp>
-      <p:sp>
-        <p:nvSpPr>
-          <p:cNvPr id="101" name="Google Shape;101;p13"/>
-          <p:cNvSpPr txBox="1">
-            <a:spLocks noGrp="1"/>
-          </p:cNvSpPr>
-          <p:nvPr>
-            <p:ph type="ftr" idx="11"/>
-          </p:nvPr>
-        </p:nvSpPr>
-        <p:spPr>
-          <a:xfrm>
-            <a:off x="3048000" y="6553200"/>
-            <a:ext cx="2895600" cy="304800"/>
-          </a:xfrm>
-          <a:prstGeom prst="rect">
-            <a:avLst/>
-          </a:prstGeom>
-          <a:noFill/>
-          <a:ln>
-            <a:noFill/>
-          </a:ln>
-        </p:spPr>
-        <p:txBody>
-          <a:bodyPr spcFirstLastPara="1" wrap="square" lIns="92075" tIns="46025" rIns="92075" bIns="46025" anchor="ctr" anchorCtr="0">
-            <a:noAutofit/>
-          </a:bodyPr>
-          <a:lstStyle/>
-          <a:p>
-            <a:pPr marL="0" marR="0" lvl="0" indent="0" algn="ctr" rtl="0">
-              <a:spcBef>
-                <a:spcPts val="0"/>
-              </a:spcBef>
-              <a:spcAft>
-                <a:spcPts val="0"/>
-              </a:spcAft>
-              <a:buNone/>
-            </a:pPr>
-            <a:r>
-              <a:rPr lang="en-US" sz="1200" b="1" i="0" u="none" strike="noStrike" cap="none" dirty="0">
-                <a:solidFill>
-                  <a:srgbClr val="114FFB"/>
-                </a:solidFill>
-                <a:latin typeface="Helvetica Neue"/>
-                <a:ea typeface="Helvetica Neue"/>
-                <a:cs typeface="Helvetica Neue"/>
-                <a:sym typeface="Helvetica Neue"/>
-              </a:rPr>
-              <a:t>UCB CS88 </a:t>
-            </a:r>
             <a:r>
               <a:rPr lang="en-US" dirty="0"/>
-              <a:t>Fa19</a:t>
-            </a:r>
-            <a:r>
-              <a:rPr lang="en-US" sz="1200" b="1" i="0" u="none" strike="noStrike" cap="none" dirty="0">
-                <a:solidFill>
-                  <a:srgbClr val="114FFB"/>
-                </a:solidFill>
-                <a:latin typeface="Helvetica Neue"/>
-                <a:ea typeface="Helvetica Neue"/>
-                <a:cs typeface="Helvetica Neue"/>
-                <a:sym typeface="Helvetica Neue"/>
-              </a:rPr>
-              <a:t> L08</a:t>
-            </a:r>
-            <a:endParaRPr dirty="0"/>
+              <a:t>Maps project due Wed 11/6</a:t>
+            </a:r>
+          </a:p>
+          <a:p>
+            <a:r>
+              <a:rPr lang="en-US" dirty="0"/>
+              <a:t>Lecture Monday 11/4 still</a:t>
+            </a:r>
+          </a:p>
+          <a:p>
+            <a:r>
+              <a:rPr lang="en-US" dirty="0"/>
+              <a:t>Virtual “Clicker” questions for this lecture on </a:t>
+            </a:r>
+            <a:r>
+              <a:rPr lang="en-US" dirty="0" err="1"/>
+              <a:t>Gradescope</a:t>
+            </a:r>
+            <a:endParaRPr lang="en-US" dirty="0"/>
+          </a:p>
+          <a:p>
+            <a:pPr lvl="1"/>
+            <a:r>
+              <a:rPr lang="en-US" dirty="0"/>
+              <a:t>Open until the end of class, submit as often as you’d like. They count as clicker points like any other lecture.</a:t>
+            </a:r>
           </a:p>
         </p:txBody>
       </p:sp>
     </p:spTree>
+    <p:extLst>
+      <p:ext uri="{BB962C8B-B14F-4D97-AF65-F5344CB8AC3E}">
+        <p14:creationId xmlns:p14="http://schemas.microsoft.com/office/powerpoint/2010/main" val="2796803860"/>
+      </p:ext>
+    </p:extLst>
   </p:cSld>
   <p:clrMapOvr>
     <a:masterClrMapping/>
@@ -32537,7 +29289,7 @@
   <p:cSld>
     <p:spTree>
       <p:nvGrpSpPr>
-        <p:cNvPr id="1" name="Shape 105"/>
+        <p:cNvPr id="1" name="Shape 96"/>
         <p:cNvGrpSpPr/>
         <p:nvPr/>
       </p:nvGrpSpPr>
@@ -32549,9 +29301,36 @@
           <a:chExt cx="0" cy="0"/>
         </a:xfrm>
       </p:grpSpPr>
+      <p:pic>
+        <p:nvPicPr>
+          <p:cNvPr id="97" name="Google Shape;97;p13" descr="RF-Graphic-from-DrawShop-a-head-full-of-excellent-ideas-109477-10.jpg"/>
+          <p:cNvPicPr preferRelativeResize="0"/>
+          <p:nvPr/>
+        </p:nvPicPr>
+        <p:blipFill rotWithShape="1">
+          <a:blip r:embed="rId3">
+            <a:alphaModFix/>
+          </a:blip>
+          <a:srcRect/>
+          <a:stretch/>
+        </p:blipFill>
+        <p:spPr>
+          <a:xfrm>
+            <a:off x="152400" y="5029200"/>
+            <a:ext cx="990600" cy="1617980"/>
+          </a:xfrm>
+          <a:prstGeom prst="rect">
+            <a:avLst/>
+          </a:prstGeom>
+          <a:noFill/>
+          <a:ln>
+            <a:noFill/>
+          </a:ln>
+        </p:spPr>
+      </p:pic>
       <p:sp>
         <p:nvSpPr>
-          <p:cNvPr id="106" name="Google Shape;106;p14"/>
+          <p:cNvPr id="98" name="Google Shape;98;p13"/>
           <p:cNvSpPr txBox="1">
             <a:spLocks noGrp="1"/>
           </p:cNvSpPr>
@@ -32591,7 +29370,7 @@
               <a:buNone/>
             </a:pPr>
             <a:r>
-              <a:rPr lang="en-US" sz="3200" b="1" i="0" u="none" strike="noStrike" cap="none" dirty="0">
+              <a:rPr lang="en-US" sz="3200" b="1" i="0" u="none" strike="noStrike" cap="none">
                 <a:solidFill>
                   <a:srgbClr val="0332B7"/>
                 </a:solidFill>
@@ -32600,15 +29379,851 @@
                 <a:cs typeface="Arial"/>
                 <a:sym typeface="Arial"/>
               </a:rPr>
-              <a:t>Review: C.O.R.E concepts</a:t>
-            </a:r>
-            <a:endParaRPr dirty="0"/>
+              <a:t>Computational Concepts Toolbox</a:t>
+            </a:r>
+            <a:endParaRPr/>
           </a:p>
         </p:txBody>
       </p:sp>
       <p:sp>
         <p:nvSpPr>
-          <p:cNvPr id="107" name="Google Shape;107;p14"/>
+          <p:cNvPr id="99" name="Google Shape;99;p13"/>
+          <p:cNvSpPr txBox="1">
+            <a:spLocks noGrp="1"/>
+          </p:cNvSpPr>
+          <p:nvPr>
+            <p:ph type="body" idx="1"/>
+          </p:nvPr>
+        </p:nvSpPr>
+        <p:spPr>
+          <a:xfrm>
+            <a:off x="685800" y="1066800"/>
+            <a:ext cx="3733800" cy="5257800"/>
+          </a:xfrm>
+          <a:prstGeom prst="rect">
+            <a:avLst/>
+          </a:prstGeom>
+          <a:noFill/>
+          <a:ln>
+            <a:noFill/>
+          </a:ln>
+        </p:spPr>
+        <p:txBody>
+          <a:bodyPr spcFirstLastPara="1" wrap="square" lIns="92075" tIns="46025" rIns="92075" bIns="46025" anchor="t" anchorCtr="0">
+            <a:noAutofit/>
+          </a:bodyPr>
+          <a:lstStyle/>
+          <a:p>
+            <a:pPr marL="285750" marR="0" lvl="0" indent="-285750" algn="l" rtl="0">
+              <a:lnSpc>
+                <a:spcPct val="90000"/>
+              </a:lnSpc>
+              <a:spcBef>
+                <a:spcPts val="0"/>
+              </a:spcBef>
+              <a:spcAft>
+                <a:spcPts val="0"/>
+              </a:spcAft>
+              <a:buClr>
+                <a:schemeClr val="dk1"/>
+              </a:buClr>
+              <a:buSzPts val="2000"/>
+              <a:buFont typeface="Arial"/>
+              <a:buChar char="•"/>
+            </a:pPr>
+            <a:r>
+              <a:rPr lang="en-US" sz="2000" b="1" i="0" u="none" strike="noStrike" cap="none" dirty="0">
+                <a:solidFill>
+                  <a:schemeClr val="dk1"/>
+                </a:solidFill>
+                <a:latin typeface="Arial"/>
+                <a:ea typeface="Arial"/>
+                <a:cs typeface="Arial"/>
+                <a:sym typeface="Arial"/>
+              </a:rPr>
+              <a:t>Data type: values, literals, operations, </a:t>
+            </a:r>
+            <a:endParaRPr dirty="0"/>
+          </a:p>
+          <a:p>
+            <a:pPr marL="285750" marR="0" lvl="0" indent="-285750" algn="l" rtl="0">
+              <a:lnSpc>
+                <a:spcPct val="90000"/>
+              </a:lnSpc>
+              <a:spcBef>
+                <a:spcPts val="600"/>
+              </a:spcBef>
+              <a:spcAft>
+                <a:spcPts val="0"/>
+              </a:spcAft>
+              <a:buClr>
+                <a:schemeClr val="dk1"/>
+              </a:buClr>
+              <a:buSzPts val="2000"/>
+              <a:buFont typeface="Arial"/>
+              <a:buChar char="•"/>
+            </a:pPr>
+            <a:r>
+              <a:rPr lang="en-US" sz="2000" b="1" i="0" u="none" strike="noStrike" cap="none" dirty="0">
+                <a:solidFill>
+                  <a:schemeClr val="dk1"/>
+                </a:solidFill>
+                <a:latin typeface="Arial"/>
+                <a:ea typeface="Arial"/>
+                <a:cs typeface="Arial"/>
+                <a:sym typeface="Arial"/>
+              </a:rPr>
+              <a:t>Expressions, Call expression</a:t>
+            </a:r>
+            <a:endParaRPr dirty="0"/>
+          </a:p>
+          <a:p>
+            <a:pPr marL="285750" marR="0" lvl="0" indent="-285750" algn="l" rtl="0">
+              <a:lnSpc>
+                <a:spcPct val="90000"/>
+              </a:lnSpc>
+              <a:spcBef>
+                <a:spcPts val="600"/>
+              </a:spcBef>
+              <a:spcAft>
+                <a:spcPts val="0"/>
+              </a:spcAft>
+              <a:buClr>
+                <a:schemeClr val="dk1"/>
+              </a:buClr>
+              <a:buSzPts val="2000"/>
+              <a:buFont typeface="Arial"/>
+              <a:buChar char="•"/>
+            </a:pPr>
+            <a:r>
+              <a:rPr lang="en-US" sz="2000" b="1" i="0" u="none" strike="noStrike" cap="none" dirty="0">
+                <a:solidFill>
+                  <a:schemeClr val="dk1"/>
+                </a:solidFill>
+                <a:latin typeface="Arial"/>
+                <a:ea typeface="Arial"/>
+                <a:cs typeface="Arial"/>
+                <a:sym typeface="Arial"/>
+              </a:rPr>
+              <a:t>Variables</a:t>
+            </a:r>
+            <a:endParaRPr dirty="0"/>
+          </a:p>
+          <a:p>
+            <a:pPr marL="285750" marR="0" lvl="0" indent="-285750" algn="l" rtl="0">
+              <a:lnSpc>
+                <a:spcPct val="90000"/>
+              </a:lnSpc>
+              <a:spcBef>
+                <a:spcPts val="600"/>
+              </a:spcBef>
+              <a:spcAft>
+                <a:spcPts val="0"/>
+              </a:spcAft>
+              <a:buClr>
+                <a:schemeClr val="dk1"/>
+              </a:buClr>
+              <a:buSzPts val="2000"/>
+              <a:buFont typeface="Arial"/>
+              <a:buChar char="•"/>
+            </a:pPr>
+            <a:r>
+              <a:rPr lang="en-US" sz="2000" b="1" i="0" u="none" strike="noStrike" cap="none" dirty="0">
+                <a:solidFill>
+                  <a:schemeClr val="dk1"/>
+                </a:solidFill>
+                <a:latin typeface="Arial"/>
+                <a:ea typeface="Arial"/>
+                <a:cs typeface="Arial"/>
+                <a:sym typeface="Arial"/>
+              </a:rPr>
+              <a:t>Assignment Statement</a:t>
+            </a:r>
+            <a:endParaRPr dirty="0"/>
+          </a:p>
+          <a:p>
+            <a:pPr marL="285750" marR="0" lvl="0" indent="-285750" algn="l" rtl="0">
+              <a:lnSpc>
+                <a:spcPct val="90000"/>
+              </a:lnSpc>
+              <a:spcBef>
+                <a:spcPts val="600"/>
+              </a:spcBef>
+              <a:spcAft>
+                <a:spcPts val="0"/>
+              </a:spcAft>
+              <a:buClr>
+                <a:schemeClr val="dk1"/>
+              </a:buClr>
+              <a:buSzPts val="2000"/>
+              <a:buFont typeface="Arial"/>
+              <a:buChar char="•"/>
+            </a:pPr>
+            <a:r>
+              <a:rPr lang="en-US" sz="2000" b="1" i="0" u="none" strike="noStrike" cap="none" dirty="0">
+                <a:solidFill>
+                  <a:schemeClr val="dk1"/>
+                </a:solidFill>
+                <a:latin typeface="Arial"/>
+                <a:ea typeface="Arial"/>
+                <a:cs typeface="Arial"/>
+                <a:sym typeface="Arial"/>
+              </a:rPr>
+              <a:t>Sequences: tuple, list</a:t>
+            </a:r>
+            <a:endParaRPr dirty="0"/>
+          </a:p>
+          <a:p>
+            <a:pPr marL="285750" marR="0" lvl="0" indent="-285750" algn="l" rtl="0">
+              <a:lnSpc>
+                <a:spcPct val="90000"/>
+              </a:lnSpc>
+              <a:spcBef>
+                <a:spcPts val="600"/>
+              </a:spcBef>
+              <a:spcAft>
+                <a:spcPts val="0"/>
+              </a:spcAft>
+              <a:buClr>
+                <a:srgbClr val="FF0000"/>
+              </a:buClr>
+              <a:buSzPts val="2000"/>
+              <a:buFont typeface="Arial"/>
+              <a:buChar char="•"/>
+            </a:pPr>
+            <a:r>
+              <a:rPr lang="en-US" sz="2000" b="1" i="0" u="none" strike="noStrike" cap="none" dirty="0">
+                <a:solidFill>
+                  <a:srgbClr val="FF0000"/>
+                </a:solidFill>
+                <a:latin typeface="Arial"/>
+                <a:ea typeface="Arial"/>
+                <a:cs typeface="Arial"/>
+                <a:sym typeface="Arial"/>
+              </a:rPr>
+              <a:t>Dictionaries</a:t>
+            </a:r>
+            <a:endParaRPr sz="1600" b="1" i="0" u="none" strike="noStrike" cap="none" dirty="0">
+              <a:solidFill>
+                <a:srgbClr val="FF0000"/>
+              </a:solidFill>
+              <a:latin typeface="Arial"/>
+              <a:ea typeface="Arial"/>
+              <a:cs typeface="Arial"/>
+              <a:sym typeface="Arial"/>
+            </a:endParaRPr>
+          </a:p>
+          <a:p>
+            <a:pPr marL="285750" marR="0" lvl="0" indent="-285750" algn="l" rtl="0">
+              <a:lnSpc>
+                <a:spcPct val="90000"/>
+              </a:lnSpc>
+              <a:spcBef>
+                <a:spcPts val="600"/>
+              </a:spcBef>
+              <a:spcAft>
+                <a:spcPts val="0"/>
+              </a:spcAft>
+              <a:buClr>
+                <a:schemeClr val="dk1"/>
+              </a:buClr>
+              <a:buSzPts val="2000"/>
+              <a:buFont typeface="Arial"/>
+              <a:buChar char="•"/>
+            </a:pPr>
+            <a:r>
+              <a:rPr lang="en-US" sz="2000" b="1" i="0" u="none" strike="noStrike" cap="none" dirty="0">
+                <a:solidFill>
+                  <a:schemeClr val="dk1"/>
+                </a:solidFill>
+                <a:latin typeface="Arial"/>
+                <a:ea typeface="Arial"/>
+                <a:cs typeface="Arial"/>
+                <a:sym typeface="Arial"/>
+              </a:rPr>
+              <a:t>Data structures</a:t>
+            </a:r>
+            <a:endParaRPr dirty="0"/>
+          </a:p>
+          <a:p>
+            <a:pPr marL="285750" marR="0" lvl="0" indent="-285750" algn="l" rtl="0">
+              <a:lnSpc>
+                <a:spcPct val="90000"/>
+              </a:lnSpc>
+              <a:spcBef>
+                <a:spcPts val="600"/>
+              </a:spcBef>
+              <a:spcAft>
+                <a:spcPts val="0"/>
+              </a:spcAft>
+              <a:buClr>
+                <a:schemeClr val="dk1"/>
+              </a:buClr>
+              <a:buSzPts val="2000"/>
+              <a:buFont typeface="Arial"/>
+              <a:buChar char="•"/>
+            </a:pPr>
+            <a:r>
+              <a:rPr lang="en-US" sz="2000" b="1" i="0" u="none" strike="noStrike" cap="none" dirty="0">
+                <a:solidFill>
+                  <a:schemeClr val="dk1"/>
+                </a:solidFill>
+                <a:latin typeface="Arial"/>
+                <a:ea typeface="Arial"/>
+                <a:cs typeface="Arial"/>
+                <a:sym typeface="Arial"/>
+              </a:rPr>
+              <a:t>Tuple assignment</a:t>
+            </a:r>
+            <a:endParaRPr dirty="0"/>
+          </a:p>
+          <a:p>
+            <a:pPr marL="285750" marR="0" lvl="0" indent="-285750" algn="l" rtl="0">
+              <a:lnSpc>
+                <a:spcPct val="90000"/>
+              </a:lnSpc>
+              <a:spcBef>
+                <a:spcPts val="600"/>
+              </a:spcBef>
+              <a:spcAft>
+                <a:spcPts val="0"/>
+              </a:spcAft>
+              <a:buClr>
+                <a:schemeClr val="dk1"/>
+              </a:buClr>
+              <a:buSzPts val="2000"/>
+              <a:buFont typeface="Arial"/>
+              <a:buChar char="•"/>
+            </a:pPr>
+            <a:r>
+              <a:rPr lang="en-US" sz="2000" b="1" i="0" u="none" strike="noStrike" cap="none" dirty="0">
+                <a:solidFill>
+                  <a:schemeClr val="dk1"/>
+                </a:solidFill>
+                <a:latin typeface="Arial"/>
+                <a:ea typeface="Arial"/>
+                <a:cs typeface="Arial"/>
+                <a:sym typeface="Arial"/>
+              </a:rPr>
+              <a:t>Function Definition Statement</a:t>
+            </a:r>
+            <a:endParaRPr dirty="0"/>
+          </a:p>
+          <a:p>
+            <a:pPr marL="285750" marR="0" lvl="0" indent="-285750" algn="l" rtl="0">
+              <a:lnSpc>
+                <a:spcPct val="90000"/>
+              </a:lnSpc>
+              <a:spcBef>
+                <a:spcPts val="600"/>
+              </a:spcBef>
+              <a:spcAft>
+                <a:spcPts val="0"/>
+              </a:spcAft>
+              <a:buClr>
+                <a:schemeClr val="dk1"/>
+              </a:buClr>
+              <a:buSzPts val="2000"/>
+              <a:buFont typeface="Arial"/>
+              <a:buChar char="•"/>
+            </a:pPr>
+            <a:r>
+              <a:rPr lang="en-US" sz="2000" b="1" i="0" u="none" strike="noStrike" cap="none" dirty="0">
+                <a:solidFill>
+                  <a:schemeClr val="dk1"/>
+                </a:solidFill>
+                <a:latin typeface="Arial"/>
+                <a:ea typeface="Arial"/>
+                <a:cs typeface="Arial"/>
+                <a:sym typeface="Arial"/>
+              </a:rPr>
+              <a:t>Conditional Statement</a:t>
+            </a:r>
+            <a:endParaRPr dirty="0"/>
+          </a:p>
+          <a:p>
+            <a:pPr marL="285750" marR="0" lvl="0" indent="-285750" algn="l" rtl="0">
+              <a:lnSpc>
+                <a:spcPct val="90000"/>
+              </a:lnSpc>
+              <a:spcBef>
+                <a:spcPts val="600"/>
+              </a:spcBef>
+              <a:spcAft>
+                <a:spcPts val="0"/>
+              </a:spcAft>
+              <a:buClr>
+                <a:schemeClr val="dk1"/>
+              </a:buClr>
+              <a:buSzPts val="2000"/>
+              <a:buFont typeface="Arial"/>
+              <a:buChar char="•"/>
+            </a:pPr>
+            <a:r>
+              <a:rPr lang="en-US" sz="2000" b="1" i="0" u="none" strike="noStrike" cap="none" dirty="0">
+                <a:solidFill>
+                  <a:schemeClr val="dk1"/>
+                </a:solidFill>
+                <a:latin typeface="Arial"/>
+                <a:ea typeface="Arial"/>
+                <a:cs typeface="Arial"/>
+                <a:sym typeface="Arial"/>
+              </a:rPr>
+              <a:t>Iteration: list comp, for, while</a:t>
+            </a:r>
+            <a:endParaRPr dirty="0"/>
+          </a:p>
+          <a:p>
+            <a:pPr marL="285750" marR="0" lvl="0" indent="-285750" algn="l" rtl="0">
+              <a:lnSpc>
+                <a:spcPct val="90000"/>
+              </a:lnSpc>
+              <a:spcBef>
+                <a:spcPts val="600"/>
+              </a:spcBef>
+              <a:spcAft>
+                <a:spcPts val="0"/>
+              </a:spcAft>
+              <a:buClr>
+                <a:srgbClr val="FF0000"/>
+              </a:buClr>
+              <a:buSzPts val="2000"/>
+              <a:buFont typeface="Arial"/>
+              <a:buChar char="•"/>
+            </a:pPr>
+            <a:r>
+              <a:rPr lang="en-US" sz="2000" b="1" i="0" u="none" strike="noStrike" cap="none" dirty="0">
+                <a:solidFill>
+                  <a:srgbClr val="FF0000"/>
+                </a:solidFill>
+                <a:latin typeface="Arial"/>
+                <a:ea typeface="Arial"/>
+                <a:cs typeface="Arial"/>
+                <a:sym typeface="Arial"/>
+              </a:rPr>
+              <a:t>Lambda function expr</a:t>
+            </a:r>
+            <a:r>
+              <a:rPr lang="en-US" sz="2000" b="1" i="0" u="none" strike="noStrike" cap="none" dirty="0">
+                <a:solidFill>
+                  <a:schemeClr val="dk1"/>
+                </a:solidFill>
+                <a:latin typeface="Arial"/>
+                <a:ea typeface="Arial"/>
+                <a:cs typeface="Arial"/>
+                <a:sym typeface="Arial"/>
+              </a:rPr>
+              <a:t>.</a:t>
+            </a:r>
+            <a:endParaRPr sz="2800" b="1" i="0" u="none" strike="noStrike" cap="none" dirty="0">
+              <a:solidFill>
+                <a:schemeClr val="dk1"/>
+              </a:solidFill>
+              <a:latin typeface="Arial"/>
+              <a:ea typeface="Arial"/>
+              <a:cs typeface="Arial"/>
+              <a:sym typeface="Arial"/>
+            </a:endParaRPr>
+          </a:p>
+          <a:p>
+            <a:pPr marL="285750" marR="0" lvl="0" indent="-107950" algn="l" rtl="0">
+              <a:lnSpc>
+                <a:spcPct val="90000"/>
+              </a:lnSpc>
+              <a:spcBef>
+                <a:spcPts val="840"/>
+              </a:spcBef>
+              <a:spcAft>
+                <a:spcPts val="0"/>
+              </a:spcAft>
+              <a:buClr>
+                <a:schemeClr val="dk1"/>
+              </a:buClr>
+              <a:buSzPts val="2800"/>
+              <a:buFont typeface="Arial"/>
+              <a:buNone/>
+            </a:pPr>
+            <a:endParaRPr sz="2800" b="1" i="0" u="none" strike="noStrike" cap="none" dirty="0">
+              <a:solidFill>
+                <a:schemeClr val="dk1"/>
+              </a:solidFill>
+              <a:latin typeface="Arial"/>
+              <a:ea typeface="Arial"/>
+              <a:cs typeface="Arial"/>
+              <a:sym typeface="Arial"/>
+            </a:endParaRPr>
+          </a:p>
+        </p:txBody>
+      </p:sp>
+      <p:sp>
+        <p:nvSpPr>
+          <p:cNvPr id="100" name="Google Shape;100;p13"/>
+          <p:cNvSpPr txBox="1">
+            <a:spLocks noGrp="1"/>
+          </p:cNvSpPr>
+          <p:nvPr>
+            <p:ph type="body" idx="2"/>
+          </p:nvPr>
+        </p:nvSpPr>
+        <p:spPr>
+          <a:xfrm>
+            <a:off x="4572000" y="1066800"/>
+            <a:ext cx="3733800" cy="5257800"/>
+          </a:xfrm>
+          <a:prstGeom prst="rect">
+            <a:avLst/>
+          </a:prstGeom>
+          <a:noFill/>
+          <a:ln>
+            <a:noFill/>
+          </a:ln>
+        </p:spPr>
+        <p:txBody>
+          <a:bodyPr spcFirstLastPara="1" wrap="square" lIns="92075" tIns="46025" rIns="92075" bIns="46025" anchor="t" anchorCtr="0">
+            <a:noAutofit/>
+          </a:bodyPr>
+          <a:lstStyle/>
+          <a:p>
+            <a:pPr marL="285750" marR="0" lvl="0" indent="-285750" algn="l" rtl="0">
+              <a:lnSpc>
+                <a:spcPct val="90000"/>
+              </a:lnSpc>
+              <a:spcBef>
+                <a:spcPts val="0"/>
+              </a:spcBef>
+              <a:spcAft>
+                <a:spcPts val="0"/>
+              </a:spcAft>
+              <a:buClr>
+                <a:schemeClr val="dk1"/>
+              </a:buClr>
+              <a:buSzPts val="2000"/>
+              <a:buFont typeface="Arial"/>
+              <a:buChar char="•"/>
+            </a:pPr>
+            <a:r>
+              <a:rPr lang="en-US" sz="2000" b="1" i="0" u="none" strike="noStrike" cap="none" dirty="0">
+                <a:solidFill>
+                  <a:schemeClr val="dk1"/>
+                </a:solidFill>
+                <a:latin typeface="Arial"/>
+                <a:ea typeface="Arial"/>
+                <a:cs typeface="Arial"/>
+                <a:sym typeface="Arial"/>
+              </a:rPr>
+              <a:t>Higher Order Functions</a:t>
+            </a:r>
+            <a:endParaRPr dirty="0"/>
+          </a:p>
+          <a:p>
+            <a:pPr marL="685800" marR="0" lvl="1" indent="-228600" algn="l" rtl="0">
+              <a:lnSpc>
+                <a:spcPct val="90000"/>
+              </a:lnSpc>
+              <a:spcBef>
+                <a:spcPts val="480"/>
+              </a:spcBef>
+              <a:spcAft>
+                <a:spcPts val="0"/>
+              </a:spcAft>
+              <a:buClr>
+                <a:schemeClr val="dk1"/>
+              </a:buClr>
+              <a:buSzPts val="1600"/>
+              <a:buFont typeface="Arial"/>
+              <a:buChar char="–"/>
+            </a:pPr>
+            <a:r>
+              <a:rPr lang="en-US" sz="1600" b="1" i="0" u="none" strike="noStrike" cap="none" dirty="0">
+                <a:solidFill>
+                  <a:schemeClr val="dk1"/>
+                </a:solidFill>
+                <a:latin typeface="Arial"/>
+                <a:ea typeface="Arial"/>
+                <a:cs typeface="Arial"/>
+                <a:sym typeface="Arial"/>
+              </a:rPr>
+              <a:t>Functions as Values</a:t>
+            </a:r>
+            <a:endParaRPr dirty="0"/>
+          </a:p>
+          <a:p>
+            <a:pPr marL="685800" marR="0" lvl="1" indent="-228600" algn="l" rtl="0">
+              <a:lnSpc>
+                <a:spcPct val="90000"/>
+              </a:lnSpc>
+              <a:spcBef>
+                <a:spcPts val="480"/>
+              </a:spcBef>
+              <a:spcAft>
+                <a:spcPts val="0"/>
+              </a:spcAft>
+              <a:buClr>
+                <a:schemeClr val="dk1"/>
+              </a:buClr>
+              <a:buSzPts val="1600"/>
+              <a:buFont typeface="Arial"/>
+              <a:buChar char="–"/>
+            </a:pPr>
+            <a:r>
+              <a:rPr lang="en-US" sz="1600" b="1" i="0" u="none" strike="noStrike" cap="none" dirty="0">
+                <a:solidFill>
+                  <a:schemeClr val="dk1"/>
+                </a:solidFill>
+                <a:latin typeface="Arial"/>
+                <a:ea typeface="Arial"/>
+                <a:cs typeface="Arial"/>
+                <a:sym typeface="Arial"/>
+              </a:rPr>
+              <a:t>Functions with functions as argument</a:t>
+            </a:r>
+            <a:endParaRPr dirty="0"/>
+          </a:p>
+          <a:p>
+            <a:pPr marL="685800" marR="0" lvl="1" indent="-228600" algn="l" rtl="0">
+              <a:lnSpc>
+                <a:spcPct val="90000"/>
+              </a:lnSpc>
+              <a:spcBef>
+                <a:spcPts val="480"/>
+              </a:spcBef>
+              <a:spcAft>
+                <a:spcPts val="0"/>
+              </a:spcAft>
+              <a:buClr>
+                <a:schemeClr val="dk1"/>
+              </a:buClr>
+              <a:buSzPts val="1600"/>
+              <a:buFont typeface="Arial"/>
+              <a:buChar char="–"/>
+            </a:pPr>
+            <a:r>
+              <a:rPr lang="en-US" sz="1600" b="1" i="0" u="none" strike="noStrike" cap="none" dirty="0">
+                <a:solidFill>
+                  <a:schemeClr val="dk1"/>
+                </a:solidFill>
+                <a:latin typeface="Arial"/>
+                <a:ea typeface="Arial"/>
+                <a:cs typeface="Arial"/>
+                <a:sym typeface="Arial"/>
+              </a:rPr>
+              <a:t>Assignment of function values</a:t>
+            </a:r>
+            <a:endParaRPr dirty="0"/>
+          </a:p>
+          <a:p>
+            <a:pPr marL="285750" marR="0" lvl="0" indent="-285750" algn="l" rtl="0">
+              <a:lnSpc>
+                <a:spcPct val="90000"/>
+              </a:lnSpc>
+              <a:spcBef>
+                <a:spcPts val="600"/>
+              </a:spcBef>
+              <a:spcAft>
+                <a:spcPts val="0"/>
+              </a:spcAft>
+              <a:buClr>
+                <a:schemeClr val="dk1"/>
+              </a:buClr>
+              <a:buSzPts val="2000"/>
+              <a:buFont typeface="Arial"/>
+              <a:buChar char="•"/>
+            </a:pPr>
+            <a:r>
+              <a:rPr lang="en-US" sz="2000" b="1" i="0" u="none" strike="noStrike" cap="none" dirty="0">
+                <a:solidFill>
+                  <a:schemeClr val="dk1"/>
+                </a:solidFill>
+                <a:latin typeface="Arial"/>
+                <a:ea typeface="Arial"/>
+                <a:cs typeface="Arial"/>
+                <a:sym typeface="Arial"/>
+              </a:rPr>
+              <a:t>Higher order function patterns</a:t>
+            </a:r>
+            <a:endParaRPr dirty="0"/>
+          </a:p>
+          <a:p>
+            <a:pPr marL="685800" marR="0" lvl="1" indent="-228600" algn="l" rtl="0">
+              <a:lnSpc>
+                <a:spcPct val="90000"/>
+              </a:lnSpc>
+              <a:spcBef>
+                <a:spcPts val="600"/>
+              </a:spcBef>
+              <a:spcAft>
+                <a:spcPts val="0"/>
+              </a:spcAft>
+              <a:buClr>
+                <a:schemeClr val="dk1"/>
+              </a:buClr>
+              <a:buSzPts val="2000"/>
+              <a:buFont typeface="Arial"/>
+              <a:buChar char="–"/>
+            </a:pPr>
+            <a:r>
+              <a:rPr lang="en-US" sz="2000" b="1" i="0" u="none" strike="noStrike" cap="none" dirty="0">
+                <a:solidFill>
+                  <a:schemeClr val="dk1"/>
+                </a:solidFill>
+                <a:latin typeface="Arial"/>
+                <a:ea typeface="Arial"/>
+                <a:cs typeface="Arial"/>
+                <a:sym typeface="Arial"/>
+              </a:rPr>
+              <a:t>Map, Filter, Reduce</a:t>
+            </a:r>
+            <a:endParaRPr dirty="0"/>
+          </a:p>
+          <a:p>
+            <a:pPr marL="285750" marR="0" lvl="0" indent="-285750" algn="l" rtl="0">
+              <a:lnSpc>
+                <a:spcPct val="90000"/>
+              </a:lnSpc>
+              <a:spcBef>
+                <a:spcPts val="600"/>
+              </a:spcBef>
+              <a:spcAft>
+                <a:spcPts val="0"/>
+              </a:spcAft>
+              <a:buClr>
+                <a:schemeClr val="dk1"/>
+              </a:buClr>
+              <a:buSzPts val="2000"/>
+              <a:buFont typeface="Arial"/>
+              <a:buChar char="•"/>
+            </a:pPr>
+            <a:r>
+              <a:rPr lang="en-US" sz="2000" b="1" i="0" u="none" strike="noStrike" cap="none" dirty="0">
+                <a:solidFill>
+                  <a:schemeClr val="dk1"/>
+                </a:solidFill>
+                <a:latin typeface="Arial"/>
+                <a:ea typeface="Arial"/>
+                <a:cs typeface="Arial"/>
+                <a:sym typeface="Arial"/>
+              </a:rPr>
+              <a:t>Function factories – create and return functions</a:t>
+            </a:r>
+            <a:endParaRPr dirty="0"/>
+          </a:p>
+          <a:p>
+            <a:pPr marL="285750" marR="0" lvl="0" indent="-285750" algn="l" rtl="0">
+              <a:lnSpc>
+                <a:spcPct val="90000"/>
+              </a:lnSpc>
+              <a:spcBef>
+                <a:spcPts val="600"/>
+              </a:spcBef>
+              <a:spcAft>
+                <a:spcPts val="0"/>
+              </a:spcAft>
+              <a:buClr>
+                <a:schemeClr val="dk1"/>
+              </a:buClr>
+              <a:buSzPts val="2000"/>
+              <a:buFont typeface="Arial"/>
+              <a:buChar char="•"/>
+            </a:pPr>
+            <a:r>
+              <a:rPr lang="en-US" sz="2000" b="1" i="0" u="none" strike="noStrike" cap="none" dirty="0">
+                <a:solidFill>
+                  <a:schemeClr val="dk1"/>
+                </a:solidFill>
+                <a:latin typeface="Arial"/>
+                <a:ea typeface="Arial"/>
+                <a:cs typeface="Arial"/>
+                <a:sym typeface="Arial"/>
+              </a:rPr>
+              <a:t>Recursion</a:t>
+            </a:r>
+            <a:endParaRPr dirty="0"/>
+          </a:p>
+          <a:p>
+            <a:pPr marL="685800" marR="0" lvl="1" indent="-228600" algn="l" rtl="0">
+              <a:lnSpc>
+                <a:spcPct val="90000"/>
+              </a:lnSpc>
+              <a:spcBef>
+                <a:spcPts val="600"/>
+              </a:spcBef>
+              <a:spcAft>
+                <a:spcPts val="0"/>
+              </a:spcAft>
+              <a:buClr>
+                <a:schemeClr val="dk1"/>
+              </a:buClr>
+              <a:buSzPts val="2000"/>
+              <a:buFont typeface="Arial"/>
+              <a:buChar char="–"/>
+            </a:pPr>
+            <a:r>
+              <a:rPr lang="en-US" sz="2000" b="1" i="0" u="none" strike="noStrike" cap="none" dirty="0">
+                <a:solidFill>
+                  <a:schemeClr val="dk1"/>
+                </a:solidFill>
+                <a:latin typeface="Arial"/>
+                <a:ea typeface="Arial"/>
+                <a:cs typeface="Arial"/>
+                <a:sym typeface="Arial"/>
+              </a:rPr>
+              <a:t>Linear, Tail, Tree</a:t>
+            </a:r>
+            <a:endParaRPr dirty="0"/>
+          </a:p>
+          <a:p>
+            <a:pPr marL="285750" marR="0" lvl="0" indent="-285750" algn="l" rtl="0">
+              <a:lnSpc>
+                <a:spcPct val="90000"/>
+              </a:lnSpc>
+              <a:spcBef>
+                <a:spcPts val="840"/>
+              </a:spcBef>
+              <a:spcAft>
+                <a:spcPts val="0"/>
+              </a:spcAft>
+              <a:buClr>
+                <a:schemeClr val="dk1"/>
+              </a:buClr>
+              <a:buSzPts val="2800"/>
+              <a:buFont typeface="Arial"/>
+              <a:buChar char="•"/>
+            </a:pPr>
+            <a:r>
+              <a:rPr lang="en-US" sz="2800" b="1" i="0" u="none" strike="noStrike" cap="none" dirty="0">
+                <a:solidFill>
+                  <a:schemeClr val="dk1"/>
+                </a:solidFill>
+                <a:latin typeface="Arial"/>
+                <a:ea typeface="Arial"/>
+                <a:cs typeface="Arial"/>
+                <a:sym typeface="Arial"/>
+              </a:rPr>
+              <a:t>Abstract Data Types</a:t>
+            </a:r>
+            <a:r>
+              <a:rPr lang="en-US" sz="2000" dirty="0"/>
+              <a:t>: </a:t>
+            </a:r>
+            <a:r>
+              <a:rPr lang="en-US" sz="2000" dirty="0">
+                <a:solidFill>
+                  <a:srgbClr val="FF0000"/>
+                </a:solidFill>
+              </a:rPr>
+              <a:t>Mutability</a:t>
+            </a:r>
+            <a:endParaRPr dirty="0">
+              <a:solidFill>
+                <a:srgbClr val="FF0000"/>
+              </a:solidFill>
+            </a:endParaRPr>
+          </a:p>
+        </p:txBody>
+      </p:sp>
+      <p:sp>
+        <p:nvSpPr>
+          <p:cNvPr id="101" name="Google Shape;101;p13"/>
           <p:cNvSpPr txBox="1">
             <a:spLocks noGrp="1"/>
           </p:cNvSpPr>
@@ -32654,1068 +30269,25 @@
                 <a:cs typeface="Helvetica Neue"/>
                 <a:sym typeface="Helvetica Neue"/>
               </a:rPr>
-              <a:t>UCB CS88 Fa19 L08</a:t>
+              <a:t>UCB CS88 </a:t>
+            </a:r>
+            <a:r>
+              <a:rPr lang="en-US" dirty="0"/>
+              <a:t>Fa19</a:t>
+            </a:r>
+            <a:r>
+              <a:rPr lang="en-US" sz="1200" b="1" i="0" u="none" strike="noStrike" cap="none" dirty="0">
+                <a:solidFill>
+                  <a:srgbClr val="114FFB"/>
+                </a:solidFill>
+                <a:latin typeface="Helvetica Neue"/>
+                <a:ea typeface="Helvetica Neue"/>
+                <a:cs typeface="Helvetica Neue"/>
+                <a:sym typeface="Helvetica Neue"/>
+              </a:rPr>
+              <a:t> L08</a:t>
             </a:r>
             <a:endParaRPr dirty="0"/>
-          </a:p>
-        </p:txBody>
-      </p:sp>
-      <p:sp>
-        <p:nvSpPr>
-          <p:cNvPr id="108" name="Google Shape;108;p14"/>
-          <p:cNvSpPr txBox="1"/>
-          <p:nvPr/>
-        </p:nvSpPr>
-        <p:spPr>
-          <a:xfrm>
-            <a:off x="1524000" y="1352729"/>
-            <a:ext cx="1849785" cy="584776"/>
-          </a:xfrm>
-          <a:prstGeom prst="rect">
-            <a:avLst/>
-          </a:prstGeom>
-          <a:noFill/>
-          <a:ln>
-            <a:noFill/>
-          </a:ln>
-        </p:spPr>
-        <p:txBody>
-          <a:bodyPr spcFirstLastPara="1" wrap="square" lIns="91425" tIns="45700" rIns="91425" bIns="45700" anchor="t" anchorCtr="0">
-            <a:noAutofit/>
-          </a:bodyPr>
-          <a:lstStyle/>
-          <a:p>
-            <a:pPr marL="0" marR="0" lvl="0" indent="0" algn="l" rtl="0">
-              <a:spcBef>
-                <a:spcPts val="0"/>
-              </a:spcBef>
-              <a:spcAft>
-                <a:spcPts val="0"/>
-              </a:spcAft>
-              <a:buNone/>
-            </a:pPr>
-            <a:r>
-              <a:rPr lang="en-US" sz="3200" b="1" i="0" u="none" strike="noStrike" cap="none">
-                <a:solidFill>
-                  <a:srgbClr val="0000FF"/>
-                </a:solidFill>
-                <a:latin typeface="Arial"/>
-                <a:ea typeface="Arial"/>
-                <a:cs typeface="Arial"/>
-                <a:sym typeface="Arial"/>
-              </a:rPr>
-              <a:t>C</a:t>
-            </a:r>
-            <a:r>
-              <a:rPr lang="en-US" sz="3200" b="0" i="0" u="none" strike="noStrike" cap="none">
-                <a:solidFill>
-                  <a:schemeClr val="dk1"/>
-                </a:solidFill>
-                <a:latin typeface="Arial"/>
-                <a:ea typeface="Arial"/>
-                <a:cs typeface="Arial"/>
-                <a:sym typeface="Arial"/>
-              </a:rPr>
-              <a:t>ompute</a:t>
-            </a:r>
-            <a:endParaRPr/>
-          </a:p>
-        </p:txBody>
-      </p:sp>
-      <p:sp>
-        <p:nvSpPr>
-          <p:cNvPr id="109" name="Google Shape;109;p14"/>
-          <p:cNvSpPr txBox="1"/>
-          <p:nvPr/>
-        </p:nvSpPr>
-        <p:spPr>
-          <a:xfrm>
-            <a:off x="1524000" y="2343329"/>
-            <a:ext cx="2192026" cy="584776"/>
-          </a:xfrm>
-          <a:prstGeom prst="rect">
-            <a:avLst/>
-          </a:prstGeom>
-          <a:noFill/>
-          <a:ln>
-            <a:noFill/>
-          </a:ln>
-        </p:spPr>
-        <p:txBody>
-          <a:bodyPr spcFirstLastPara="1" wrap="square" lIns="91425" tIns="45700" rIns="91425" bIns="45700" anchor="t" anchorCtr="0">
-            <a:noAutofit/>
-          </a:bodyPr>
-          <a:lstStyle/>
-          <a:p>
-            <a:pPr marL="0" marR="0" lvl="0" indent="0" algn="l" rtl="0">
-              <a:spcBef>
-                <a:spcPts val="0"/>
-              </a:spcBef>
-              <a:spcAft>
-                <a:spcPts val="0"/>
-              </a:spcAft>
-              <a:buNone/>
-            </a:pPr>
-            <a:r>
-              <a:rPr lang="en-US" sz="3200" b="1">
-                <a:solidFill>
-                  <a:srgbClr val="0000FF"/>
-                </a:solidFill>
-                <a:latin typeface="Arial"/>
-                <a:ea typeface="Arial"/>
-                <a:cs typeface="Arial"/>
-                <a:sym typeface="Arial"/>
-              </a:rPr>
-              <a:t>O</a:t>
-            </a:r>
-            <a:r>
-              <a:rPr lang="en-US" sz="3200">
-                <a:solidFill>
-                  <a:schemeClr val="dk1"/>
-                </a:solidFill>
-                <a:latin typeface="Arial"/>
-                <a:ea typeface="Arial"/>
-                <a:cs typeface="Arial"/>
-                <a:sym typeface="Arial"/>
-              </a:rPr>
-              <a:t>perations</a:t>
-            </a:r>
-            <a:endParaRPr/>
-          </a:p>
-        </p:txBody>
-      </p:sp>
-      <p:sp>
-        <p:nvSpPr>
-          <p:cNvPr id="110" name="Google Shape;110;p14"/>
-          <p:cNvSpPr txBox="1"/>
-          <p:nvPr/>
-        </p:nvSpPr>
-        <p:spPr>
-          <a:xfrm>
-            <a:off x="1524000" y="3511153"/>
-            <a:ext cx="2967880" cy="584776"/>
-          </a:xfrm>
-          <a:prstGeom prst="rect">
-            <a:avLst/>
-          </a:prstGeom>
-          <a:noFill/>
-          <a:ln>
-            <a:noFill/>
-          </a:ln>
-        </p:spPr>
-        <p:txBody>
-          <a:bodyPr spcFirstLastPara="1" wrap="square" lIns="91425" tIns="45700" rIns="91425" bIns="45700" anchor="t" anchorCtr="0">
-            <a:noAutofit/>
-          </a:bodyPr>
-          <a:lstStyle/>
-          <a:p>
-            <a:pPr marL="0" marR="0" lvl="0" indent="0" algn="l" rtl="0">
-              <a:spcBef>
-                <a:spcPts val="0"/>
-              </a:spcBef>
-              <a:spcAft>
-                <a:spcPts val="0"/>
-              </a:spcAft>
-              <a:buNone/>
-            </a:pPr>
-            <a:r>
-              <a:rPr lang="en-US" sz="3200" b="1">
-                <a:solidFill>
-                  <a:srgbClr val="0000FF"/>
-                </a:solidFill>
-                <a:latin typeface="Arial"/>
-                <a:ea typeface="Arial"/>
-                <a:cs typeface="Arial"/>
-                <a:sym typeface="Arial"/>
-              </a:rPr>
-              <a:t>R</a:t>
-            </a:r>
-            <a:r>
-              <a:rPr lang="en-US" sz="3200">
-                <a:solidFill>
-                  <a:schemeClr val="dk1"/>
-                </a:solidFill>
-                <a:latin typeface="Arial"/>
-                <a:ea typeface="Arial"/>
-                <a:cs typeface="Arial"/>
-                <a:sym typeface="Arial"/>
-              </a:rPr>
-              <a:t>epresentation</a:t>
-            </a:r>
-            <a:endParaRPr/>
-          </a:p>
-        </p:txBody>
-      </p:sp>
-      <p:sp>
-        <p:nvSpPr>
-          <p:cNvPr id="111" name="Google Shape;111;p14"/>
-          <p:cNvSpPr txBox="1"/>
-          <p:nvPr/>
-        </p:nvSpPr>
-        <p:spPr>
-          <a:xfrm>
-            <a:off x="1524000" y="4654153"/>
-            <a:ext cx="2101056" cy="584776"/>
-          </a:xfrm>
-          <a:prstGeom prst="rect">
-            <a:avLst/>
-          </a:prstGeom>
-          <a:noFill/>
-          <a:ln>
-            <a:noFill/>
-          </a:ln>
-        </p:spPr>
-        <p:txBody>
-          <a:bodyPr spcFirstLastPara="1" wrap="square" lIns="91425" tIns="45700" rIns="91425" bIns="45700" anchor="t" anchorCtr="0">
-            <a:noAutofit/>
-          </a:bodyPr>
-          <a:lstStyle/>
-          <a:p>
-            <a:pPr marL="0" marR="0" lvl="0" indent="0" algn="l" rtl="0">
-              <a:spcBef>
-                <a:spcPts val="0"/>
-              </a:spcBef>
-              <a:spcAft>
-                <a:spcPts val="0"/>
-              </a:spcAft>
-              <a:buNone/>
-            </a:pPr>
-            <a:r>
-              <a:rPr lang="en-US" sz="3200" b="1">
-                <a:solidFill>
-                  <a:srgbClr val="0000FF"/>
-                </a:solidFill>
-                <a:latin typeface="Arial"/>
-                <a:ea typeface="Arial"/>
-                <a:cs typeface="Arial"/>
-                <a:sym typeface="Arial"/>
-              </a:rPr>
-              <a:t>E</a:t>
-            </a:r>
-            <a:r>
-              <a:rPr lang="en-US" sz="3200">
-                <a:solidFill>
-                  <a:schemeClr val="dk1"/>
-                </a:solidFill>
-                <a:latin typeface="Arial"/>
-                <a:ea typeface="Arial"/>
-                <a:cs typeface="Arial"/>
-                <a:sym typeface="Arial"/>
-              </a:rPr>
-              <a:t>valuation</a:t>
-            </a:r>
-            <a:endParaRPr/>
-          </a:p>
-        </p:txBody>
-      </p:sp>
-      <p:sp>
-        <p:nvSpPr>
-          <p:cNvPr id="112" name="Google Shape;112;p14"/>
-          <p:cNvSpPr txBox="1"/>
-          <p:nvPr/>
-        </p:nvSpPr>
-        <p:spPr>
-          <a:xfrm>
-            <a:off x="4876800" y="990600"/>
-            <a:ext cx="3657600" cy="1200329"/>
-          </a:xfrm>
-          <a:prstGeom prst="rect">
-            <a:avLst/>
-          </a:prstGeom>
-          <a:noFill/>
-          <a:ln>
-            <a:noFill/>
-          </a:ln>
-        </p:spPr>
-        <p:txBody>
-          <a:bodyPr spcFirstLastPara="1" wrap="square" lIns="91425" tIns="45700" rIns="91425" bIns="45700" anchor="t" anchorCtr="0">
-            <a:noAutofit/>
-          </a:bodyPr>
-          <a:lstStyle/>
-          <a:p>
-            <a:pPr marL="0" marR="0" lvl="0" indent="0" algn="l" rtl="0">
-              <a:spcBef>
-                <a:spcPts val="0"/>
-              </a:spcBef>
-              <a:spcAft>
-                <a:spcPts val="0"/>
-              </a:spcAft>
-              <a:buNone/>
-            </a:pPr>
-            <a:r>
-              <a:rPr lang="en-US" sz="1800">
-                <a:solidFill>
-                  <a:schemeClr val="dk1"/>
-                </a:solidFill>
-                <a:latin typeface="Arial"/>
-                <a:ea typeface="Arial"/>
-                <a:cs typeface="Arial"/>
-                <a:sym typeface="Arial"/>
-              </a:rPr>
-              <a:t>Perform useful computations treating objects abstractly as whole values and operating on them.</a:t>
-            </a:r>
-            <a:endParaRPr/>
-          </a:p>
-        </p:txBody>
-      </p:sp>
-      <p:sp>
-        <p:nvSpPr>
-          <p:cNvPr id="113" name="Google Shape;113;p14"/>
-          <p:cNvSpPr txBox="1"/>
-          <p:nvPr/>
-        </p:nvSpPr>
-        <p:spPr>
-          <a:xfrm>
-            <a:off x="4876800" y="2286000"/>
-            <a:ext cx="3505200" cy="1200329"/>
-          </a:xfrm>
-          <a:prstGeom prst="rect">
-            <a:avLst/>
-          </a:prstGeom>
-          <a:noFill/>
-          <a:ln>
-            <a:noFill/>
-          </a:ln>
-        </p:spPr>
-        <p:txBody>
-          <a:bodyPr spcFirstLastPara="1" wrap="square" lIns="91425" tIns="45700" rIns="91425" bIns="45700" anchor="t" anchorCtr="0">
-            <a:noAutofit/>
-          </a:bodyPr>
-          <a:lstStyle/>
-          <a:p>
-            <a:pPr marL="0" marR="0" lvl="0" indent="0" algn="l" rtl="0">
-              <a:spcBef>
-                <a:spcPts val="0"/>
-              </a:spcBef>
-              <a:spcAft>
-                <a:spcPts val="0"/>
-              </a:spcAft>
-              <a:buNone/>
-            </a:pPr>
-            <a:r>
-              <a:rPr lang="en-US" sz="1800">
-                <a:solidFill>
-                  <a:schemeClr val="dk1"/>
-                </a:solidFill>
-                <a:latin typeface="Arial"/>
-                <a:ea typeface="Arial"/>
-                <a:cs typeface="Arial"/>
-                <a:sym typeface="Arial"/>
-              </a:rPr>
-              <a:t>Provide operations on the abstract components that allow ease of use – independent of concrete representation.</a:t>
-            </a:r>
-            <a:endParaRPr/>
-          </a:p>
-        </p:txBody>
-      </p:sp>
-      <p:sp>
-        <p:nvSpPr>
-          <p:cNvPr id="114" name="Google Shape;114;p14"/>
-          <p:cNvSpPr txBox="1"/>
-          <p:nvPr/>
-        </p:nvSpPr>
-        <p:spPr>
-          <a:xfrm>
-            <a:off x="4876800" y="3553599"/>
-            <a:ext cx="3505200" cy="923330"/>
-          </a:xfrm>
-          <a:prstGeom prst="rect">
-            <a:avLst/>
-          </a:prstGeom>
-          <a:noFill/>
-          <a:ln>
-            <a:noFill/>
-          </a:ln>
-        </p:spPr>
-        <p:txBody>
-          <a:bodyPr spcFirstLastPara="1" wrap="square" lIns="91425" tIns="45700" rIns="91425" bIns="45700" anchor="t" anchorCtr="0">
-            <a:noAutofit/>
-          </a:bodyPr>
-          <a:lstStyle/>
-          <a:p>
-            <a:pPr marL="0" marR="0" lvl="0" indent="0" algn="l" rtl="0">
-              <a:spcBef>
-                <a:spcPts val="0"/>
-              </a:spcBef>
-              <a:spcAft>
-                <a:spcPts val="0"/>
-              </a:spcAft>
-              <a:buNone/>
-            </a:pPr>
-            <a:r>
-              <a:rPr lang="en-US" sz="1800">
-                <a:solidFill>
-                  <a:schemeClr val="dk1"/>
-                </a:solidFill>
-                <a:latin typeface="Arial"/>
-                <a:ea typeface="Arial"/>
-                <a:cs typeface="Arial"/>
-                <a:sym typeface="Arial"/>
-              </a:rPr>
-              <a:t>Constructors and selectors that provide an abstract interface to a concrete representation</a:t>
-            </a:r>
-            <a:endParaRPr/>
-          </a:p>
-        </p:txBody>
-      </p:sp>
-      <p:sp>
-        <p:nvSpPr>
-          <p:cNvPr id="115" name="Google Shape;115;p14"/>
-          <p:cNvSpPr txBox="1"/>
-          <p:nvPr/>
-        </p:nvSpPr>
-        <p:spPr>
-          <a:xfrm>
-            <a:off x="4876800" y="4592598"/>
-            <a:ext cx="3505200" cy="646331"/>
-          </a:xfrm>
-          <a:prstGeom prst="rect">
-            <a:avLst/>
-          </a:prstGeom>
-          <a:noFill/>
-          <a:ln>
-            <a:noFill/>
-          </a:ln>
-        </p:spPr>
-        <p:txBody>
-          <a:bodyPr spcFirstLastPara="1" wrap="square" lIns="91425" tIns="45700" rIns="91425" bIns="45700" anchor="t" anchorCtr="0">
-            <a:noAutofit/>
-          </a:bodyPr>
-          <a:lstStyle/>
-          <a:p>
-            <a:pPr marL="0" marR="0" lvl="0" indent="0" algn="l" rtl="0">
-              <a:spcBef>
-                <a:spcPts val="0"/>
-              </a:spcBef>
-              <a:spcAft>
-                <a:spcPts val="0"/>
-              </a:spcAft>
-              <a:buNone/>
-            </a:pPr>
-            <a:r>
-              <a:rPr lang="en-US" sz="1800">
-                <a:solidFill>
-                  <a:schemeClr val="dk1"/>
-                </a:solidFill>
-                <a:latin typeface="Arial"/>
-                <a:ea typeface="Arial"/>
-                <a:cs typeface="Arial"/>
-                <a:sym typeface="Arial"/>
-              </a:rPr>
-              <a:t>Execution on a computing machine</a:t>
-            </a:r>
-            <a:endParaRPr/>
-          </a:p>
-        </p:txBody>
-      </p:sp>
-      <p:cxnSp>
-        <p:nvCxnSpPr>
-          <p:cNvPr id="116" name="Google Shape;116;p14"/>
-          <p:cNvCxnSpPr/>
-          <p:nvPr/>
-        </p:nvCxnSpPr>
-        <p:spPr>
-          <a:xfrm>
-            <a:off x="1600200" y="2267129"/>
-            <a:ext cx="6553200" cy="0"/>
-          </a:xfrm>
-          <a:prstGeom prst="straightConnector1">
-            <a:avLst/>
-          </a:prstGeom>
-          <a:solidFill>
-            <a:schemeClr val="accent1"/>
-          </a:solidFill>
-          <a:ln w="28575" cap="flat" cmpd="sng">
-            <a:solidFill>
-              <a:srgbClr val="618FFD"/>
-            </a:solidFill>
-            <a:prstDash val="solid"/>
-            <a:round/>
-            <a:headEnd type="none" w="sm" len="sm"/>
-            <a:tailEnd type="none" w="sm" len="sm"/>
-          </a:ln>
-        </p:spPr>
-      </p:cxnSp>
-      <p:cxnSp>
-        <p:nvCxnSpPr>
-          <p:cNvPr id="117" name="Google Shape;117;p14"/>
-          <p:cNvCxnSpPr/>
-          <p:nvPr/>
-        </p:nvCxnSpPr>
-        <p:spPr>
-          <a:xfrm>
-            <a:off x="1447800" y="3511153"/>
-            <a:ext cx="6553200" cy="0"/>
-          </a:xfrm>
-          <a:prstGeom prst="straightConnector1">
-            <a:avLst/>
-          </a:prstGeom>
-          <a:solidFill>
-            <a:schemeClr val="accent1"/>
-          </a:solidFill>
-          <a:ln w="28575" cap="flat" cmpd="sng">
-            <a:solidFill>
-              <a:srgbClr val="618FFD"/>
-            </a:solidFill>
-            <a:prstDash val="dash"/>
-            <a:round/>
-            <a:headEnd type="none" w="sm" len="sm"/>
-            <a:tailEnd type="none" w="sm" len="sm"/>
-          </a:ln>
-        </p:spPr>
-      </p:cxnSp>
-      <p:cxnSp>
-        <p:nvCxnSpPr>
-          <p:cNvPr id="118" name="Google Shape;118;p14"/>
-          <p:cNvCxnSpPr/>
-          <p:nvPr/>
-        </p:nvCxnSpPr>
-        <p:spPr>
-          <a:xfrm>
-            <a:off x="1676400" y="4577953"/>
-            <a:ext cx="6553200" cy="0"/>
-          </a:xfrm>
-          <a:prstGeom prst="straightConnector1">
-            <a:avLst/>
-          </a:prstGeom>
-          <a:solidFill>
-            <a:schemeClr val="accent1"/>
-          </a:solidFill>
-          <a:ln w="38100" cap="flat" cmpd="sng">
-            <a:solidFill>
-              <a:srgbClr val="000000"/>
-            </a:solidFill>
-            <a:prstDash val="solid"/>
-            <a:round/>
-            <a:headEnd type="none" w="sm" len="sm"/>
-            <a:tailEnd type="none" w="sm" len="sm"/>
-          </a:ln>
-        </p:spPr>
-      </p:cxnSp>
-      <p:sp>
-        <p:nvSpPr>
-          <p:cNvPr id="119" name="Google Shape;119;p14"/>
-          <p:cNvSpPr/>
-          <p:nvPr/>
-        </p:nvSpPr>
-        <p:spPr>
-          <a:xfrm>
-            <a:off x="990600" y="2267129"/>
-            <a:ext cx="533400" cy="2286000"/>
-          </a:xfrm>
-          <a:prstGeom prst="leftBrace">
-            <a:avLst>
-              <a:gd name="adj1" fmla="val 8333"/>
-              <a:gd name="adj2" fmla="val 50000"/>
-            </a:avLst>
-          </a:prstGeom>
-          <a:noFill/>
-          <a:ln w="12700" cap="flat" cmpd="sng">
-            <a:solidFill>
-              <a:schemeClr val="dk1"/>
-            </a:solidFill>
-            <a:prstDash val="solid"/>
-            <a:round/>
-            <a:headEnd type="none" w="sm" len="sm"/>
-            <a:tailEnd type="none" w="sm" len="sm"/>
-          </a:ln>
-        </p:spPr>
-        <p:txBody>
-          <a:bodyPr spcFirstLastPara="1" wrap="square" lIns="91425" tIns="45700" rIns="91425" bIns="45700" anchor="t" anchorCtr="0">
-            <a:noAutofit/>
-          </a:bodyPr>
-          <a:lstStyle/>
-          <a:p>
-            <a:pPr marL="0" marR="0" lvl="0" indent="0" algn="l" rtl="0">
-              <a:lnSpc>
-                <a:spcPct val="100000"/>
-              </a:lnSpc>
-              <a:spcBef>
-                <a:spcPts val="0"/>
-              </a:spcBef>
-              <a:spcAft>
-                <a:spcPts val="0"/>
-              </a:spcAft>
-              <a:buClr>
-                <a:schemeClr val="dk1"/>
-              </a:buClr>
-              <a:buSzPts val="1800"/>
-              <a:buFont typeface="Arial"/>
-              <a:buNone/>
-            </a:pPr>
-            <a:endParaRPr sz="1800" b="0" i="0" u="none" strike="noStrike" cap="none">
-              <a:solidFill>
-                <a:schemeClr val="dk1"/>
-              </a:solidFill>
-              <a:latin typeface="Arial"/>
-              <a:ea typeface="Arial"/>
-              <a:cs typeface="Arial"/>
-              <a:sym typeface="Arial"/>
-            </a:endParaRPr>
-          </a:p>
-        </p:txBody>
-      </p:sp>
-      <p:sp>
-        <p:nvSpPr>
-          <p:cNvPr id="120" name="Google Shape;120;p14"/>
-          <p:cNvSpPr txBox="1"/>
-          <p:nvPr/>
-        </p:nvSpPr>
-        <p:spPr>
-          <a:xfrm rot="-5400000">
-            <a:off x="-792784" y="3212313"/>
-            <a:ext cx="2809233" cy="461665"/>
-          </a:xfrm>
-          <a:prstGeom prst="rect">
-            <a:avLst/>
-          </a:prstGeom>
-          <a:noFill/>
-          <a:ln>
-            <a:noFill/>
-          </a:ln>
-        </p:spPr>
-        <p:txBody>
-          <a:bodyPr spcFirstLastPara="1" wrap="square" lIns="91425" tIns="45700" rIns="91425" bIns="45700" anchor="t" anchorCtr="0">
-            <a:noAutofit/>
-          </a:bodyPr>
-          <a:lstStyle/>
-          <a:p>
-            <a:pPr marL="0" marR="0" lvl="0" indent="0" algn="l" rtl="0">
-              <a:spcBef>
-                <a:spcPts val="0"/>
-              </a:spcBef>
-              <a:spcAft>
-                <a:spcPts val="0"/>
-              </a:spcAft>
-              <a:buNone/>
-            </a:pPr>
-            <a:r>
-              <a:rPr lang="en-US" sz="2400">
-                <a:solidFill>
-                  <a:srgbClr val="0000FF"/>
-                </a:solidFill>
-                <a:latin typeface="Arial"/>
-                <a:ea typeface="Arial"/>
-                <a:cs typeface="Arial"/>
-                <a:sym typeface="Arial"/>
-              </a:rPr>
-              <a:t>Abstract Data Type</a:t>
-            </a:r>
-            <a:endParaRPr/>
-          </a:p>
-        </p:txBody>
-      </p:sp>
-      <p:sp>
-        <p:nvSpPr>
-          <p:cNvPr id="121" name="Google Shape;121;p14"/>
-          <p:cNvSpPr txBox="1"/>
-          <p:nvPr/>
-        </p:nvSpPr>
-        <p:spPr>
-          <a:xfrm>
-            <a:off x="152400" y="5619929"/>
-            <a:ext cx="2749471" cy="461665"/>
-          </a:xfrm>
-          <a:prstGeom prst="rect">
-            <a:avLst/>
-          </a:prstGeom>
-          <a:noFill/>
-          <a:ln>
-            <a:noFill/>
-          </a:ln>
-        </p:spPr>
-        <p:txBody>
-          <a:bodyPr spcFirstLastPara="1" wrap="square" lIns="91425" tIns="45700" rIns="91425" bIns="45700" anchor="t" anchorCtr="0">
-            <a:noAutofit/>
-          </a:bodyPr>
-          <a:lstStyle/>
-          <a:p>
-            <a:pPr marL="0" marR="0" lvl="0" indent="0" algn="l" rtl="0">
-              <a:spcBef>
-                <a:spcPts val="0"/>
-              </a:spcBef>
-              <a:spcAft>
-                <a:spcPts val="0"/>
-              </a:spcAft>
-              <a:buNone/>
-            </a:pPr>
-            <a:r>
-              <a:rPr lang="en-US" sz="2400">
-                <a:solidFill>
-                  <a:srgbClr val="0000FF"/>
-                </a:solidFill>
-                <a:latin typeface="Arial"/>
-                <a:ea typeface="Arial"/>
-                <a:cs typeface="Arial"/>
-                <a:sym typeface="Arial"/>
-              </a:rPr>
-              <a:t>Abstraction Barrier</a:t>
-            </a:r>
-            <a:endParaRPr/>
-          </a:p>
-        </p:txBody>
-      </p:sp>
-      <p:cxnSp>
-        <p:nvCxnSpPr>
-          <p:cNvPr id="122" name="Google Shape;122;p14"/>
-          <p:cNvCxnSpPr/>
-          <p:nvPr/>
-        </p:nvCxnSpPr>
-        <p:spPr>
-          <a:xfrm flipH="1">
-            <a:off x="609600" y="3486329"/>
-            <a:ext cx="1066800" cy="2133600"/>
-          </a:xfrm>
-          <a:prstGeom prst="straightConnector1">
-            <a:avLst/>
-          </a:prstGeom>
-          <a:solidFill>
-            <a:schemeClr val="accent1"/>
-          </a:solidFill>
-          <a:ln w="12700" cap="flat" cmpd="sng">
-            <a:solidFill>
-              <a:schemeClr val="dk1"/>
-            </a:solidFill>
-            <a:prstDash val="solid"/>
-            <a:round/>
-            <a:headEnd type="none" w="sm" len="sm"/>
-            <a:tailEnd type="none" w="sm" len="sm"/>
-          </a:ln>
-        </p:spPr>
-      </p:cxnSp>
-      <p:sp>
-        <p:nvSpPr>
-          <p:cNvPr id="123" name="Google Shape;123;p14"/>
-          <p:cNvSpPr/>
-          <p:nvPr/>
-        </p:nvSpPr>
-        <p:spPr>
-          <a:xfrm>
-            <a:off x="5638800" y="6096000"/>
-            <a:ext cx="2819400" cy="457200"/>
-          </a:xfrm>
-          <a:prstGeom prst="rect">
-            <a:avLst/>
-          </a:prstGeom>
-          <a:solidFill>
-            <a:srgbClr val="BFBFBF"/>
-          </a:solidFill>
-          <a:ln w="12700" cap="flat" cmpd="sng">
-            <a:solidFill>
-              <a:schemeClr val="dk1"/>
-            </a:solidFill>
-            <a:prstDash val="solid"/>
-            <a:round/>
-            <a:headEnd type="none" w="sm" len="sm"/>
-            <a:tailEnd type="none" w="sm" len="sm"/>
-          </a:ln>
-        </p:spPr>
-        <p:txBody>
-          <a:bodyPr spcFirstLastPara="1" wrap="square" lIns="91425" tIns="45700" rIns="91425" bIns="45700" anchor="t" anchorCtr="0">
-            <a:noAutofit/>
-          </a:bodyPr>
-          <a:lstStyle/>
-          <a:p>
-            <a:pPr marL="0" marR="0" lvl="0" indent="0" algn="l" rtl="0">
-              <a:lnSpc>
-                <a:spcPct val="100000"/>
-              </a:lnSpc>
-              <a:spcBef>
-                <a:spcPts val="0"/>
-              </a:spcBef>
-              <a:spcAft>
-                <a:spcPts val="0"/>
-              </a:spcAft>
-              <a:buClr>
-                <a:schemeClr val="dk1"/>
-              </a:buClr>
-              <a:buSzPts val="1800"/>
-              <a:buFont typeface="Arial"/>
-              <a:buNone/>
-            </a:pPr>
-            <a:endParaRPr sz="1800" b="0" i="0" u="none" strike="noStrike" cap="none">
-              <a:solidFill>
-                <a:schemeClr val="dk1"/>
-              </a:solidFill>
-              <a:latin typeface="Arial"/>
-              <a:ea typeface="Arial"/>
-              <a:cs typeface="Arial"/>
-              <a:sym typeface="Arial"/>
-            </a:endParaRPr>
-          </a:p>
-        </p:txBody>
-      </p:sp>
-      <p:sp>
-        <p:nvSpPr>
-          <p:cNvPr id="124" name="Google Shape;124;p14"/>
-          <p:cNvSpPr txBox="1"/>
-          <p:nvPr/>
-        </p:nvSpPr>
-        <p:spPr>
-          <a:xfrm>
-            <a:off x="6032680" y="6096000"/>
-            <a:ext cx="2045414" cy="369332"/>
-          </a:xfrm>
-          <a:prstGeom prst="rect">
-            <a:avLst/>
-          </a:prstGeom>
-          <a:noFill/>
-          <a:ln>
-            <a:noFill/>
-          </a:ln>
-        </p:spPr>
-        <p:txBody>
-          <a:bodyPr spcFirstLastPara="1" wrap="square" lIns="91425" tIns="45700" rIns="91425" bIns="45700" anchor="t" anchorCtr="0">
-            <a:noAutofit/>
-          </a:bodyPr>
-          <a:lstStyle/>
-          <a:p>
-            <a:pPr marL="0" marR="0" lvl="0" indent="0" algn="l" rtl="0">
-              <a:spcBef>
-                <a:spcPts val="0"/>
-              </a:spcBef>
-              <a:spcAft>
-                <a:spcPts val="0"/>
-              </a:spcAft>
-              <a:buNone/>
-            </a:pPr>
-            <a:r>
-              <a:rPr lang="en-US" sz="1800">
-                <a:solidFill>
-                  <a:schemeClr val="dk1"/>
-                </a:solidFill>
-                <a:latin typeface="Arial"/>
-                <a:ea typeface="Arial"/>
-                <a:cs typeface="Arial"/>
-                <a:sym typeface="Arial"/>
-              </a:rPr>
-              <a:t>adt representation</a:t>
-            </a:r>
-            <a:endParaRPr/>
-          </a:p>
-        </p:txBody>
-      </p:sp>
-      <p:sp>
-        <p:nvSpPr>
-          <p:cNvPr id="125" name="Google Shape;125;p14"/>
-          <p:cNvSpPr/>
-          <p:nvPr/>
-        </p:nvSpPr>
-        <p:spPr>
-          <a:xfrm>
-            <a:off x="5638800" y="5715000"/>
-            <a:ext cx="1905000" cy="381000"/>
-          </a:xfrm>
-          <a:prstGeom prst="rect">
-            <a:avLst/>
-          </a:prstGeom>
-          <a:solidFill>
-            <a:srgbClr val="D8D8D8"/>
-          </a:solidFill>
-          <a:ln w="12700" cap="flat" cmpd="sng">
-            <a:solidFill>
-              <a:schemeClr val="dk1"/>
-            </a:solidFill>
-            <a:prstDash val="solid"/>
-            <a:round/>
-            <a:headEnd type="none" w="sm" len="sm"/>
-            <a:tailEnd type="none" w="sm" len="sm"/>
-          </a:ln>
-        </p:spPr>
-        <p:txBody>
-          <a:bodyPr spcFirstLastPara="1" wrap="square" lIns="91425" tIns="45700" rIns="91425" bIns="45700" anchor="t" anchorCtr="0">
-            <a:noAutofit/>
-          </a:bodyPr>
-          <a:lstStyle/>
-          <a:p>
-            <a:pPr marL="0" marR="0" lvl="0" indent="0" algn="l" rtl="0">
-              <a:lnSpc>
-                <a:spcPct val="100000"/>
-              </a:lnSpc>
-              <a:spcBef>
-                <a:spcPts val="0"/>
-              </a:spcBef>
-              <a:spcAft>
-                <a:spcPts val="0"/>
-              </a:spcAft>
-              <a:buClr>
-                <a:schemeClr val="dk1"/>
-              </a:buClr>
-              <a:buSzPts val="1800"/>
-              <a:buFont typeface="Arial"/>
-              <a:buNone/>
-            </a:pPr>
-            <a:endParaRPr sz="1800" b="0" i="0" u="none" strike="noStrike" cap="none">
-              <a:solidFill>
-                <a:schemeClr val="dk1"/>
-              </a:solidFill>
-              <a:latin typeface="Arial"/>
-              <a:ea typeface="Arial"/>
-              <a:cs typeface="Arial"/>
-              <a:sym typeface="Arial"/>
-            </a:endParaRPr>
-          </a:p>
-        </p:txBody>
-      </p:sp>
-      <p:sp>
-        <p:nvSpPr>
-          <p:cNvPr id="126" name="Google Shape;126;p14"/>
-          <p:cNvSpPr txBox="1"/>
-          <p:nvPr/>
-        </p:nvSpPr>
-        <p:spPr>
-          <a:xfrm>
-            <a:off x="5867400" y="5715000"/>
-            <a:ext cx="1647657" cy="369332"/>
-          </a:xfrm>
-          <a:prstGeom prst="rect">
-            <a:avLst/>
-          </a:prstGeom>
-          <a:noFill/>
-          <a:ln>
-            <a:noFill/>
-          </a:ln>
-        </p:spPr>
-        <p:txBody>
-          <a:bodyPr spcFirstLastPara="1" wrap="square" lIns="91425" tIns="45700" rIns="91425" bIns="45700" anchor="t" anchorCtr="0">
-            <a:noAutofit/>
-          </a:bodyPr>
-          <a:lstStyle/>
-          <a:p>
-            <a:pPr marL="0" marR="0" lvl="0" indent="0" algn="l" rtl="0">
-              <a:spcBef>
-                <a:spcPts val="0"/>
-              </a:spcBef>
-              <a:spcAft>
-                <a:spcPts val="0"/>
-              </a:spcAft>
-              <a:buNone/>
-            </a:pPr>
-            <a:r>
-              <a:rPr lang="en-US" sz="1800">
-                <a:solidFill>
-                  <a:schemeClr val="dk1"/>
-                </a:solidFill>
-                <a:latin typeface="Arial"/>
-                <a:ea typeface="Arial"/>
-                <a:cs typeface="Arial"/>
-                <a:sym typeface="Arial"/>
-              </a:rPr>
-              <a:t>adt operations</a:t>
-            </a:r>
-            <a:endParaRPr/>
-          </a:p>
-        </p:txBody>
-      </p:sp>
-      <p:sp>
-        <p:nvSpPr>
-          <p:cNvPr id="127" name="Google Shape;127;p14"/>
-          <p:cNvSpPr/>
-          <p:nvPr/>
-        </p:nvSpPr>
-        <p:spPr>
-          <a:xfrm>
-            <a:off x="5638800" y="5334000"/>
-            <a:ext cx="2819400" cy="381000"/>
-          </a:xfrm>
-          <a:prstGeom prst="rect">
-            <a:avLst/>
-          </a:prstGeom>
-          <a:solidFill>
-            <a:schemeClr val="accent1"/>
-          </a:solidFill>
-          <a:ln w="12700" cap="flat" cmpd="sng">
-            <a:solidFill>
-              <a:schemeClr val="dk1"/>
-            </a:solidFill>
-            <a:prstDash val="solid"/>
-            <a:round/>
-            <a:headEnd type="none" w="sm" len="sm"/>
-            <a:tailEnd type="none" w="sm" len="sm"/>
-          </a:ln>
-        </p:spPr>
-        <p:txBody>
-          <a:bodyPr spcFirstLastPara="1" wrap="square" lIns="91425" tIns="45700" rIns="91425" bIns="45700" anchor="t" anchorCtr="0">
-            <a:noAutofit/>
-          </a:bodyPr>
-          <a:lstStyle/>
-          <a:p>
-            <a:pPr marL="0" marR="0" lvl="0" indent="0" algn="l" rtl="0">
-              <a:lnSpc>
-                <a:spcPct val="100000"/>
-              </a:lnSpc>
-              <a:spcBef>
-                <a:spcPts val="0"/>
-              </a:spcBef>
-              <a:spcAft>
-                <a:spcPts val="0"/>
-              </a:spcAft>
-              <a:buClr>
-                <a:schemeClr val="dk1"/>
-              </a:buClr>
-              <a:buSzPts val="1800"/>
-              <a:buFont typeface="Arial"/>
-              <a:buNone/>
-            </a:pPr>
-            <a:endParaRPr sz="1800" b="0" i="0" u="none" strike="noStrike" cap="none">
-              <a:solidFill>
-                <a:schemeClr val="dk1"/>
-              </a:solidFill>
-              <a:latin typeface="Arial"/>
-              <a:ea typeface="Arial"/>
-              <a:cs typeface="Arial"/>
-              <a:sym typeface="Arial"/>
-            </a:endParaRPr>
-          </a:p>
-        </p:txBody>
-      </p:sp>
-      <p:sp>
-        <p:nvSpPr>
-          <p:cNvPr id="128" name="Google Shape;128;p14"/>
-          <p:cNvSpPr txBox="1"/>
-          <p:nvPr/>
-        </p:nvSpPr>
-        <p:spPr>
-          <a:xfrm>
-            <a:off x="6324600" y="5345668"/>
-            <a:ext cx="1288333" cy="369332"/>
-          </a:xfrm>
-          <a:prstGeom prst="rect">
-            <a:avLst/>
-          </a:prstGeom>
-          <a:noFill/>
-          <a:ln>
-            <a:noFill/>
-          </a:ln>
-        </p:spPr>
-        <p:txBody>
-          <a:bodyPr spcFirstLastPara="1" wrap="square" lIns="91425" tIns="45700" rIns="91425" bIns="45700" anchor="t" anchorCtr="0">
-            <a:noAutofit/>
-          </a:bodyPr>
-          <a:lstStyle/>
-          <a:p>
-            <a:pPr marL="0" marR="0" lvl="0" indent="0" algn="l" rtl="0">
-              <a:spcBef>
-                <a:spcPts val="0"/>
-              </a:spcBef>
-              <a:spcAft>
-                <a:spcPts val="0"/>
-              </a:spcAft>
-              <a:buNone/>
-            </a:pPr>
-            <a:r>
-              <a:rPr lang="en-US" sz="1800">
-                <a:solidFill>
-                  <a:schemeClr val="dk1"/>
-                </a:solidFill>
-                <a:latin typeface="Arial"/>
-                <a:ea typeface="Arial"/>
-                <a:cs typeface="Arial"/>
-                <a:sym typeface="Arial"/>
-              </a:rPr>
-              <a:t>application</a:t>
-            </a:r>
-            <a:endParaRPr/>
           </a:p>
         </p:txBody>
       </p:sp>
@@ -36477,7 +33049,7 @@
               <a:buChar char="•"/>
             </a:pPr>
             <a:r>
-              <a:rPr lang="en-US" sz="2400" b="1" i="0" u="none" strike="noStrike" cap="none">
+              <a:rPr lang="en-US" sz="2400" b="1" i="0" u="none" strike="noStrike" cap="none" dirty="0">
                 <a:solidFill>
                   <a:schemeClr val="dk1"/>
                 </a:solidFill>
@@ -36488,7 +33060,7 @@
               </a:rPr>
               <a:t>Immutable – the value of the object cannot be changed</a:t>
             </a:r>
-            <a:endParaRPr/>
+            <a:endParaRPr dirty="0"/>
           </a:p>
           <a:p>
             <a:pPr marL="685800" marR="0" lvl="1" indent="-228600" algn="l" rtl="0">
@@ -36509,18 +33081,30 @@
               <a:buChar char="–"/>
             </a:pPr>
             <a:r>
-              <a:rPr lang="en-US" sz="1800" b="1" i="0" u="none" strike="noStrike" cap="none">
-                <a:solidFill>
-                  <a:schemeClr val="dk1"/>
-                </a:solidFill>
-                <a:latin typeface="Arial"/>
-                <a:ea typeface="Arial"/>
-                <a:cs typeface="Arial"/>
-                <a:sym typeface="Arial"/>
-              </a:rPr>
-              <a:t>integers, floats, booleans</a:t>
-            </a:r>
-            <a:endParaRPr sz="1800" b="1" i="0" u="none" strike="noStrike" cap="none">
+              <a:rPr lang="en-US" sz="1800" b="1" i="0" u="none" strike="noStrike" cap="none" dirty="0">
+                <a:solidFill>
+                  <a:schemeClr val="dk1"/>
+                </a:solidFill>
+                <a:latin typeface="Arial"/>
+                <a:ea typeface="Arial"/>
+                <a:cs typeface="Arial"/>
+                <a:sym typeface="Arial"/>
+              </a:rPr>
+              <a:t>integers, floats, </a:t>
+            </a:r>
+            <a:r>
+              <a:rPr lang="en-US" sz="1800" b="1" i="0" u="none" strike="noStrike" cap="none" dirty="0" err="1">
+                <a:solidFill>
+                  <a:schemeClr val="dk1"/>
+                </a:solidFill>
+                <a:latin typeface="Arial"/>
+                <a:ea typeface="Arial"/>
+                <a:cs typeface="Arial"/>
+                <a:sym typeface="Arial"/>
+              </a:rPr>
+              <a:t>booleans</a:t>
+            </a:r>
+            <a:endParaRPr sz="1800" b="1" i="0" u="none" strike="noStrike" cap="none" dirty="0">
               <a:solidFill>
                 <a:schemeClr val="dk1"/>
               </a:solidFill>
@@ -36549,7 +33133,7 @@
               <a:buChar char="–"/>
             </a:pPr>
             <a:r>
-              <a:rPr lang="en-US" sz="1800" b="1" i="0" u="none" strike="noStrike" cap="none">
+              <a:rPr lang="en-US" sz="1800" b="1" i="0" u="none" strike="noStrike" cap="none" dirty="0">
                 <a:solidFill>
                   <a:schemeClr val="dk1"/>
                 </a:solidFill>
@@ -36560,7 +33144,7 @@
               </a:rPr>
               <a:t>strings, tuples</a:t>
             </a:r>
-            <a:endParaRPr/>
+            <a:endParaRPr dirty="0"/>
           </a:p>
           <a:p>
             <a:pPr marL="285750" marR="0" lvl="0" indent="-285750" algn="l" rtl="0">
@@ -36581,7 +33165,7 @@
               <a:buChar char="•"/>
             </a:pPr>
             <a:r>
-              <a:rPr lang="en-US" sz="2400" b="1" i="0" u="none" strike="noStrike" cap="none">
+              <a:rPr lang="en-US" sz="2400" b="1" i="0" u="none" strike="noStrike" cap="none" dirty="0">
                 <a:solidFill>
                   <a:schemeClr val="dk1"/>
                 </a:solidFill>
@@ -36592,7 +33176,7 @@
               </a:rPr>
               <a:t>Mutable – the value of the object can …</a:t>
             </a:r>
-            <a:endParaRPr/>
+            <a:endParaRPr dirty="0"/>
           </a:p>
           <a:p>
             <a:pPr marL="685800" marR="0" lvl="1" indent="-228600" algn="l" rtl="0">
@@ -36613,7 +33197,7 @@
               <a:buChar char="–"/>
             </a:pPr>
             <a:r>
-              <a:rPr lang="en-US" sz="1800" b="1" i="0" u="none" strike="noStrike" cap="none">
+              <a:rPr lang="en-US" sz="1800" b="1" i="0" u="none" strike="noStrike" cap="none" dirty="0">
                 <a:solidFill>
                   <a:schemeClr val="dk1"/>
                 </a:solidFill>
@@ -36624,7 +33208,7 @@
               </a:rPr>
               <a:t>Lists</a:t>
             </a:r>
-            <a:endParaRPr/>
+            <a:endParaRPr dirty="0"/>
           </a:p>
           <a:p>
             <a:pPr marL="685800" marR="0" lvl="1" indent="-228600" algn="l" rtl="0">
@@ -36645,7 +33229,7 @@
               <a:buChar char="–"/>
             </a:pPr>
             <a:r>
-              <a:rPr lang="en-US" sz="1800" b="1" i="0" u="none" strike="noStrike" cap="none">
+              <a:rPr lang="en-US" sz="1800" b="1" i="0" u="none" strike="noStrike" cap="none" dirty="0">
                 <a:solidFill>
                   <a:schemeClr val="dk1"/>
                 </a:solidFill>
@@ -36656,7 +33240,7 @@
               </a:rPr>
               <a:t>Dictionaries</a:t>
             </a:r>
-            <a:endParaRPr/>
+            <a:endParaRPr dirty="0"/>
           </a:p>
           <a:p>
             <a:pPr marL="685800" marR="0" lvl="1" indent="-114300" algn="l" rtl="0">
@@ -36676,7 +33260,7 @@
               <a:buFont typeface="Arial"/>
               <a:buNone/>
             </a:pPr>
-            <a:endParaRPr sz="1800" b="1" i="0" u="none" strike="noStrike" cap="none">
+            <a:endParaRPr sz="1800" b="1" i="0" u="none" strike="noStrike" cap="none" dirty="0">
               <a:solidFill>
                 <a:schemeClr val="dk1"/>
               </a:solidFill>
